--- a/Determing Customer Valuableness CIS731 Final Project.pptx
+++ b/Determing Customer Valuableness CIS731 Final Project.pptx
@@ -147,14 +147,6 @@
 <p:cmAuthorLst xmlns:a="http://schemas.openxmlformats.org/drawingml/2006/main" xmlns:r="http://schemas.openxmlformats.org/officeDocument/2006/relationships" xmlns:p="http://schemas.openxmlformats.org/presentationml/2006/main">
   <p:cmAuthor id="2" name="Author" initials="A" lastIdx="0" clrIdx="1"/>
 </p:cmAuthorLst>
-</file>
-
-<file path=ppt/revisionInfo.xml><?xml version="1.0" encoding="utf-8"?>
-<p1510:revInfo xmlns:a="http://schemas.openxmlformats.org/drawingml/2006/main" xmlns:r="http://schemas.openxmlformats.org/officeDocument/2006/relationships" xmlns:p1510="http://schemas.microsoft.com/office/powerpoint/2015/10/main">
-  <p1510:revLst>
-    <p1510:client id="{0199FE97-76DB-4D13-AF5C-DDFD0040EC87}" v="19" dt="2024-12-11T04:58:21.326"/>
-  </p1510:revLst>
-</p1510:revInfo>
 </file>
 
 <file path=ppt/handoutMasters/handoutMaster1.xml><?xml version="1.0" encoding="utf-8"?>
@@ -9686,7 +9678,7 @@
             </a:pPr>
             <a:r>
               <a:rPr lang="en-US" dirty="0"/>
-              <a:t>Build alternative clustering model, Bisecting K-Means model, using 2 clusters (valuable and invaluable customers)</a:t>
+              <a:t>Build alternative clustering model, Bisecting K-Means model, using 2 clusters (valuable and non valuable customers)</a:t>
             </a:r>
           </a:p>
           <a:p>
@@ -11296,7 +11288,7 @@
             <a:pPr lvl="1"/>
             <a:r>
               <a:rPr lang="en-US" dirty="0"/>
-              <a:t>Invaluable customers: higher recency, lower frequency, lower monetary value</a:t>
+              <a:t>Non valuable customers: higher recency, lower frequency, lower monetary value</a:t>
             </a:r>
           </a:p>
           <a:p>
@@ -13440,7 +13432,7 @@
             </a:pPr>
             <a:r>
               <a:rPr lang="en-US" dirty="0"/>
-              <a:t>Build baseline cluster model, K-Means model, using 2 clusters (valuable and invaluable customers)</a:t>
+              <a:t>Build baseline cluster model, K-Means model, using 2 clusters (valuable and non valuable customers)</a:t>
             </a:r>
           </a:p>
           <a:p>

--- a/Determing Customer Valuableness CIS731 Final Project.pptx
+++ b/Determing Customer Valuableness CIS731 Final Project.pptx
@@ -5,10 +5,10 @@
     <p:sldMasterId id="2147483658" r:id="rId4"/>
   </p:sldMasterIdLst>
   <p:notesMasterIdLst>
-    <p:notesMasterId r:id="rId22"/>
+    <p:notesMasterId r:id="rId24"/>
   </p:notesMasterIdLst>
   <p:handoutMasterIdLst>
-    <p:handoutMasterId r:id="rId23"/>
+    <p:handoutMasterId r:id="rId25"/>
   </p:handoutMasterIdLst>
   <p:sldIdLst>
     <p:sldId id="410" r:id="rId5"/>
@@ -16,18 +16,20 @@
     <p:sldId id="391" r:id="rId7"/>
     <p:sldId id="408" r:id="rId8"/>
     <p:sldId id="411" r:id="rId9"/>
-    <p:sldId id="412" r:id="rId10"/>
-    <p:sldId id="422" r:id="rId11"/>
-    <p:sldId id="423" r:id="rId12"/>
-    <p:sldId id="413" r:id="rId13"/>
-    <p:sldId id="414" r:id="rId14"/>
-    <p:sldId id="416" r:id="rId15"/>
-    <p:sldId id="424" r:id="rId16"/>
-    <p:sldId id="419" r:id="rId17"/>
-    <p:sldId id="420" r:id="rId18"/>
-    <p:sldId id="404" r:id="rId19"/>
-    <p:sldId id="421" r:id="rId20"/>
-    <p:sldId id="398" r:id="rId21"/>
+    <p:sldId id="425" r:id="rId10"/>
+    <p:sldId id="412" r:id="rId11"/>
+    <p:sldId id="422" r:id="rId12"/>
+    <p:sldId id="423" r:id="rId13"/>
+    <p:sldId id="413" r:id="rId14"/>
+    <p:sldId id="414" r:id="rId15"/>
+    <p:sldId id="416" r:id="rId16"/>
+    <p:sldId id="424" r:id="rId17"/>
+    <p:sldId id="419" r:id="rId18"/>
+    <p:sldId id="426" r:id="rId19"/>
+    <p:sldId id="420" r:id="rId20"/>
+    <p:sldId id="404" r:id="rId21"/>
+    <p:sldId id="421" r:id="rId22"/>
+    <p:sldId id="398" r:id="rId23"/>
   </p:sldIdLst>
   <p:sldSz cx="12192000" cy="6858000"/>
   <p:notesSz cx="6858000" cy="9144000"/>
@@ -206,7 +208,7 @@
           <a:p>
             <a:fld id="{1EBEDD12-BCD5-485B-BCBC-34BB01D7923C}" type="datetimeFigureOut">
               <a:rPr lang="en-US" smtClean="0"/>
-              <a:t>12/8/2024</a:t>
+              <a:t>12/14/2024</a:t>
             </a:fld>
             <a:endParaRPr lang="en-US" dirty="0"/>
           </a:p>
@@ -420,7 +422,7 @@
           <a:p>
             <a:fld id="{6EE7A52F-9D89-7442-A8E9-48D1527B5F6B}" type="datetimeFigureOut">
               <a:rPr lang="en-US" smtClean="0"/>
-              <a:t>12/8/2024</a:t>
+              <a:t>12/14/2024</a:t>
             </a:fld>
             <a:endParaRPr lang="en-US" dirty="0"/>
           </a:p>
@@ -1088,7 +1090,7 @@
           <a:p>
             <a:fld id="{A89C7E07-3C67-C64C-8DA0-0404F6303970}" type="slidenum">
               <a:rPr lang="en-US" smtClean="0"/>
-              <a:t>15</a:t>
+              <a:t>17</a:t>
             </a:fld>
             <a:endParaRPr lang="en-US" dirty="0"/>
           </a:p>
@@ -1172,7 +1174,7 @@
           <a:p>
             <a:fld id="{A89C7E07-3C67-C64C-8DA0-0404F6303970}" type="slidenum">
               <a:rPr lang="en-US" smtClean="0"/>
-              <a:t>17</a:t>
+              <a:t>19</a:t>
             </a:fld>
             <a:endParaRPr lang="en-US" dirty="0"/>
           </a:p>
@@ -9061,7 +9063,7 @@
     <p:sldLayoutId id="2147483704" r:id="rId12"/>
     <p:sldLayoutId id="2147483703" r:id="rId13"/>
   </p:sldLayoutIdLst>
-  <p:hf sldNum="0" hdr="0" ftr="0" dt="0"/>
+  <p:hf hdr="0" ftr="0" dt="0"/>
   <p:txStyles>
     <p:titleStyle>
       <a:lvl1pPr algn="l" defTabSz="914400" rtl="0" eaLnBrk="1" latinLnBrk="0" hangingPunct="1">
@@ -9626,7 +9628,7 @@
           <p:cNvPr id="2" name="Title 1">
             <a:extLst>
               <a:ext uri="{FF2B5EF4-FFF2-40B4-BE49-F238E27FC236}">
-                <a16:creationId xmlns:a16="http://schemas.microsoft.com/office/drawing/2014/main" id="{A9173856-6908-97E4-9632-D3C1B32361E6}"/>
+                <a16:creationId xmlns:a16="http://schemas.microsoft.com/office/drawing/2014/main" id="{D2D9FE66-78F0-514A-9130-7AD2CEB86FE7}"/>
               </a:ext>
             </a:extLst>
           </p:cNvPr>
@@ -9644,7 +9646,7 @@
           <a:p>
             <a:r>
               <a:rPr lang="en-US" dirty="0"/>
-              <a:t>Model Building – Bisecting K-Means Clustering</a:t>
+              <a:t>Model Building – K-Means Clustering</a:t>
             </a:r>
           </a:p>
         </p:txBody>
@@ -9654,7 +9656,7 @@
           <p:cNvPr id="3" name="Content Placeholder 2">
             <a:extLst>
               <a:ext uri="{FF2B5EF4-FFF2-40B4-BE49-F238E27FC236}">
-                <a16:creationId xmlns:a16="http://schemas.microsoft.com/office/drawing/2014/main" id="{81ED9BE5-5E45-21DC-8D5C-CEDC4512FCFE}"/>
+                <a16:creationId xmlns:a16="http://schemas.microsoft.com/office/drawing/2014/main" id="{0C17CC54-4C65-99B7-4E5A-F7D22CEFF51B}"/>
               </a:ext>
             </a:extLst>
           </p:cNvPr>
@@ -9678,7 +9680,7 @@
             </a:pPr>
             <a:r>
               <a:rPr lang="en-US" dirty="0"/>
-              <a:t>Build alternative clustering model, Bisecting K-Means model, using 2 clusters (valuable and non valuable customers)</a:t>
+              <a:t>Build baseline cluster model, K-Means model, using 2 clusters (valuable and non valuable customers)</a:t>
             </a:r>
           </a:p>
           <a:p>
@@ -9709,7 +9711,7 @@
             </a:pPr>
             <a:r>
               <a:rPr lang="en-US" dirty="0"/>
-              <a:t>Evaluation:</a:t>
+              <a:t>Evaluation: </a:t>
             </a:r>
           </a:p>
           <a:p>
@@ -9723,8 +9725,15 @@
             <a:pPr lvl="1"/>
             <a:r>
               <a:rPr lang="en-US" dirty="0"/>
-              <a:t>Run time: 29.93 seconds</a:t>
-            </a:r>
+              <a:t>Model run time: 55.29 seconds</a:t>
+            </a:r>
+          </a:p>
+          <a:p>
+            <a:pPr marL="342900" indent="-342900">
+              <a:buFont typeface="Arial" panose="020B0604020202020204" pitchFamily="34" charset="0"/>
+              <a:buChar char="•"/>
+            </a:pPr>
+            <a:endParaRPr lang="en-US" dirty="0"/>
           </a:p>
         </p:txBody>
       </p:sp>
@@ -9733,7 +9742,7 @@
           <p:cNvPr id="5" name="Picture 4">
             <a:extLst>
               <a:ext uri="{FF2B5EF4-FFF2-40B4-BE49-F238E27FC236}">
-                <a16:creationId xmlns:a16="http://schemas.microsoft.com/office/drawing/2014/main" id="{8F845A71-E463-5008-0D8B-61509D420D9F}"/>
+                <a16:creationId xmlns:a16="http://schemas.microsoft.com/office/drawing/2014/main" id="{69E18351-52FD-9D5C-460E-253C6B98EC17}"/>
               </a:ext>
             </a:extLst>
           </p:cNvPr>
@@ -9750,8 +9759,8 @@
         </p:blipFill>
         <p:spPr>
           <a:xfrm>
-            <a:off x="6642679" y="3322982"/>
-            <a:ext cx="4953798" cy="1500809"/>
+            <a:off x="6724225" y="3216083"/>
+            <a:ext cx="4466501" cy="1869193"/>
           </a:xfrm>
           <a:prstGeom prst="rect">
             <a:avLst/>
@@ -9763,7 +9772,7 @@
           <p:cNvPr id="7" name="TextBox 6">
             <a:extLst>
               <a:ext uri="{FF2B5EF4-FFF2-40B4-BE49-F238E27FC236}">
-                <a16:creationId xmlns:a16="http://schemas.microsoft.com/office/drawing/2014/main" id="{C82ECAF7-BCCB-E169-5EC8-A2B8AA55F819}"/>
+                <a16:creationId xmlns:a16="http://schemas.microsoft.com/office/drawing/2014/main" id="{174243A3-06FC-F179-1889-341F63AF8B31}"/>
               </a:ext>
             </a:extLst>
           </p:cNvPr>
@@ -9772,8 +9781,8 @@
         </p:nvSpPr>
         <p:spPr>
           <a:xfrm>
-            <a:off x="6642679" y="4956312"/>
-            <a:ext cx="4953798" cy="338554"/>
+            <a:off x="6724224" y="5171349"/>
+            <a:ext cx="4466501" cy="338554"/>
           </a:xfrm>
           <a:prstGeom prst="rect">
             <a:avLst/>
@@ -9801,15 +9810,47 @@
                   <a:schemeClr val="bg1"/>
                 </a:solidFill>
               </a:rPr>
-              <a:t> code for Bisecting K-Means model</a:t>
-            </a:r>
+              <a:t> code for K-Means model</a:t>
+            </a:r>
+          </a:p>
+        </p:txBody>
+      </p:sp>
+      <p:sp>
+        <p:nvSpPr>
+          <p:cNvPr id="4" name="Slide Number Placeholder 3">
+            <a:extLst>
+              <a:ext uri="{FF2B5EF4-FFF2-40B4-BE49-F238E27FC236}">
+                <a16:creationId xmlns:a16="http://schemas.microsoft.com/office/drawing/2014/main" id="{3D7702EB-9B8C-5173-C560-C5DFE67DB3FA}"/>
+              </a:ext>
+            </a:extLst>
+          </p:cNvPr>
+          <p:cNvSpPr>
+            <a:spLocks noGrp="1"/>
+          </p:cNvSpPr>
+          <p:nvPr>
+            <p:ph type="sldNum" sz="quarter" idx="12"/>
+          </p:nvPr>
+        </p:nvSpPr>
+        <p:spPr/>
+        <p:txBody>
+          <a:bodyPr/>
+          <a:lstStyle/>
+          <a:p>
+            <a:fld id="{294A09A9-5501-47C1-A89A-A340965A2BE2}" type="slidenum">
+              <a:rPr lang="en-US" smtClean="0"/>
+              <a:pPr/>
+              <a:t>10</a:t>
+            </a:fld>
+            <a:endParaRPr lang="en-US" dirty="0">
+              <a:latin typeface="+mn-lt"/>
+            </a:endParaRPr>
           </a:p>
         </p:txBody>
       </p:sp>
     </p:spTree>
     <p:extLst>
       <p:ext uri="{BB962C8B-B14F-4D97-AF65-F5344CB8AC3E}">
-        <p14:creationId xmlns:p14="http://schemas.microsoft.com/office/powerpoint/2010/main" val="3770275261"/>
+        <p14:creationId xmlns:p14="http://schemas.microsoft.com/office/powerpoint/2010/main" val="2883825038"/>
       </p:ext>
     </p:extLst>
   </p:cSld>
@@ -9841,7 +9882,7 @@
           <p:cNvPr id="2" name="Title 1">
             <a:extLst>
               <a:ext uri="{FF2B5EF4-FFF2-40B4-BE49-F238E27FC236}">
-                <a16:creationId xmlns:a16="http://schemas.microsoft.com/office/drawing/2014/main" id="{0C422C3B-69FD-6285-B8B2-C12AFD7394A1}"/>
+                <a16:creationId xmlns:a16="http://schemas.microsoft.com/office/drawing/2014/main" id="{A9173856-6908-97E4-9632-D3C1B32361E6}"/>
               </a:ext>
             </a:extLst>
           </p:cNvPr>
@@ -9859,6 +9900,253 @@
           <a:p>
             <a:r>
               <a:rPr lang="en-US" dirty="0"/>
+              <a:t>Model Building – Bisecting K-Means Clustering</a:t>
+            </a:r>
+          </a:p>
+        </p:txBody>
+      </p:sp>
+      <p:sp>
+        <p:nvSpPr>
+          <p:cNvPr id="3" name="Content Placeholder 2">
+            <a:extLst>
+              <a:ext uri="{FF2B5EF4-FFF2-40B4-BE49-F238E27FC236}">
+                <a16:creationId xmlns:a16="http://schemas.microsoft.com/office/drawing/2014/main" id="{81ED9BE5-5E45-21DC-8D5C-CEDC4512FCFE}"/>
+              </a:ext>
+            </a:extLst>
+          </p:cNvPr>
+          <p:cNvSpPr>
+            <a:spLocks noGrp="1"/>
+          </p:cNvSpPr>
+          <p:nvPr>
+            <p:ph sz="quarter" idx="13"/>
+          </p:nvPr>
+        </p:nvSpPr>
+        <p:spPr/>
+        <p:txBody>
+          <a:bodyPr>
+            <a:normAutofit/>
+          </a:bodyPr>
+          <a:lstStyle/>
+          <a:p>
+            <a:pPr marL="342900" indent="-342900">
+              <a:buFont typeface="Arial" panose="020B0604020202020204" pitchFamily="34" charset="0"/>
+              <a:buChar char="•"/>
+            </a:pPr>
+            <a:r>
+              <a:rPr lang="en-US" dirty="0"/>
+              <a:t>Build alternative clustering model, Bisecting K-Means model, using 2 clusters (valuable and non valuable customers)</a:t>
+            </a:r>
+          </a:p>
+          <a:p>
+            <a:pPr marL="1028700" lvl="1" indent="-342900"/>
+            <a:r>
+              <a:rPr lang="en-US" dirty="0"/>
+              <a:t>Train data: 2982 customers (70%)</a:t>
+            </a:r>
+          </a:p>
+          <a:p>
+            <a:pPr marL="1028700" lvl="1" indent="-342900"/>
+            <a:r>
+              <a:rPr lang="en-US" dirty="0"/>
+              <a:t>Test data: 1294 customers (30%)</a:t>
+            </a:r>
+          </a:p>
+          <a:p>
+            <a:pPr marL="342900" indent="-342900">
+              <a:buFont typeface="Arial" panose="020B0604020202020204" pitchFamily="34" charset="0"/>
+              <a:buChar char="•"/>
+            </a:pPr>
+            <a:endParaRPr lang="en-US" dirty="0"/>
+          </a:p>
+          <a:p>
+            <a:pPr marL="342900" indent="-342900">
+              <a:buFont typeface="Arial" panose="020B0604020202020204" pitchFamily="34" charset="0"/>
+              <a:buChar char="•"/>
+            </a:pPr>
+            <a:r>
+              <a:rPr lang="en-US" dirty="0"/>
+              <a:t>Evaluation:</a:t>
+            </a:r>
+          </a:p>
+          <a:p>
+            <a:pPr lvl="1"/>
+            <a:r>
+              <a:rPr lang="en-US" dirty="0"/>
+              <a:t>Silhouette of 0.858</a:t>
+            </a:r>
+          </a:p>
+          <a:p>
+            <a:pPr lvl="1"/>
+            <a:r>
+              <a:rPr lang="en-US" dirty="0"/>
+              <a:t>Run time: 29.93 seconds</a:t>
+            </a:r>
+          </a:p>
+        </p:txBody>
+      </p:sp>
+      <p:pic>
+        <p:nvPicPr>
+          <p:cNvPr id="5" name="Picture 4">
+            <a:extLst>
+              <a:ext uri="{FF2B5EF4-FFF2-40B4-BE49-F238E27FC236}">
+                <a16:creationId xmlns:a16="http://schemas.microsoft.com/office/drawing/2014/main" id="{8F845A71-E463-5008-0D8B-61509D420D9F}"/>
+              </a:ext>
+            </a:extLst>
+          </p:cNvPr>
+          <p:cNvPicPr>
+            <a:picLocks noChangeAspect="1"/>
+          </p:cNvPicPr>
+          <p:nvPr/>
+        </p:nvPicPr>
+        <p:blipFill>
+          <a:blip r:embed="rId2"/>
+          <a:stretch>
+            <a:fillRect/>
+          </a:stretch>
+        </p:blipFill>
+        <p:spPr>
+          <a:xfrm>
+            <a:off x="6642679" y="3322982"/>
+            <a:ext cx="4953798" cy="1500809"/>
+          </a:xfrm>
+          <a:prstGeom prst="rect">
+            <a:avLst/>
+          </a:prstGeom>
+        </p:spPr>
+      </p:pic>
+      <p:sp>
+        <p:nvSpPr>
+          <p:cNvPr id="7" name="TextBox 6">
+            <a:extLst>
+              <a:ext uri="{FF2B5EF4-FFF2-40B4-BE49-F238E27FC236}">
+                <a16:creationId xmlns:a16="http://schemas.microsoft.com/office/drawing/2014/main" id="{C82ECAF7-BCCB-E169-5EC8-A2B8AA55F819}"/>
+              </a:ext>
+            </a:extLst>
+          </p:cNvPr>
+          <p:cNvSpPr txBox="1"/>
+          <p:nvPr/>
+        </p:nvSpPr>
+        <p:spPr>
+          <a:xfrm>
+            <a:off x="6642679" y="4956312"/>
+            <a:ext cx="4953798" cy="338554"/>
+          </a:xfrm>
+          <a:prstGeom prst="rect">
+            <a:avLst/>
+          </a:prstGeom>
+          <a:noFill/>
+        </p:spPr>
+        <p:txBody>
+          <a:bodyPr wrap="square" rtlCol="0">
+            <a:spAutoFit/>
+          </a:bodyPr>
+          <a:lstStyle/>
+          <a:p>
+            <a:pPr algn="ctr"/>
+            <a:r>
+              <a:rPr lang="en-US" sz="1600" i="1" dirty="0" err="1">
+                <a:solidFill>
+                  <a:schemeClr val="bg1"/>
+                </a:solidFill>
+              </a:rPr>
+              <a:t>PySpark</a:t>
+            </a:r>
+            <a:r>
+              <a:rPr lang="en-US" sz="1600" i="1" dirty="0">
+                <a:solidFill>
+                  <a:schemeClr val="bg1"/>
+                </a:solidFill>
+              </a:rPr>
+              <a:t> code for Bisecting K-Means model</a:t>
+            </a:r>
+          </a:p>
+        </p:txBody>
+      </p:sp>
+      <p:sp>
+        <p:nvSpPr>
+          <p:cNvPr id="4" name="Slide Number Placeholder 3">
+            <a:extLst>
+              <a:ext uri="{FF2B5EF4-FFF2-40B4-BE49-F238E27FC236}">
+                <a16:creationId xmlns:a16="http://schemas.microsoft.com/office/drawing/2014/main" id="{290DCDBE-A093-CB57-365C-A606B4C79778}"/>
+              </a:ext>
+            </a:extLst>
+          </p:cNvPr>
+          <p:cNvSpPr>
+            <a:spLocks noGrp="1"/>
+          </p:cNvSpPr>
+          <p:nvPr>
+            <p:ph type="sldNum" sz="quarter" idx="12"/>
+          </p:nvPr>
+        </p:nvSpPr>
+        <p:spPr/>
+        <p:txBody>
+          <a:bodyPr/>
+          <a:lstStyle/>
+          <a:p>
+            <a:fld id="{294A09A9-5501-47C1-A89A-A340965A2BE2}" type="slidenum">
+              <a:rPr lang="en-US" smtClean="0"/>
+              <a:pPr/>
+              <a:t>11</a:t>
+            </a:fld>
+            <a:endParaRPr lang="en-US" dirty="0">
+              <a:latin typeface="+mn-lt"/>
+            </a:endParaRPr>
+          </a:p>
+        </p:txBody>
+      </p:sp>
+    </p:spTree>
+    <p:extLst>
+      <p:ext uri="{BB962C8B-B14F-4D97-AF65-F5344CB8AC3E}">
+        <p14:creationId xmlns:p14="http://schemas.microsoft.com/office/powerpoint/2010/main" val="3770275261"/>
+      </p:ext>
+    </p:extLst>
+  </p:cSld>
+  <p:clrMapOvr>
+    <a:masterClrMapping/>
+  </p:clrMapOvr>
+</p:sld>
+</file>
+
+<file path=ppt/slides/slide12.xml><?xml version="1.0" encoding="utf-8"?>
+<p:sld xmlns:a="http://schemas.openxmlformats.org/drawingml/2006/main" xmlns:r="http://schemas.openxmlformats.org/officeDocument/2006/relationships" xmlns:p="http://schemas.openxmlformats.org/presentationml/2006/main">
+  <p:cSld>
+    <p:spTree>
+      <p:nvGrpSpPr>
+        <p:cNvPr id="1" name=""/>
+        <p:cNvGrpSpPr/>
+        <p:nvPr/>
+      </p:nvGrpSpPr>
+      <p:grpSpPr>
+        <a:xfrm>
+          <a:off x="0" y="0"/>
+          <a:ext cx="0" cy="0"/>
+          <a:chOff x="0" y="0"/>
+          <a:chExt cx="0" cy="0"/>
+        </a:xfrm>
+      </p:grpSpPr>
+      <p:sp>
+        <p:nvSpPr>
+          <p:cNvPr id="2" name="Title 1">
+            <a:extLst>
+              <a:ext uri="{FF2B5EF4-FFF2-40B4-BE49-F238E27FC236}">
+                <a16:creationId xmlns:a16="http://schemas.microsoft.com/office/drawing/2014/main" id="{0C422C3B-69FD-6285-B8B2-C12AFD7394A1}"/>
+              </a:ext>
+            </a:extLst>
+          </p:cNvPr>
+          <p:cNvSpPr>
+            <a:spLocks noGrp="1"/>
+          </p:cNvSpPr>
+          <p:nvPr>
+            <p:ph type="title"/>
+          </p:nvPr>
+        </p:nvSpPr>
+        <p:spPr/>
+        <p:txBody>
+          <a:bodyPr/>
+          <a:lstStyle/>
+          <a:p>
+            <a:r>
+              <a:rPr lang="en-US" dirty="0"/>
               <a:t>Model Building – Logistic Regression Classification</a:t>
             </a:r>
           </a:p>
@@ -9925,7 +10213,7 @@
           <p:nvPr>
             <p:extLst>
               <p:ext uri="{D42A27DB-BD31-4B8C-83A1-F6EECF244321}">
-                <p14:modId xmlns:p14="http://schemas.microsoft.com/office/powerpoint/2010/main" val="2304957236"/>
+                <p14:modId xmlns:p14="http://schemas.microsoft.com/office/powerpoint/2010/main" val="3231865748"/>
               </p:ext>
             </p:extLst>
           </p:nvPr>
@@ -10152,7 +10440,7 @@
                     <a:p>
                       <a:r>
                         <a:rPr lang="en-US" b="0" dirty="0"/>
-                        <a:t>1.00</a:t>
+                        <a:t>1.000</a:t>
                       </a:r>
                     </a:p>
                   </a:txBody>
@@ -10165,7 +10453,7 @@
                     <a:p>
                       <a:r>
                         <a:rPr lang="en-US" b="0" dirty="0"/>
-                        <a:t>1.00</a:t>
+                        <a:t>1.000</a:t>
                       </a:r>
                     </a:p>
                   </a:txBody>
@@ -10178,7 +10466,7 @@
                     <a:p>
                       <a:r>
                         <a:rPr lang="en-US" b="0" dirty="0"/>
-                        <a:t>1.00</a:t>
+                        <a:t>1.000</a:t>
                       </a:r>
                     </a:p>
                   </a:txBody>
@@ -10316,6 +10604,38 @@
           </a:p>
         </p:txBody>
       </p:sp>
+      <p:sp>
+        <p:nvSpPr>
+          <p:cNvPr id="5" name="Slide Number Placeholder 4">
+            <a:extLst>
+              <a:ext uri="{FF2B5EF4-FFF2-40B4-BE49-F238E27FC236}">
+                <a16:creationId xmlns:a16="http://schemas.microsoft.com/office/drawing/2014/main" id="{2DBF7369-4983-FB0B-0A78-604E45BFC8D1}"/>
+              </a:ext>
+            </a:extLst>
+          </p:cNvPr>
+          <p:cNvSpPr>
+            <a:spLocks noGrp="1"/>
+          </p:cNvSpPr>
+          <p:nvPr>
+            <p:ph type="sldNum" sz="quarter" idx="12"/>
+          </p:nvPr>
+        </p:nvSpPr>
+        <p:spPr/>
+        <p:txBody>
+          <a:bodyPr/>
+          <a:lstStyle/>
+          <a:p>
+            <a:fld id="{294A09A9-5501-47C1-A89A-A340965A2BE2}" type="slidenum">
+              <a:rPr lang="en-US" smtClean="0"/>
+              <a:pPr/>
+              <a:t>12</a:t>
+            </a:fld>
+            <a:endParaRPr lang="en-US" dirty="0">
+              <a:latin typeface="+mn-lt"/>
+            </a:endParaRPr>
+          </a:p>
+        </p:txBody>
+      </p:sp>
     </p:spTree>
     <p:extLst>
       <p:ext uri="{BB962C8B-B14F-4D97-AF65-F5344CB8AC3E}">
@@ -10329,7 +10649,7 @@
 </p:sld>
 </file>
 
-<file path=ppt/slides/slide12.xml><?xml version="1.0" encoding="utf-8"?>
+<file path=ppt/slides/slide13.xml><?xml version="1.0" encoding="utf-8"?>
 <p:sld xmlns:a="http://schemas.openxmlformats.org/drawingml/2006/main" xmlns:r="http://schemas.openxmlformats.org/officeDocument/2006/relationships" xmlns:p="http://schemas.openxmlformats.org/presentationml/2006/main">
   <p:cSld>
     <p:spTree>
@@ -10437,7 +10757,7 @@
           <p:nvPr>
             <p:extLst>
               <p:ext uri="{D42A27DB-BD31-4B8C-83A1-F6EECF244321}">
-                <p14:modId xmlns:p14="http://schemas.microsoft.com/office/powerpoint/2010/main" val="90558281"/>
+                <p14:modId xmlns:p14="http://schemas.microsoft.com/office/powerpoint/2010/main" val="4105702295"/>
               </p:ext>
             </p:extLst>
           </p:nvPr>
@@ -10664,7 +10984,7 @@
                     <a:p>
                       <a:r>
                         <a:rPr lang="en-US" b="0" dirty="0"/>
-                        <a:t>0.99</a:t>
+                        <a:t>0.993</a:t>
                       </a:r>
                     </a:p>
                   </a:txBody>
@@ -10677,7 +10997,7 @@
                     <a:p>
                       <a:r>
                         <a:rPr lang="en-US" b="0" dirty="0"/>
-                        <a:t>1.00</a:t>
+                        <a:t>1.000</a:t>
                       </a:r>
                     </a:p>
                   </a:txBody>
@@ -10690,7 +11010,7 @@
                     <a:p>
                       <a:r>
                         <a:rPr lang="en-US" b="0" dirty="0"/>
-                        <a:t>0.995</a:t>
+                        <a:t>0.996</a:t>
                       </a:r>
                     </a:p>
                   </a:txBody>
@@ -10828,42 +11148,12 @@
           </a:p>
         </p:txBody>
       </p:sp>
-    </p:spTree>
-    <p:extLst>
-      <p:ext uri="{BB962C8B-B14F-4D97-AF65-F5344CB8AC3E}">
-        <p14:creationId xmlns:p14="http://schemas.microsoft.com/office/powerpoint/2010/main" val="3049245412"/>
-      </p:ext>
-    </p:extLst>
-  </p:cSld>
-  <p:clrMapOvr>
-    <a:masterClrMapping/>
-  </p:clrMapOvr>
-</p:sld>
-</file>
-
-<file path=ppt/slides/slide13.xml><?xml version="1.0" encoding="utf-8"?>
-<p:sld xmlns:a="http://schemas.openxmlformats.org/drawingml/2006/main" xmlns:r="http://schemas.openxmlformats.org/officeDocument/2006/relationships" xmlns:p="http://schemas.openxmlformats.org/presentationml/2006/main">
-  <p:cSld>
-    <p:spTree>
-      <p:nvGrpSpPr>
-        <p:cNvPr id="1" name=""/>
-        <p:cNvGrpSpPr/>
-        <p:nvPr/>
-      </p:nvGrpSpPr>
-      <p:grpSpPr>
-        <a:xfrm>
-          <a:off x="0" y="0"/>
-          <a:ext cx="0" cy="0"/>
-          <a:chOff x="0" y="0"/>
-          <a:chExt cx="0" cy="0"/>
-        </a:xfrm>
-      </p:grpSpPr>
       <p:sp>
         <p:nvSpPr>
-          <p:cNvPr id="2" name="Title 1">
+          <p:cNvPr id="5" name="Slide Number Placeholder 4">
             <a:extLst>
               <a:ext uri="{FF2B5EF4-FFF2-40B4-BE49-F238E27FC236}">
-                <a16:creationId xmlns:a16="http://schemas.microsoft.com/office/drawing/2014/main" id="{AE93B3B0-BEF5-BC1C-692C-1376ABAF2888}"/>
+                <a16:creationId xmlns:a16="http://schemas.microsoft.com/office/drawing/2014/main" id="{CAD998CF-721F-DF8C-A681-F9C301A1B3B9}"/>
               </a:ext>
             </a:extLst>
           </p:cNvPr>
@@ -10871,7 +11161,7 @@
             <a:spLocks noGrp="1"/>
           </p:cNvSpPr>
           <p:nvPr>
-            <p:ph type="title"/>
+            <p:ph type="sldNum" sz="quarter" idx="12"/>
           </p:nvPr>
         </p:nvSpPr>
         <p:spPr/>
@@ -10879,171 +11169,21 @@
           <a:bodyPr/>
           <a:lstStyle/>
           <a:p>
-            <a:r>
-              <a:rPr lang="en-US" dirty="0"/>
-              <a:t>Confusion Matrices for Classification</a:t>
-            </a:r>
-          </a:p>
-        </p:txBody>
-      </p:sp>
-      <p:pic>
-        <p:nvPicPr>
-          <p:cNvPr id="5" name="Content Placeholder 4">
-            <a:extLst>
-              <a:ext uri="{FF2B5EF4-FFF2-40B4-BE49-F238E27FC236}">
-                <a16:creationId xmlns:a16="http://schemas.microsoft.com/office/drawing/2014/main" id="{6A66FE15-D8C2-2042-9923-E9C10CD11F9B}"/>
-              </a:ext>
-            </a:extLst>
-          </p:cNvPr>
-          <p:cNvPicPr>
-            <a:picLocks noGrp="1" noChangeAspect="1"/>
-          </p:cNvPicPr>
-          <p:nvPr>
-            <p:ph sz="quarter" idx="15"/>
-          </p:nvPr>
-        </p:nvPicPr>
-        <p:blipFill>
-          <a:blip r:embed="rId2">
-            <a:extLst>
-              <a:ext uri="{28A0092B-C50C-407E-A947-70E740481C1C}">
-                <a14:useLocalDpi xmlns:a14="http://schemas.microsoft.com/office/drawing/2010/main" val="0"/>
-              </a:ext>
-            </a:extLst>
-          </a:blip>
-          <a:srcRect/>
-          <a:stretch/>
-        </p:blipFill>
-        <p:spPr>
-          <a:xfrm>
-            <a:off x="728343" y="2676525"/>
-            <a:ext cx="4221801" cy="3597275"/>
-          </a:xfrm>
-          <a:prstGeom prst="rect">
-            <a:avLst/>
-          </a:prstGeom>
-        </p:spPr>
-      </p:pic>
-      <p:pic>
-        <p:nvPicPr>
-          <p:cNvPr id="6" name="Content Placeholder 5">
-            <a:extLst>
-              <a:ext uri="{FF2B5EF4-FFF2-40B4-BE49-F238E27FC236}">
-                <a16:creationId xmlns:a16="http://schemas.microsoft.com/office/drawing/2014/main" id="{5DEF2C83-ABE4-B0A7-4AF8-C923364C6F82}"/>
-              </a:ext>
-            </a:extLst>
-          </p:cNvPr>
-          <p:cNvPicPr>
-            <a:picLocks noGrp="1" noChangeAspect="1"/>
-          </p:cNvPicPr>
-          <p:nvPr>
-            <p:ph sz="quarter" idx="16"/>
-          </p:nvPr>
-        </p:nvPicPr>
-        <p:blipFill>
-          <a:blip r:embed="rId3">
-            <a:extLst>
-              <a:ext uri="{28A0092B-C50C-407E-A947-70E740481C1C}">
-                <a14:useLocalDpi xmlns:a14="http://schemas.microsoft.com/office/drawing/2010/main" val="0"/>
-              </a:ext>
-            </a:extLst>
-          </a:blip>
-          <a:srcRect/>
-          <a:stretch/>
-        </p:blipFill>
-        <p:spPr>
-          <a:xfrm>
-            <a:off x="6016306" y="2676525"/>
-            <a:ext cx="4221801" cy="3597275"/>
-          </a:xfrm>
-          <a:prstGeom prst="rect">
-            <a:avLst/>
-          </a:prstGeom>
-        </p:spPr>
-      </p:pic>
-      <p:sp>
-        <p:nvSpPr>
-          <p:cNvPr id="8" name="TextBox 7">
-            <a:extLst>
-              <a:ext uri="{FF2B5EF4-FFF2-40B4-BE49-F238E27FC236}">
-                <a16:creationId xmlns:a16="http://schemas.microsoft.com/office/drawing/2014/main" id="{27DFED12-32D3-CB06-4C9B-ED1D77BB7F8D}"/>
-              </a:ext>
-            </a:extLst>
-          </p:cNvPr>
-          <p:cNvSpPr txBox="1"/>
-          <p:nvPr/>
-        </p:nvSpPr>
-        <p:spPr>
-          <a:xfrm>
-            <a:off x="1089956" y="2360202"/>
-            <a:ext cx="3498574" cy="338554"/>
-          </a:xfrm>
-          <a:prstGeom prst="rect">
-            <a:avLst/>
-          </a:prstGeom>
-          <a:noFill/>
-        </p:spPr>
-        <p:txBody>
-          <a:bodyPr wrap="square" rtlCol="0">
-            <a:spAutoFit/>
-          </a:bodyPr>
-          <a:lstStyle/>
-          <a:p>
-            <a:pPr algn="ctr"/>
-            <a:r>
-              <a:rPr lang="en-US" sz="1600" dirty="0">
-                <a:solidFill>
-                  <a:schemeClr val="bg1"/>
-                </a:solidFill>
-              </a:rPr>
-              <a:t>Logistic Regression Model</a:t>
-            </a:r>
-          </a:p>
-        </p:txBody>
-      </p:sp>
-      <p:sp>
-        <p:nvSpPr>
-          <p:cNvPr id="9" name="TextBox 8">
-            <a:extLst>
-              <a:ext uri="{FF2B5EF4-FFF2-40B4-BE49-F238E27FC236}">
-                <a16:creationId xmlns:a16="http://schemas.microsoft.com/office/drawing/2014/main" id="{AE2EBB95-40E8-1426-3D86-E1834C65742E}"/>
-              </a:ext>
-            </a:extLst>
-          </p:cNvPr>
-          <p:cNvSpPr txBox="1"/>
-          <p:nvPr/>
-        </p:nvSpPr>
-        <p:spPr>
-          <a:xfrm>
-            <a:off x="6377919" y="2337971"/>
-            <a:ext cx="3498574" cy="338554"/>
-          </a:xfrm>
-          <a:prstGeom prst="rect">
-            <a:avLst/>
-          </a:prstGeom>
-          <a:noFill/>
-        </p:spPr>
-        <p:txBody>
-          <a:bodyPr wrap="square" rtlCol="0">
-            <a:spAutoFit/>
-          </a:bodyPr>
-          <a:lstStyle/>
-          <a:p>
-            <a:pPr algn="ctr"/>
-            <a:r>
-              <a:rPr lang="en-US" sz="1600" dirty="0">
-                <a:solidFill>
-                  <a:schemeClr val="bg1"/>
-                </a:solidFill>
-              </a:rPr>
-              <a:t>Random Forest Classifier Model</a:t>
-            </a:r>
+            <a:fld id="{294A09A9-5501-47C1-A89A-A340965A2BE2}" type="slidenum">
+              <a:rPr lang="en-US" smtClean="0"/>
+              <a:pPr/>
+              <a:t>13</a:t>
+            </a:fld>
+            <a:endParaRPr lang="en-US" dirty="0">
+              <a:latin typeface="+mn-lt"/>
+            </a:endParaRPr>
           </a:p>
         </p:txBody>
       </p:sp>
     </p:spTree>
     <p:extLst>
       <p:ext uri="{BB962C8B-B14F-4D97-AF65-F5344CB8AC3E}">
-        <p14:creationId xmlns:p14="http://schemas.microsoft.com/office/powerpoint/2010/main" val="1296888605"/>
+        <p14:creationId xmlns:p14="http://schemas.microsoft.com/office/powerpoint/2010/main" val="3049245412"/>
       </p:ext>
     </p:extLst>
   </p:cSld>
@@ -11075,7 +11215,7 @@
           <p:cNvPr id="2" name="Title 1">
             <a:extLst>
               <a:ext uri="{FF2B5EF4-FFF2-40B4-BE49-F238E27FC236}">
-                <a16:creationId xmlns:a16="http://schemas.microsoft.com/office/drawing/2014/main" id="{5F386EC3-ED7F-B9EA-B20D-4D100787B946}"/>
+                <a16:creationId xmlns:a16="http://schemas.microsoft.com/office/drawing/2014/main" id="{AE93B3B0-BEF5-BC1C-692C-1376ABAF2888}"/>
               </a:ext>
             </a:extLst>
           </p:cNvPr>
@@ -11093,17 +11233,171 @@
           <a:p>
             <a:r>
               <a:rPr lang="en-US" dirty="0"/>
-              <a:t>Results</a:t>
+              <a:t>Confusion Matrices for Classification</a:t>
+            </a:r>
+          </a:p>
+        </p:txBody>
+      </p:sp>
+      <p:pic>
+        <p:nvPicPr>
+          <p:cNvPr id="5" name="Content Placeholder 4">
+            <a:extLst>
+              <a:ext uri="{FF2B5EF4-FFF2-40B4-BE49-F238E27FC236}">
+                <a16:creationId xmlns:a16="http://schemas.microsoft.com/office/drawing/2014/main" id="{6A66FE15-D8C2-2042-9923-E9C10CD11F9B}"/>
+              </a:ext>
+            </a:extLst>
+          </p:cNvPr>
+          <p:cNvPicPr>
+            <a:picLocks noGrp="1" noChangeAspect="1"/>
+          </p:cNvPicPr>
+          <p:nvPr>
+            <p:ph sz="quarter" idx="15"/>
+          </p:nvPr>
+        </p:nvPicPr>
+        <p:blipFill>
+          <a:blip r:embed="rId2">
+            <a:extLst>
+              <a:ext uri="{28A0092B-C50C-407E-A947-70E740481C1C}">
+                <a14:useLocalDpi xmlns:a14="http://schemas.microsoft.com/office/drawing/2010/main" val="0"/>
+              </a:ext>
+            </a:extLst>
+          </a:blip>
+          <a:srcRect/>
+          <a:stretch/>
+        </p:blipFill>
+        <p:spPr>
+          <a:xfrm>
+            <a:off x="728343" y="2676525"/>
+            <a:ext cx="4221801" cy="3597275"/>
+          </a:xfrm>
+          <a:prstGeom prst="rect">
+            <a:avLst/>
+          </a:prstGeom>
+        </p:spPr>
+      </p:pic>
+      <p:pic>
+        <p:nvPicPr>
+          <p:cNvPr id="6" name="Content Placeholder 5">
+            <a:extLst>
+              <a:ext uri="{FF2B5EF4-FFF2-40B4-BE49-F238E27FC236}">
+                <a16:creationId xmlns:a16="http://schemas.microsoft.com/office/drawing/2014/main" id="{5DEF2C83-ABE4-B0A7-4AF8-C923364C6F82}"/>
+              </a:ext>
+            </a:extLst>
+          </p:cNvPr>
+          <p:cNvPicPr>
+            <a:picLocks noGrp="1" noChangeAspect="1"/>
+          </p:cNvPicPr>
+          <p:nvPr>
+            <p:ph sz="quarter" idx="16"/>
+          </p:nvPr>
+        </p:nvPicPr>
+        <p:blipFill>
+          <a:blip r:embed="rId3">
+            <a:extLst>
+              <a:ext uri="{28A0092B-C50C-407E-A947-70E740481C1C}">
+                <a14:useLocalDpi xmlns:a14="http://schemas.microsoft.com/office/drawing/2010/main" val="0"/>
+              </a:ext>
+            </a:extLst>
+          </a:blip>
+          <a:srcRect/>
+          <a:stretch/>
+        </p:blipFill>
+        <p:spPr>
+          <a:xfrm>
+            <a:off x="6016306" y="2676525"/>
+            <a:ext cx="4221801" cy="3597275"/>
+          </a:xfrm>
+          <a:prstGeom prst="rect">
+            <a:avLst/>
+          </a:prstGeom>
+        </p:spPr>
+      </p:pic>
+      <p:sp>
+        <p:nvSpPr>
+          <p:cNvPr id="8" name="TextBox 7">
+            <a:extLst>
+              <a:ext uri="{FF2B5EF4-FFF2-40B4-BE49-F238E27FC236}">
+                <a16:creationId xmlns:a16="http://schemas.microsoft.com/office/drawing/2014/main" id="{27DFED12-32D3-CB06-4C9B-ED1D77BB7F8D}"/>
+              </a:ext>
+            </a:extLst>
+          </p:cNvPr>
+          <p:cNvSpPr txBox="1"/>
+          <p:nvPr/>
+        </p:nvSpPr>
+        <p:spPr>
+          <a:xfrm>
+            <a:off x="1089956" y="2360202"/>
+            <a:ext cx="3498574" cy="338554"/>
+          </a:xfrm>
+          <a:prstGeom prst="rect">
+            <a:avLst/>
+          </a:prstGeom>
+          <a:noFill/>
+        </p:spPr>
+        <p:txBody>
+          <a:bodyPr wrap="square" rtlCol="0">
+            <a:spAutoFit/>
+          </a:bodyPr>
+          <a:lstStyle/>
+          <a:p>
+            <a:pPr algn="ctr"/>
+            <a:r>
+              <a:rPr lang="en-US" sz="1600" dirty="0">
+                <a:solidFill>
+                  <a:schemeClr val="bg1"/>
+                </a:solidFill>
+              </a:rPr>
+              <a:t>Logistic Regression Model</a:t>
             </a:r>
           </a:p>
         </p:txBody>
       </p:sp>
       <p:sp>
         <p:nvSpPr>
-          <p:cNvPr id="3" name="Content Placeholder 2">
+          <p:cNvPr id="9" name="TextBox 8">
             <a:extLst>
               <a:ext uri="{FF2B5EF4-FFF2-40B4-BE49-F238E27FC236}">
-                <a16:creationId xmlns:a16="http://schemas.microsoft.com/office/drawing/2014/main" id="{4B0CDB2A-C096-3436-F90B-64506E503AC9}"/>
+                <a16:creationId xmlns:a16="http://schemas.microsoft.com/office/drawing/2014/main" id="{AE2EBB95-40E8-1426-3D86-E1834C65742E}"/>
+              </a:ext>
+            </a:extLst>
+          </p:cNvPr>
+          <p:cNvSpPr txBox="1"/>
+          <p:nvPr/>
+        </p:nvSpPr>
+        <p:spPr>
+          <a:xfrm>
+            <a:off x="6377919" y="2337971"/>
+            <a:ext cx="3498574" cy="338554"/>
+          </a:xfrm>
+          <a:prstGeom prst="rect">
+            <a:avLst/>
+          </a:prstGeom>
+          <a:noFill/>
+        </p:spPr>
+        <p:txBody>
+          <a:bodyPr wrap="square" rtlCol="0">
+            <a:spAutoFit/>
+          </a:bodyPr>
+          <a:lstStyle/>
+          <a:p>
+            <a:pPr algn="ctr"/>
+            <a:r>
+              <a:rPr lang="en-US" sz="1600" dirty="0">
+                <a:solidFill>
+                  <a:schemeClr val="bg1"/>
+                </a:solidFill>
+              </a:rPr>
+              <a:t>Random Forest Classifier Model</a:t>
+            </a:r>
+          </a:p>
+        </p:txBody>
+      </p:sp>
+      <p:sp>
+        <p:nvSpPr>
+          <p:cNvPr id="3" name="Slide Number Placeholder 2">
+            <a:extLst>
+              <a:ext uri="{FF2B5EF4-FFF2-40B4-BE49-F238E27FC236}">
+                <a16:creationId xmlns:a16="http://schemas.microsoft.com/office/drawing/2014/main" id="{648A6E61-85EA-9B25-3C97-6987FF88BCA1}"/>
               </a:ext>
             </a:extLst>
           </p:cNvPr>
@@ -11111,86 +11405,29 @@
             <a:spLocks noGrp="1"/>
           </p:cNvSpPr>
           <p:nvPr>
-            <p:ph sz="quarter" idx="13"/>
+            <p:ph type="sldNum" sz="quarter" idx="12"/>
           </p:nvPr>
         </p:nvSpPr>
-        <p:spPr>
-          <a:xfrm>
-            <a:off x="2199861" y="2282007"/>
-            <a:ext cx="9515061" cy="4330828"/>
-          </a:xfrm>
-        </p:spPr>
+        <p:spPr/>
         <p:txBody>
-          <a:bodyPr>
-            <a:noAutofit/>
-          </a:bodyPr>
+          <a:bodyPr/>
           <a:lstStyle/>
           <a:p>
-            <a:r>
-              <a:rPr lang="en-US" sz="1800" dirty="0"/>
-              <a:t>K-Means and Bisecting K-Means models acted very similarly</a:t>
-            </a:r>
-          </a:p>
-          <a:p>
-            <a:pPr lvl="1"/>
-            <a:r>
-              <a:rPr lang="en-US" sz="1800" dirty="0"/>
-              <a:t>Same silhouette score, bisecting slightly faster run time</a:t>
-            </a:r>
-          </a:p>
-          <a:p>
-            <a:pPr lvl="1"/>
-            <a:r>
-              <a:rPr lang="en-US" sz="1800" dirty="0"/>
-              <a:t>Selected K-Means as preferred model due to performance success: less prone to run failures</a:t>
-            </a:r>
-          </a:p>
-          <a:p>
-            <a:r>
-              <a:rPr lang="en-US" sz="1800" dirty="0"/>
-              <a:t>Logistic Regression model preferred over Random Forest Classifier</a:t>
-            </a:r>
-          </a:p>
-          <a:p>
-            <a:pPr lvl="1"/>
-            <a:r>
-              <a:rPr lang="en-US" sz="1800" dirty="0"/>
-              <a:t>Higher precision and F-1 score, same recall</a:t>
-            </a:r>
-          </a:p>
-          <a:p>
-            <a:pPr lvl="1"/>
-            <a:r>
-              <a:rPr lang="en-US" sz="1800" dirty="0"/>
-              <a:t>Random Forest Classifier had slightly faster run time, but contained more misclassifications</a:t>
-            </a:r>
-          </a:p>
-          <a:p>
-            <a:r>
-              <a:rPr lang="en-US" sz="1800" dirty="0"/>
-              <a:t>Possible inflation of accuracy in Classification models</a:t>
-            </a:r>
-          </a:p>
-          <a:p>
-            <a:pPr lvl="2"/>
-            <a:r>
-              <a:rPr lang="en-US" sz="1800" dirty="0"/>
-              <a:t>Model built after clustering model</a:t>
-            </a:r>
-          </a:p>
-          <a:p>
-            <a:pPr lvl="2"/>
-            <a:r>
-              <a:rPr lang="en-US" sz="1800" dirty="0"/>
-              <a:t>Limited amount of data: inclusion of more customers or larger time scale</a:t>
-            </a:r>
+            <a:fld id="{294A09A9-5501-47C1-A89A-A340965A2BE2}" type="slidenum">
+              <a:rPr lang="en-US" smtClean="0"/>
+              <a:pPr/>
+              <a:t>14</a:t>
+            </a:fld>
+            <a:endParaRPr lang="en-US" dirty="0">
+              <a:latin typeface="+mn-lt"/>
+            </a:endParaRPr>
           </a:p>
         </p:txBody>
       </p:sp>
     </p:spTree>
     <p:extLst>
       <p:ext uri="{BB962C8B-B14F-4D97-AF65-F5344CB8AC3E}">
-        <p14:creationId xmlns:p14="http://schemas.microsoft.com/office/powerpoint/2010/main" val="1428975295"/>
+        <p14:creationId xmlns:p14="http://schemas.microsoft.com/office/powerpoint/2010/main" val="1296888605"/>
       </p:ext>
     </p:extLst>
   </p:cSld>
@@ -11222,7 +11459,7 @@
           <p:cNvPr id="2" name="Title 1">
             <a:extLst>
               <a:ext uri="{FF2B5EF4-FFF2-40B4-BE49-F238E27FC236}">
-                <a16:creationId xmlns:a16="http://schemas.microsoft.com/office/drawing/2014/main" id="{F0759DC4-8B30-98A0-5BAB-C78BA4A4AD55}"/>
+                <a16:creationId xmlns:a16="http://schemas.microsoft.com/office/drawing/2014/main" id="{FB49F935-6A60-89F1-4ED5-094CA1229E2D}"/>
               </a:ext>
             </a:extLst>
           </p:cNvPr>
@@ -11233,19 +11470,14 @@
             <p:ph type="title"/>
           </p:nvPr>
         </p:nvSpPr>
-        <p:spPr>
-          <a:xfrm>
-            <a:off x="594360" y="198408"/>
-            <a:ext cx="10972800" cy="1574317"/>
-          </a:xfrm>
-        </p:spPr>
+        <p:spPr/>
         <p:txBody>
           <a:bodyPr/>
           <a:lstStyle/>
           <a:p>
             <a:r>
               <a:rPr lang="en-US" dirty="0"/>
-              <a:t>Conclusions</a:t>
+              <a:t>Evaluation of Classification Models by Hypothesis Testing</a:t>
             </a:r>
           </a:p>
         </p:txBody>
@@ -11255,7 +11487,7 @@
           <p:cNvPr id="3" name="Content Placeholder 2">
             <a:extLst>
               <a:ext uri="{FF2B5EF4-FFF2-40B4-BE49-F238E27FC236}">
-                <a16:creationId xmlns:a16="http://schemas.microsoft.com/office/drawing/2014/main" id="{4096FB3A-B62C-3DAB-4FD1-B4EBDD650AEF}"/>
+                <a16:creationId xmlns:a16="http://schemas.microsoft.com/office/drawing/2014/main" id="{F1590ED7-82F6-A8C9-7396-68291FDDA395}"/>
               </a:ext>
             </a:extLst>
           </p:cNvPr>
@@ -11263,129 +11495,393 @@
             <a:spLocks noGrp="1"/>
           </p:cNvSpPr>
           <p:nvPr>
-            <p:ph sz="quarter" idx="13"/>
+            <p:ph sz="quarter" idx="15"/>
           </p:nvPr>
+        </p:nvSpPr>
+        <p:spPr/>
+        <p:txBody>
+          <a:bodyPr>
+            <a:normAutofit/>
+          </a:bodyPr>
+          <a:lstStyle/>
+          <a:p>
+            <a:pPr marL="342900" indent="-342900">
+              <a:buFont typeface="Arial" panose="020B0604020202020204" pitchFamily="34" charset="0"/>
+              <a:buChar char="•"/>
+            </a:pPr>
+            <a:r>
+              <a:rPr lang="en-US" dirty="0"/>
+              <a:t>Null hypothesis: The alternative model, Random Forest Classifier, does not outperform the baseline model, Logistic Regression.</a:t>
+            </a:r>
+          </a:p>
+          <a:p>
+            <a:pPr marL="342900" indent="-342900">
+              <a:buFont typeface="Arial" panose="020B0604020202020204" pitchFamily="34" charset="0"/>
+              <a:buChar char="•"/>
+            </a:pPr>
+            <a:r>
+              <a:rPr lang="en-US" dirty="0"/>
+              <a:t>Alternative hypothesis: The alternative model, Random Forest Classifier, outperforms the baseline model, Logistic Regression.</a:t>
+            </a:r>
+          </a:p>
+          <a:p>
+            <a:pPr marL="342900" indent="-342900">
+              <a:buFont typeface="Arial" panose="020B0604020202020204" pitchFamily="34" charset="0"/>
+              <a:buChar char="•"/>
+            </a:pPr>
+            <a:r>
+              <a:rPr lang="en-US" dirty="0"/>
+              <a:t>Using 3-fold cross validation of F1 score results, obtain p-value of </a:t>
+            </a:r>
+            <a:r>
+              <a:rPr lang="en-US" b="1" dirty="0"/>
+              <a:t>0.239</a:t>
+            </a:r>
+            <a:r>
+              <a:rPr lang="en-US" dirty="0"/>
+              <a:t> (&gt; 0.05)</a:t>
+            </a:r>
+          </a:p>
+          <a:p>
+            <a:endParaRPr lang="en-US" dirty="0"/>
+          </a:p>
+          <a:p>
+            <a:endParaRPr lang="en-US" dirty="0"/>
+          </a:p>
+        </p:txBody>
+      </p:sp>
+      <p:graphicFrame>
+        <p:nvGraphicFramePr>
+          <p:cNvPr id="6" name="Content Placeholder 5">
+            <a:extLst>
+              <a:ext uri="{FF2B5EF4-FFF2-40B4-BE49-F238E27FC236}">
+                <a16:creationId xmlns:a16="http://schemas.microsoft.com/office/drawing/2014/main" id="{40E85E15-2C33-B128-23E6-B261EFB1857D}"/>
+              </a:ext>
+            </a:extLst>
+          </p:cNvPr>
+          <p:cNvGraphicFramePr>
+            <a:graphicFrameLocks noGrp="1"/>
+          </p:cNvGraphicFramePr>
+          <p:nvPr>
+            <p:ph sz="quarter" idx="16"/>
+            <p:extLst>
+              <p:ext uri="{D42A27DB-BD31-4B8C-83A1-F6EECF244321}">
+                <p14:modId xmlns:p14="http://schemas.microsoft.com/office/powerpoint/2010/main" val="3373859266"/>
+              </p:ext>
+            </p:extLst>
+          </p:nvPr>
+        </p:nvGraphicFramePr>
+        <p:xfrm>
+          <a:off x="5881689" y="2676525"/>
+          <a:ext cx="4491036" cy="2123440"/>
+        </p:xfrm>
+        <a:graphic>
+          <a:graphicData uri="http://schemas.openxmlformats.org/drawingml/2006/table">
+            <a:tbl>
+              <a:tblPr firstRow="1" bandRow="1">
+                <a:tableStyleId>{21E4AEA4-8DFA-4A89-87EB-49C32662AFE0}</a:tableStyleId>
+              </a:tblPr>
+              <a:tblGrid>
+                <a:gridCol w="2245518">
+                  <a:extLst>
+                    <a:ext uri="{9D8B030D-6E8A-4147-A177-3AD203B41FA5}">
+                      <a16:colId xmlns:a16="http://schemas.microsoft.com/office/drawing/2014/main" val="2078008564"/>
+                    </a:ext>
+                  </a:extLst>
+                </a:gridCol>
+                <a:gridCol w="2245518">
+                  <a:extLst>
+                    <a:ext uri="{9D8B030D-6E8A-4147-A177-3AD203B41FA5}">
+                      <a16:colId xmlns:a16="http://schemas.microsoft.com/office/drawing/2014/main" val="2535788390"/>
+                    </a:ext>
+                  </a:extLst>
+                </a:gridCol>
+              </a:tblGrid>
+              <a:tr h="370840">
+                <a:tc gridSpan="2">
+                  <a:txBody>
+                    <a:bodyPr/>
+                    <a:lstStyle/>
+                    <a:p>
+                      <a:pPr algn="ctr"/>
+                      <a:r>
+                        <a:rPr lang="en-US" dirty="0">
+                          <a:solidFill>
+                            <a:schemeClr val="bg1"/>
+                          </a:solidFill>
+                        </a:rPr>
+                        <a:t>F1 Scores using 3-fold Cross Validation</a:t>
+                      </a:r>
+                    </a:p>
+                  </a:txBody>
+                  <a:tcPr/>
+                </a:tc>
+                <a:tc hMerge="1">
+                  <a:txBody>
+                    <a:bodyPr/>
+                    <a:lstStyle/>
+                    <a:p>
+                      <a:pPr algn="ctr"/>
+                      <a:endParaRPr lang="en-US" dirty="0">
+                        <a:solidFill>
+                          <a:schemeClr val="bg1"/>
+                        </a:solidFill>
+                      </a:endParaRPr>
+                    </a:p>
+                  </a:txBody>
+                  <a:tcPr/>
+                </a:tc>
+                <a:extLst>
+                  <a:ext uri="{0D108BD9-81ED-4DB2-BD59-A6C34878D82A}">
+                    <a16:rowId xmlns:a16="http://schemas.microsoft.com/office/drawing/2014/main" val="3033325489"/>
+                  </a:ext>
+                </a:extLst>
+              </a:tr>
+              <a:tr h="370840">
+                <a:tc>
+                  <a:txBody>
+                    <a:bodyPr/>
+                    <a:lstStyle/>
+                    <a:p>
+                      <a:pPr algn="ctr"/>
+                      <a:r>
+                        <a:rPr lang="en-US" dirty="0">
+                          <a:solidFill>
+                            <a:schemeClr val="bg1"/>
+                          </a:solidFill>
+                        </a:rPr>
+                        <a:t>Logistic Regression</a:t>
+                      </a:r>
+                    </a:p>
+                  </a:txBody>
+                  <a:tcPr/>
+                </a:tc>
+                <a:tc>
+                  <a:txBody>
+                    <a:bodyPr/>
+                    <a:lstStyle/>
+                    <a:p>
+                      <a:pPr algn="ctr"/>
+                      <a:r>
+                        <a:rPr lang="en-US" dirty="0">
+                          <a:solidFill>
+                            <a:schemeClr val="bg1"/>
+                          </a:solidFill>
+                        </a:rPr>
+                        <a:t>Random Forest Classifier</a:t>
+                      </a:r>
+                    </a:p>
+                  </a:txBody>
+                  <a:tcPr/>
+                </a:tc>
+                <a:extLst>
+                  <a:ext uri="{0D108BD9-81ED-4DB2-BD59-A6C34878D82A}">
+                    <a16:rowId xmlns:a16="http://schemas.microsoft.com/office/drawing/2014/main" val="1450016842"/>
+                  </a:ext>
+                </a:extLst>
+              </a:tr>
+              <a:tr h="370840">
+                <a:tc>
+                  <a:txBody>
+                    <a:bodyPr/>
+                    <a:lstStyle/>
+                    <a:p>
+                      <a:r>
+                        <a:rPr lang="en-US" dirty="0"/>
+                        <a:t>1.0000</a:t>
+                      </a:r>
+                    </a:p>
+                  </a:txBody>
+                  <a:tcPr/>
+                </a:tc>
+                <a:tc>
+                  <a:txBody>
+                    <a:bodyPr/>
+                    <a:lstStyle/>
+                    <a:p>
+                      <a:r>
+                        <a:rPr lang="en-US" dirty="0"/>
+                        <a:t>0.9980</a:t>
+                      </a:r>
+                    </a:p>
+                  </a:txBody>
+                  <a:tcPr/>
+                </a:tc>
+                <a:extLst>
+                  <a:ext uri="{0D108BD9-81ED-4DB2-BD59-A6C34878D82A}">
+                    <a16:rowId xmlns:a16="http://schemas.microsoft.com/office/drawing/2014/main" val="4217474566"/>
+                  </a:ext>
+                </a:extLst>
+              </a:tr>
+              <a:tr h="370840">
+                <a:tc>
+                  <a:txBody>
+                    <a:bodyPr/>
+                    <a:lstStyle/>
+                    <a:p>
+                      <a:r>
+                        <a:rPr lang="en-US" dirty="0"/>
+                        <a:t>1.0000</a:t>
+                      </a:r>
+                    </a:p>
+                  </a:txBody>
+                  <a:tcPr/>
+                </a:tc>
+                <a:tc>
+                  <a:txBody>
+                    <a:bodyPr/>
+                    <a:lstStyle/>
+                    <a:p>
+                      <a:r>
+                        <a:rPr lang="en-US" dirty="0"/>
+                        <a:t>0.9955</a:t>
+                      </a:r>
+                    </a:p>
+                  </a:txBody>
+                  <a:tcPr/>
+                </a:tc>
+                <a:extLst>
+                  <a:ext uri="{0D108BD9-81ED-4DB2-BD59-A6C34878D82A}">
+                    <a16:rowId xmlns:a16="http://schemas.microsoft.com/office/drawing/2014/main" val="974647423"/>
+                  </a:ext>
+                </a:extLst>
+              </a:tr>
+              <a:tr h="370840">
+                <a:tc>
+                  <a:txBody>
+                    <a:bodyPr/>
+                    <a:lstStyle/>
+                    <a:p>
+                      <a:r>
+                        <a:rPr lang="en-US" dirty="0"/>
+                        <a:t>1.0000</a:t>
+                      </a:r>
+                    </a:p>
+                  </a:txBody>
+                  <a:tcPr/>
+                </a:tc>
+                <a:tc>
+                  <a:txBody>
+                    <a:bodyPr/>
+                    <a:lstStyle/>
+                    <a:p>
+                      <a:r>
+                        <a:rPr lang="en-US" sz="1800" b="0" kern="1200" dirty="0">
+                          <a:solidFill>
+                            <a:schemeClr val="dk1"/>
+                          </a:solidFill>
+                          <a:effectLst/>
+                        </a:rPr>
+                        <a:t>1.0000</a:t>
+                      </a:r>
+                      <a:endParaRPr lang="en-US" dirty="0"/>
+                    </a:p>
+                  </a:txBody>
+                  <a:tcPr/>
+                </a:tc>
+                <a:extLst>
+                  <a:ext uri="{0D108BD9-81ED-4DB2-BD59-A6C34878D82A}">
+                    <a16:rowId xmlns:a16="http://schemas.microsoft.com/office/drawing/2014/main" val="2458352638"/>
+                  </a:ext>
+                </a:extLst>
+              </a:tr>
+            </a:tbl>
+          </a:graphicData>
+        </a:graphic>
+      </p:graphicFrame>
+      <p:sp>
+        <p:nvSpPr>
+          <p:cNvPr id="4" name="Slide Number Placeholder 3">
+            <a:extLst>
+              <a:ext uri="{FF2B5EF4-FFF2-40B4-BE49-F238E27FC236}">
+                <a16:creationId xmlns:a16="http://schemas.microsoft.com/office/drawing/2014/main" id="{B12BDBE7-2B4A-756B-C60A-F54031101747}"/>
+              </a:ext>
+            </a:extLst>
+          </p:cNvPr>
+          <p:cNvSpPr>
+            <a:spLocks noGrp="1"/>
+          </p:cNvSpPr>
+          <p:nvPr>
+            <p:ph type="sldNum" sz="quarter" idx="12"/>
+          </p:nvPr>
+        </p:nvSpPr>
+        <p:spPr/>
+        <p:txBody>
+          <a:bodyPr/>
+          <a:lstStyle/>
+          <a:p>
+            <a:fld id="{294A09A9-5501-47C1-A89A-A340965A2BE2}" type="slidenum">
+              <a:rPr lang="en-US" smtClean="0"/>
+              <a:pPr/>
+              <a:t>15</a:t>
+            </a:fld>
+            <a:endParaRPr lang="en-US" dirty="0">
+              <a:latin typeface="+mn-lt"/>
+            </a:endParaRPr>
+          </a:p>
+        </p:txBody>
+      </p:sp>
+      <p:sp>
+        <p:nvSpPr>
+          <p:cNvPr id="8" name="TextBox 7">
+            <a:extLst>
+              <a:ext uri="{FF2B5EF4-FFF2-40B4-BE49-F238E27FC236}">
+                <a16:creationId xmlns:a16="http://schemas.microsoft.com/office/drawing/2014/main" id="{0620DB9A-83E8-7A38-B5D0-154B528CEFD8}"/>
+              </a:ext>
+            </a:extLst>
+          </p:cNvPr>
+          <p:cNvSpPr txBox="1"/>
+          <p:nvPr/>
         </p:nvSpPr>
         <p:spPr>
           <a:xfrm>
-            <a:off x="595523" y="2676525"/>
-            <a:ext cx="4625834" cy="3597470"/>
-          </a:xfrm>
-        </p:spPr>
-        <p:txBody>
-          <a:bodyPr>
-            <a:normAutofit lnSpcReduction="10000"/>
-          </a:bodyPr>
-          <a:lstStyle/>
-          <a:p>
-            <a:pPr lvl="1"/>
-            <a:r>
-              <a:rPr lang="en-US" dirty="0"/>
-              <a:t>Valuable customers: lower recency, higher frequency, higher monetary value</a:t>
-            </a:r>
-          </a:p>
-          <a:p>
-            <a:pPr lvl="1"/>
-            <a:r>
-              <a:rPr lang="en-US" dirty="0"/>
-              <a:t>Non valuable customers: higher recency, lower frequency, lower monetary value</a:t>
-            </a:r>
-          </a:p>
-          <a:p>
-            <a:pPr marL="402336" lvl="1" indent="0">
-              <a:buNone/>
-            </a:pPr>
-            <a:endParaRPr lang="en-US" dirty="0"/>
-          </a:p>
-          <a:p>
-            <a:pPr marL="402336" lvl="1" indent="0">
-              <a:buNone/>
-            </a:pPr>
-            <a:endParaRPr lang="en-US" dirty="0"/>
-          </a:p>
-          <a:p>
-            <a:pPr lvl="1"/>
-            <a:r>
-              <a:rPr lang="en-US" dirty="0"/>
-              <a:t>Classification models rank features in terms of importance by (1) recency, (2) frequency, and (3) monetary value</a:t>
-            </a:r>
-          </a:p>
-        </p:txBody>
-      </p:sp>
-      <p:pic>
-        <p:nvPicPr>
-          <p:cNvPr id="18" name="Picture 17">
-            <a:extLst>
-              <a:ext uri="{FF2B5EF4-FFF2-40B4-BE49-F238E27FC236}">
-                <a16:creationId xmlns:a16="http://schemas.microsoft.com/office/drawing/2014/main" id="{D5E72698-E4D6-801D-2065-9D70E1795891}"/>
-              </a:ext>
-            </a:extLst>
-          </p:cNvPr>
-          <p:cNvPicPr>
-            <a:picLocks noChangeAspect="1"/>
-          </p:cNvPicPr>
-          <p:nvPr/>
-        </p:nvPicPr>
-        <p:blipFill>
-          <a:blip r:embed="rId3">
-            <a:extLst>
-              <a:ext uri="{28A0092B-C50C-407E-A947-70E740481C1C}">
-                <a14:useLocalDpi xmlns:a14="http://schemas.microsoft.com/office/drawing/2010/main" val="0"/>
-              </a:ext>
-            </a:extLst>
-          </a:blip>
-          <a:srcRect l="14328" t="8151" r="279" b="34064"/>
-          <a:stretch/>
-        </p:blipFill>
-        <p:spPr>
-          <a:xfrm>
-            <a:off x="5697146" y="1324246"/>
-            <a:ext cx="4313128" cy="2553826"/>
+            <a:off x="5483542" y="5073666"/>
+            <a:ext cx="6097904" cy="1200329"/>
           </a:xfrm>
           <a:prstGeom prst="rect">
             <a:avLst/>
           </a:prstGeom>
+          <a:noFill/>
         </p:spPr>
-      </p:pic>
-      <p:pic>
-        <p:nvPicPr>
-          <p:cNvPr id="20" name="Picture 19">
-            <a:extLst>
-              <a:ext uri="{FF2B5EF4-FFF2-40B4-BE49-F238E27FC236}">
-                <a16:creationId xmlns:a16="http://schemas.microsoft.com/office/drawing/2014/main" id="{2D85994F-6DE1-AED8-97AC-B4C8828173ED}"/>
-              </a:ext>
-            </a:extLst>
-          </p:cNvPr>
-          <p:cNvPicPr>
-            <a:picLocks noChangeAspect="1"/>
-          </p:cNvPicPr>
-          <p:nvPr/>
-        </p:nvPicPr>
-        <p:blipFill>
-          <a:blip r:embed="rId4">
-            <a:extLst>
-              <a:ext uri="{28A0092B-C50C-407E-A947-70E740481C1C}">
-                <a14:useLocalDpi xmlns:a14="http://schemas.microsoft.com/office/drawing/2010/main" val="0"/>
-              </a:ext>
-            </a:extLst>
-          </a:blip>
-          <a:srcRect t="1947" b="1947"/>
-          <a:stretch/>
-        </p:blipFill>
-        <p:spPr>
-          <a:xfrm>
-            <a:off x="7358190" y="3977829"/>
-            <a:ext cx="4795024" cy="2880171"/>
-          </a:xfrm>
-          <a:prstGeom prst="rect">
-            <a:avLst/>
-          </a:prstGeom>
-        </p:spPr>
-      </p:pic>
+        <p:txBody>
+          <a:bodyPr wrap="square">
+            <a:spAutoFit/>
+          </a:bodyPr>
+          <a:lstStyle/>
+          <a:p>
+            <a:pPr marL="342900" indent="-342900">
+              <a:buFont typeface="Arial" panose="020B0604020202020204" pitchFamily="34" charset="0"/>
+              <a:buChar char="•"/>
+            </a:pPr>
+            <a:r>
+              <a:rPr lang="en-US" dirty="0">
+                <a:solidFill>
+                  <a:schemeClr val="bg1"/>
+                </a:solidFill>
+              </a:rPr>
+              <a:t>Cannot reject null hypothesis at 95% confidence level</a:t>
+            </a:r>
+          </a:p>
+          <a:p>
+            <a:pPr marL="342900" indent="-342900">
+              <a:buFont typeface="Arial" panose="020B0604020202020204" pitchFamily="34" charset="0"/>
+              <a:buChar char="•"/>
+            </a:pPr>
+            <a:r>
+              <a:rPr lang="en-US" dirty="0">
+                <a:solidFill>
+                  <a:schemeClr val="bg1"/>
+                </a:solidFill>
+              </a:rPr>
+              <a:t>Thus, the alternative model, Random Forest Classifier, does not outperform the baseline model, Logistic Regression</a:t>
+            </a:r>
+          </a:p>
+        </p:txBody>
+      </p:sp>
     </p:spTree>
     <p:extLst>
       <p:ext uri="{BB962C8B-B14F-4D97-AF65-F5344CB8AC3E}">
-        <p14:creationId xmlns:p14="http://schemas.microsoft.com/office/powerpoint/2010/main" val="1850768898"/>
+        <p14:creationId xmlns:p14="http://schemas.microsoft.com/office/powerpoint/2010/main" val="2915918489"/>
       </p:ext>
     </p:extLst>
   </p:cSld>
@@ -11417,6 +11913,405 @@
           <p:cNvPr id="2" name="Title 1">
             <a:extLst>
               <a:ext uri="{FF2B5EF4-FFF2-40B4-BE49-F238E27FC236}">
+                <a16:creationId xmlns:a16="http://schemas.microsoft.com/office/drawing/2014/main" id="{5F386EC3-ED7F-B9EA-B20D-4D100787B946}"/>
+              </a:ext>
+            </a:extLst>
+          </p:cNvPr>
+          <p:cNvSpPr>
+            <a:spLocks noGrp="1"/>
+          </p:cNvSpPr>
+          <p:nvPr>
+            <p:ph type="title"/>
+          </p:nvPr>
+        </p:nvSpPr>
+        <p:spPr/>
+        <p:txBody>
+          <a:bodyPr/>
+          <a:lstStyle/>
+          <a:p>
+            <a:r>
+              <a:rPr lang="en-US" dirty="0"/>
+              <a:t>Results</a:t>
+            </a:r>
+          </a:p>
+        </p:txBody>
+      </p:sp>
+      <p:sp>
+        <p:nvSpPr>
+          <p:cNvPr id="3" name="Content Placeholder 2">
+            <a:extLst>
+              <a:ext uri="{FF2B5EF4-FFF2-40B4-BE49-F238E27FC236}">
+                <a16:creationId xmlns:a16="http://schemas.microsoft.com/office/drawing/2014/main" id="{4B0CDB2A-C096-3436-F90B-64506E503AC9}"/>
+              </a:ext>
+            </a:extLst>
+          </p:cNvPr>
+          <p:cNvSpPr>
+            <a:spLocks noGrp="1"/>
+          </p:cNvSpPr>
+          <p:nvPr>
+            <p:ph sz="quarter" idx="13"/>
+          </p:nvPr>
+        </p:nvSpPr>
+        <p:spPr>
+          <a:xfrm>
+            <a:off x="2199861" y="2282007"/>
+            <a:ext cx="9515061" cy="4330828"/>
+          </a:xfrm>
+        </p:spPr>
+        <p:txBody>
+          <a:bodyPr>
+            <a:noAutofit/>
+          </a:bodyPr>
+          <a:lstStyle/>
+          <a:p>
+            <a:r>
+              <a:rPr lang="en-US" sz="1800" dirty="0"/>
+              <a:t>K-Means and Bisecting K-Means models acted very similarly</a:t>
+            </a:r>
+          </a:p>
+          <a:p>
+            <a:pPr lvl="1"/>
+            <a:r>
+              <a:rPr lang="en-US" sz="1800" dirty="0"/>
+              <a:t>Same silhouette score, bisecting slightly faster run time</a:t>
+            </a:r>
+          </a:p>
+          <a:p>
+            <a:pPr lvl="1"/>
+            <a:r>
+              <a:rPr lang="en-US" sz="1800" dirty="0"/>
+              <a:t>Selected K-Means as preferred model to use in classification due to performance success: less prone to run failures</a:t>
+            </a:r>
+          </a:p>
+          <a:p>
+            <a:r>
+              <a:rPr lang="en-US" sz="1800" dirty="0"/>
+              <a:t>Logistic Regression model and Random Forest Classifier models acted very similarly</a:t>
+            </a:r>
+          </a:p>
+          <a:p>
+            <a:pPr lvl="1"/>
+            <a:r>
+              <a:rPr lang="en-US" sz="1800" dirty="0"/>
+              <a:t>From hypothesis testing, cannot reject the null hypothesis, and the models do not outperform each other</a:t>
+            </a:r>
+          </a:p>
+          <a:p>
+            <a:r>
+              <a:rPr lang="en-US" sz="1800" dirty="0"/>
+              <a:t>Possible inflation of accuracy in Classification models</a:t>
+            </a:r>
+          </a:p>
+          <a:p>
+            <a:pPr lvl="2"/>
+            <a:r>
+              <a:rPr lang="en-US" sz="1800" dirty="0"/>
+              <a:t>Model built after clustering model</a:t>
+            </a:r>
+          </a:p>
+          <a:p>
+            <a:pPr lvl="2"/>
+            <a:r>
+              <a:rPr lang="en-US" sz="1800" dirty="0"/>
+              <a:t>Limited amount of data: inclusion of more customers or larger time scale</a:t>
+            </a:r>
+          </a:p>
+        </p:txBody>
+      </p:sp>
+      <p:sp>
+        <p:nvSpPr>
+          <p:cNvPr id="4" name="Slide Number Placeholder 3">
+            <a:extLst>
+              <a:ext uri="{FF2B5EF4-FFF2-40B4-BE49-F238E27FC236}">
+                <a16:creationId xmlns:a16="http://schemas.microsoft.com/office/drawing/2014/main" id="{EF1695E8-91DC-53C6-6A57-36DC980D4CD6}"/>
+              </a:ext>
+            </a:extLst>
+          </p:cNvPr>
+          <p:cNvSpPr>
+            <a:spLocks noGrp="1"/>
+          </p:cNvSpPr>
+          <p:nvPr>
+            <p:ph type="sldNum" sz="quarter" idx="22"/>
+          </p:nvPr>
+        </p:nvSpPr>
+        <p:spPr/>
+        <p:txBody>
+          <a:bodyPr/>
+          <a:lstStyle/>
+          <a:p>
+            <a:fld id="{294A09A9-5501-47C1-A89A-A340965A2BE2}" type="slidenum">
+              <a:rPr lang="en-US" smtClean="0"/>
+              <a:pPr/>
+              <a:t>16</a:t>
+            </a:fld>
+            <a:endParaRPr lang="en-US" dirty="0">
+              <a:latin typeface="+mn-lt"/>
+            </a:endParaRPr>
+          </a:p>
+        </p:txBody>
+      </p:sp>
+    </p:spTree>
+    <p:extLst>
+      <p:ext uri="{BB962C8B-B14F-4D97-AF65-F5344CB8AC3E}">
+        <p14:creationId xmlns:p14="http://schemas.microsoft.com/office/powerpoint/2010/main" val="1428975295"/>
+      </p:ext>
+    </p:extLst>
+  </p:cSld>
+  <p:clrMapOvr>
+    <a:masterClrMapping/>
+  </p:clrMapOvr>
+</p:sld>
+</file>
+
+<file path=ppt/slides/slide17.xml><?xml version="1.0" encoding="utf-8"?>
+<p:sld xmlns:a="http://schemas.openxmlformats.org/drawingml/2006/main" xmlns:r="http://schemas.openxmlformats.org/officeDocument/2006/relationships" xmlns:p="http://schemas.openxmlformats.org/presentationml/2006/main">
+  <p:cSld>
+    <p:spTree>
+      <p:nvGrpSpPr>
+        <p:cNvPr id="1" name=""/>
+        <p:cNvGrpSpPr/>
+        <p:nvPr/>
+      </p:nvGrpSpPr>
+      <p:grpSpPr>
+        <a:xfrm>
+          <a:off x="0" y="0"/>
+          <a:ext cx="0" cy="0"/>
+          <a:chOff x="0" y="0"/>
+          <a:chExt cx="0" cy="0"/>
+        </a:xfrm>
+      </p:grpSpPr>
+      <p:sp>
+        <p:nvSpPr>
+          <p:cNvPr id="2" name="Title 1">
+            <a:extLst>
+              <a:ext uri="{FF2B5EF4-FFF2-40B4-BE49-F238E27FC236}">
+                <a16:creationId xmlns:a16="http://schemas.microsoft.com/office/drawing/2014/main" id="{F0759DC4-8B30-98A0-5BAB-C78BA4A4AD55}"/>
+              </a:ext>
+            </a:extLst>
+          </p:cNvPr>
+          <p:cNvSpPr>
+            <a:spLocks noGrp="1"/>
+          </p:cNvSpPr>
+          <p:nvPr>
+            <p:ph type="title"/>
+          </p:nvPr>
+        </p:nvSpPr>
+        <p:spPr>
+          <a:xfrm>
+            <a:off x="594360" y="198408"/>
+            <a:ext cx="10972800" cy="1574317"/>
+          </a:xfrm>
+        </p:spPr>
+        <p:txBody>
+          <a:bodyPr/>
+          <a:lstStyle/>
+          <a:p>
+            <a:r>
+              <a:rPr lang="en-US" dirty="0"/>
+              <a:t>Conclusions</a:t>
+            </a:r>
+          </a:p>
+        </p:txBody>
+      </p:sp>
+      <p:sp>
+        <p:nvSpPr>
+          <p:cNvPr id="3" name="Content Placeholder 2">
+            <a:extLst>
+              <a:ext uri="{FF2B5EF4-FFF2-40B4-BE49-F238E27FC236}">
+                <a16:creationId xmlns:a16="http://schemas.microsoft.com/office/drawing/2014/main" id="{4096FB3A-B62C-3DAB-4FD1-B4EBDD650AEF}"/>
+              </a:ext>
+            </a:extLst>
+          </p:cNvPr>
+          <p:cNvSpPr>
+            <a:spLocks noGrp="1"/>
+          </p:cNvSpPr>
+          <p:nvPr>
+            <p:ph sz="quarter" idx="13"/>
+          </p:nvPr>
+        </p:nvSpPr>
+        <p:spPr>
+          <a:xfrm>
+            <a:off x="595523" y="2676525"/>
+            <a:ext cx="4625834" cy="3597470"/>
+          </a:xfrm>
+        </p:spPr>
+        <p:txBody>
+          <a:bodyPr>
+            <a:normAutofit lnSpcReduction="10000"/>
+          </a:bodyPr>
+          <a:lstStyle/>
+          <a:p>
+            <a:pPr lvl="1"/>
+            <a:r>
+              <a:rPr lang="en-US" dirty="0"/>
+              <a:t>Valuable customers: lower recency, higher frequency, higher monetary value</a:t>
+            </a:r>
+          </a:p>
+          <a:p>
+            <a:pPr lvl="1"/>
+            <a:r>
+              <a:rPr lang="en-US" dirty="0"/>
+              <a:t>Non valuable customers: higher recency, lower frequency, lower monetary value</a:t>
+            </a:r>
+          </a:p>
+          <a:p>
+            <a:pPr marL="402336" lvl="1" indent="0">
+              <a:buNone/>
+            </a:pPr>
+            <a:endParaRPr lang="en-US" dirty="0"/>
+          </a:p>
+          <a:p>
+            <a:pPr marL="402336" lvl="1" indent="0">
+              <a:buNone/>
+            </a:pPr>
+            <a:endParaRPr lang="en-US" dirty="0"/>
+          </a:p>
+          <a:p>
+            <a:pPr lvl="1"/>
+            <a:r>
+              <a:rPr lang="en-US" dirty="0"/>
+              <a:t>Classification models rank features in terms of importance by (1) recency, (2) frequency, and (3) monetary value</a:t>
+            </a:r>
+          </a:p>
+        </p:txBody>
+      </p:sp>
+      <p:pic>
+        <p:nvPicPr>
+          <p:cNvPr id="18" name="Picture 17">
+            <a:extLst>
+              <a:ext uri="{FF2B5EF4-FFF2-40B4-BE49-F238E27FC236}">
+                <a16:creationId xmlns:a16="http://schemas.microsoft.com/office/drawing/2014/main" id="{D5E72698-E4D6-801D-2065-9D70E1795891}"/>
+              </a:ext>
+            </a:extLst>
+          </p:cNvPr>
+          <p:cNvPicPr>
+            <a:picLocks noChangeAspect="1"/>
+          </p:cNvPicPr>
+          <p:nvPr/>
+        </p:nvPicPr>
+        <p:blipFill>
+          <a:blip r:embed="rId3">
+            <a:extLst>
+              <a:ext uri="{28A0092B-C50C-407E-A947-70E740481C1C}">
+                <a14:useLocalDpi xmlns:a14="http://schemas.microsoft.com/office/drawing/2010/main" val="0"/>
+              </a:ext>
+            </a:extLst>
+          </a:blip>
+          <a:srcRect l="14328" t="8151" r="279" b="34064"/>
+          <a:stretch/>
+        </p:blipFill>
+        <p:spPr>
+          <a:xfrm>
+            <a:off x="5697146" y="1324246"/>
+            <a:ext cx="4313128" cy="2553826"/>
+          </a:xfrm>
+          <a:prstGeom prst="rect">
+            <a:avLst/>
+          </a:prstGeom>
+        </p:spPr>
+      </p:pic>
+      <p:pic>
+        <p:nvPicPr>
+          <p:cNvPr id="20" name="Picture 19">
+            <a:extLst>
+              <a:ext uri="{FF2B5EF4-FFF2-40B4-BE49-F238E27FC236}">
+                <a16:creationId xmlns:a16="http://schemas.microsoft.com/office/drawing/2014/main" id="{2D85994F-6DE1-AED8-97AC-B4C8828173ED}"/>
+              </a:ext>
+            </a:extLst>
+          </p:cNvPr>
+          <p:cNvPicPr>
+            <a:picLocks noChangeAspect="1"/>
+          </p:cNvPicPr>
+          <p:nvPr/>
+        </p:nvPicPr>
+        <p:blipFill>
+          <a:blip r:embed="rId4">
+            <a:extLst>
+              <a:ext uri="{28A0092B-C50C-407E-A947-70E740481C1C}">
+                <a14:useLocalDpi xmlns:a14="http://schemas.microsoft.com/office/drawing/2010/main" val="0"/>
+              </a:ext>
+            </a:extLst>
+          </a:blip>
+          <a:srcRect t="1947" b="1947"/>
+          <a:stretch/>
+        </p:blipFill>
+        <p:spPr>
+          <a:xfrm>
+            <a:off x="7358190" y="3977829"/>
+            <a:ext cx="4795024" cy="2880171"/>
+          </a:xfrm>
+          <a:prstGeom prst="rect">
+            <a:avLst/>
+          </a:prstGeom>
+        </p:spPr>
+      </p:pic>
+      <p:sp>
+        <p:nvSpPr>
+          <p:cNvPr id="4" name="Slide Number Placeholder 3">
+            <a:extLst>
+              <a:ext uri="{FF2B5EF4-FFF2-40B4-BE49-F238E27FC236}">
+                <a16:creationId xmlns:a16="http://schemas.microsoft.com/office/drawing/2014/main" id="{9C3CE57D-97CC-91EF-6FB6-D7C00C8FF15C}"/>
+              </a:ext>
+            </a:extLst>
+          </p:cNvPr>
+          <p:cNvSpPr>
+            <a:spLocks noGrp="1"/>
+          </p:cNvSpPr>
+          <p:nvPr>
+            <p:ph type="sldNum" sz="quarter" idx="12"/>
+          </p:nvPr>
+        </p:nvSpPr>
+        <p:spPr/>
+        <p:txBody>
+          <a:bodyPr/>
+          <a:lstStyle/>
+          <a:p>
+            <a:fld id="{294A09A9-5501-47C1-A89A-A340965A2BE2}" type="slidenum">
+              <a:rPr lang="en-US" smtClean="0"/>
+              <a:pPr/>
+              <a:t>17</a:t>
+            </a:fld>
+            <a:endParaRPr lang="en-US" dirty="0">
+              <a:latin typeface="+mn-lt"/>
+            </a:endParaRPr>
+          </a:p>
+        </p:txBody>
+      </p:sp>
+    </p:spTree>
+    <p:extLst>
+      <p:ext uri="{BB962C8B-B14F-4D97-AF65-F5344CB8AC3E}">
+        <p14:creationId xmlns:p14="http://schemas.microsoft.com/office/powerpoint/2010/main" val="1850768898"/>
+      </p:ext>
+    </p:extLst>
+  </p:cSld>
+  <p:clrMapOvr>
+    <a:masterClrMapping/>
+  </p:clrMapOvr>
+</p:sld>
+</file>
+
+<file path=ppt/slides/slide18.xml><?xml version="1.0" encoding="utf-8"?>
+<p:sld xmlns:a="http://schemas.openxmlformats.org/drawingml/2006/main" xmlns:r="http://schemas.openxmlformats.org/officeDocument/2006/relationships" xmlns:p="http://schemas.openxmlformats.org/presentationml/2006/main">
+  <p:cSld>
+    <p:spTree>
+      <p:nvGrpSpPr>
+        <p:cNvPr id="1" name=""/>
+        <p:cNvGrpSpPr/>
+        <p:nvPr/>
+      </p:nvGrpSpPr>
+      <p:grpSpPr>
+        <a:xfrm>
+          <a:off x="0" y="0"/>
+          <a:ext cx="0" cy="0"/>
+          <a:chOff x="0" y="0"/>
+          <a:chExt cx="0" cy="0"/>
+        </a:xfrm>
+      </p:grpSpPr>
+      <p:sp>
+        <p:nvSpPr>
+          <p:cNvPr id="2" name="Title 1">
+            <a:extLst>
+              <a:ext uri="{FF2B5EF4-FFF2-40B4-BE49-F238E27FC236}">
                 <a16:creationId xmlns:a16="http://schemas.microsoft.com/office/drawing/2014/main" id="{D94B2454-8CFD-A052-086A-68F0373CDA92}"/>
               </a:ext>
             </a:extLst>
@@ -11650,6 +12545,38 @@
           </a:p>
         </p:txBody>
       </p:sp>
+      <p:sp>
+        <p:nvSpPr>
+          <p:cNvPr id="4" name="Slide Number Placeholder 3">
+            <a:extLst>
+              <a:ext uri="{FF2B5EF4-FFF2-40B4-BE49-F238E27FC236}">
+                <a16:creationId xmlns:a16="http://schemas.microsoft.com/office/drawing/2014/main" id="{01CD80E0-0F5B-9834-1071-39573B8D8108}"/>
+              </a:ext>
+            </a:extLst>
+          </p:cNvPr>
+          <p:cNvSpPr>
+            <a:spLocks noGrp="1"/>
+          </p:cNvSpPr>
+          <p:nvPr>
+            <p:ph type="sldNum" sz="quarter" idx="22"/>
+          </p:nvPr>
+        </p:nvSpPr>
+        <p:spPr/>
+        <p:txBody>
+          <a:bodyPr/>
+          <a:lstStyle/>
+          <a:p>
+            <a:fld id="{294A09A9-5501-47C1-A89A-A340965A2BE2}" type="slidenum">
+              <a:rPr lang="en-US" smtClean="0"/>
+              <a:pPr/>
+              <a:t>18</a:t>
+            </a:fld>
+            <a:endParaRPr lang="en-US" dirty="0">
+              <a:latin typeface="+mn-lt"/>
+            </a:endParaRPr>
+          </a:p>
+        </p:txBody>
+      </p:sp>
     </p:spTree>
     <p:extLst>
       <p:ext uri="{BB962C8B-B14F-4D97-AF65-F5344CB8AC3E}">
@@ -11663,7 +12590,7 @@
 </p:sld>
 </file>
 
-<file path=ppt/slides/slide17.xml><?xml version="1.0" encoding="utf-8"?>
+<file path=ppt/slides/slide19.xml><?xml version="1.0" encoding="utf-8"?>
 <p:sld xmlns:a="http://schemas.openxmlformats.org/drawingml/2006/main" xmlns:r="http://schemas.openxmlformats.org/officeDocument/2006/relationships" xmlns:p="http://schemas.openxmlformats.org/presentationml/2006/main">
   <p:cSld>
     <p:spTree>
@@ -11800,6 +12727,38 @@
           </a:p>
         </p:txBody>
       </p:sp>
+      <p:sp>
+        <p:nvSpPr>
+          <p:cNvPr id="4" name="Slide Number Placeholder 3">
+            <a:extLst>
+              <a:ext uri="{FF2B5EF4-FFF2-40B4-BE49-F238E27FC236}">
+                <a16:creationId xmlns:a16="http://schemas.microsoft.com/office/drawing/2014/main" id="{BE7A3F7A-5AB7-AC59-5A86-C68939DC888B}"/>
+              </a:ext>
+            </a:extLst>
+          </p:cNvPr>
+          <p:cNvSpPr>
+            <a:spLocks noGrp="1"/>
+          </p:cNvSpPr>
+          <p:nvPr>
+            <p:ph type="sldNum" sz="quarter" idx="26"/>
+          </p:nvPr>
+        </p:nvSpPr>
+        <p:spPr/>
+        <p:txBody>
+          <a:bodyPr/>
+          <a:lstStyle/>
+          <a:p>
+            <a:fld id="{294A09A9-5501-47C1-A89A-A340965A2BE2}" type="slidenum">
+              <a:rPr lang="en-US" smtClean="0"/>
+              <a:pPr/>
+              <a:t>2</a:t>
+            </a:fld>
+            <a:endParaRPr lang="en-US" dirty="0">
+              <a:latin typeface="+mn-lt"/>
+            </a:endParaRPr>
+          </a:p>
+        </p:txBody>
+      </p:sp>
     </p:spTree>
     <p:extLst>
       <p:ext uri="{BB962C8B-B14F-4D97-AF65-F5344CB8AC3E}">
@@ -11905,7 +12864,7 @@
           <a:p>
             <a:r>
               <a:rPr lang="en-US" dirty="0"/>
-              <a:t>Use customer recency, frequency, and monetary value to estimate their valuableness (Murphy, 2024)</a:t>
+              <a:t>Use customer recency, frequency, and monetary value (RFM) to estimate their valuableness (Murphy, 2024)</a:t>
             </a:r>
           </a:p>
           <a:p>
@@ -12254,6 +13213,38 @@
           </p:txBody>
         </p:sp>
       </p:grpSp>
+      <p:sp>
+        <p:nvSpPr>
+          <p:cNvPr id="2" name="Slide Number Placeholder 1">
+            <a:extLst>
+              <a:ext uri="{FF2B5EF4-FFF2-40B4-BE49-F238E27FC236}">
+                <a16:creationId xmlns:a16="http://schemas.microsoft.com/office/drawing/2014/main" id="{826C04E6-A41C-D13D-0C80-58D91AB4FA23}"/>
+              </a:ext>
+            </a:extLst>
+          </p:cNvPr>
+          <p:cNvSpPr>
+            <a:spLocks noGrp="1"/>
+          </p:cNvSpPr>
+          <p:nvPr>
+            <p:ph type="sldNum" sz="quarter" idx="22"/>
+          </p:nvPr>
+        </p:nvSpPr>
+        <p:spPr/>
+        <p:txBody>
+          <a:bodyPr/>
+          <a:lstStyle/>
+          <a:p>
+            <a:fld id="{294A09A9-5501-47C1-A89A-A340965A2BE2}" type="slidenum">
+              <a:rPr lang="en-US" smtClean="0"/>
+              <a:pPr/>
+              <a:t>3</a:t>
+            </a:fld>
+            <a:endParaRPr lang="en-US" dirty="0">
+              <a:latin typeface="+mn-lt"/>
+            </a:endParaRPr>
+          </a:p>
+        </p:txBody>
+      </p:sp>
     </p:spTree>
     <p:extLst>
       <p:ext uri="{BB962C8B-B14F-4D97-AF65-F5344CB8AC3E}">
@@ -12519,6 +13510,38 @@
               </a:rPr>
               <a:t> </a:t>
             </a:r>
+          </a:p>
+        </p:txBody>
+      </p:sp>
+      <p:sp>
+        <p:nvSpPr>
+          <p:cNvPr id="4" name="Slide Number Placeholder 3">
+            <a:extLst>
+              <a:ext uri="{FF2B5EF4-FFF2-40B4-BE49-F238E27FC236}">
+                <a16:creationId xmlns:a16="http://schemas.microsoft.com/office/drawing/2014/main" id="{1513B658-EFC5-6AC9-A047-2B9E9BA9E732}"/>
+              </a:ext>
+            </a:extLst>
+          </p:cNvPr>
+          <p:cNvSpPr>
+            <a:spLocks noGrp="1"/>
+          </p:cNvSpPr>
+          <p:nvPr>
+            <p:ph type="sldNum" sz="quarter" idx="12"/>
+          </p:nvPr>
+        </p:nvSpPr>
+        <p:spPr/>
+        <p:txBody>
+          <a:bodyPr/>
+          <a:lstStyle/>
+          <a:p>
+            <a:fld id="{294A09A9-5501-47C1-A89A-A340965A2BE2}" type="slidenum">
+              <a:rPr lang="en-US" smtClean="0"/>
+              <a:pPr/>
+              <a:t>4</a:t>
+            </a:fld>
+            <a:endParaRPr lang="en-US" dirty="0">
+              <a:latin typeface="+mn-lt"/>
+            </a:endParaRPr>
           </a:p>
         </p:txBody>
       </p:sp>
@@ -12755,6 +13778,38 @@
           </a:p>
         </p:txBody>
       </p:sp>
+      <p:sp>
+        <p:nvSpPr>
+          <p:cNvPr id="4" name="Slide Number Placeholder 3">
+            <a:extLst>
+              <a:ext uri="{FF2B5EF4-FFF2-40B4-BE49-F238E27FC236}">
+                <a16:creationId xmlns:a16="http://schemas.microsoft.com/office/drawing/2014/main" id="{8D3D1EA0-73EF-2D3A-FB66-8E66DD349BCD}"/>
+              </a:ext>
+            </a:extLst>
+          </p:cNvPr>
+          <p:cNvSpPr>
+            <a:spLocks noGrp="1"/>
+          </p:cNvSpPr>
+          <p:nvPr>
+            <p:ph type="sldNum" sz="quarter" idx="12"/>
+          </p:nvPr>
+        </p:nvSpPr>
+        <p:spPr/>
+        <p:txBody>
+          <a:bodyPr/>
+          <a:lstStyle/>
+          <a:p>
+            <a:fld id="{294A09A9-5501-47C1-A89A-A340965A2BE2}" type="slidenum">
+              <a:rPr lang="en-US" smtClean="0"/>
+              <a:pPr/>
+              <a:t>5</a:t>
+            </a:fld>
+            <a:endParaRPr lang="en-US" dirty="0">
+              <a:latin typeface="+mn-lt"/>
+            </a:endParaRPr>
+          </a:p>
+        </p:txBody>
+      </p:sp>
     </p:spTree>
     <p:extLst>
       <p:ext uri="{BB962C8B-B14F-4D97-AF65-F5344CB8AC3E}">
@@ -12790,7 +13845,7 @@
           <p:cNvPr id="2" name="Title 1">
             <a:extLst>
               <a:ext uri="{FF2B5EF4-FFF2-40B4-BE49-F238E27FC236}">
-                <a16:creationId xmlns:a16="http://schemas.microsoft.com/office/drawing/2014/main" id="{29826274-7AE3-974B-1E5B-85F54F9E4F1F}"/>
+                <a16:creationId xmlns:a16="http://schemas.microsoft.com/office/drawing/2014/main" id="{50D27DF5-307A-981D-480C-FE9F7AB9DF05}"/>
               </a:ext>
             </a:extLst>
           </p:cNvPr>
@@ -12801,24 +13856,357 @@
             <p:ph type="title"/>
           </p:nvPr>
         </p:nvSpPr>
-        <p:spPr/>
+        <p:spPr>
+          <a:xfrm>
+            <a:off x="594360" y="278129"/>
+            <a:ext cx="10138410" cy="1494596"/>
+          </a:xfrm>
+        </p:spPr>
         <p:txBody>
           <a:bodyPr/>
           <a:lstStyle/>
           <a:p>
             <a:r>
               <a:rPr lang="en-US" dirty="0"/>
-              <a:t>Data Preprocessing</a:t>
+              <a:t>Methodology –Databricks Comparison</a:t>
             </a:r>
           </a:p>
         </p:txBody>
       </p:sp>
+      <p:graphicFrame>
+        <p:nvGraphicFramePr>
+          <p:cNvPr id="6" name="Content Placeholder 5">
+            <a:extLst>
+              <a:ext uri="{FF2B5EF4-FFF2-40B4-BE49-F238E27FC236}">
+                <a16:creationId xmlns:a16="http://schemas.microsoft.com/office/drawing/2014/main" id="{C09A5D99-1422-0D64-7C53-AF519519DD3A}"/>
+              </a:ext>
+            </a:extLst>
+          </p:cNvPr>
+          <p:cNvGraphicFramePr>
+            <a:graphicFrameLocks noGrp="1"/>
+          </p:cNvGraphicFramePr>
+          <p:nvPr>
+            <p:ph sz="quarter" idx="15"/>
+            <p:extLst>
+              <p:ext uri="{D42A27DB-BD31-4B8C-83A1-F6EECF244321}">
+                <p14:modId xmlns:p14="http://schemas.microsoft.com/office/powerpoint/2010/main" val="2758397389"/>
+              </p:ext>
+            </p:extLst>
+          </p:nvPr>
+        </p:nvGraphicFramePr>
+        <p:xfrm>
+          <a:off x="594360" y="2272844"/>
+          <a:ext cx="10836276" cy="4059376"/>
+        </p:xfrm>
+        <a:graphic>
+          <a:graphicData uri="http://schemas.openxmlformats.org/drawingml/2006/table">
+            <a:tbl>
+              <a:tblPr firstRow="1" bandRow="1">
+                <a:tableStyleId>{21E4AEA4-8DFA-4A89-87EB-49C32662AFE0}</a:tableStyleId>
+              </a:tblPr>
+              <a:tblGrid>
+                <a:gridCol w="5418138">
+                  <a:extLst>
+                    <a:ext uri="{9D8B030D-6E8A-4147-A177-3AD203B41FA5}">
+                      <a16:colId xmlns:a16="http://schemas.microsoft.com/office/drawing/2014/main" val="1352576495"/>
+                    </a:ext>
+                  </a:extLst>
+                </a:gridCol>
+                <a:gridCol w="5418138">
+                  <a:extLst>
+                    <a:ext uri="{9D8B030D-6E8A-4147-A177-3AD203B41FA5}">
+                      <a16:colId xmlns:a16="http://schemas.microsoft.com/office/drawing/2014/main" val="4186211080"/>
+                    </a:ext>
+                  </a:extLst>
+                </a:gridCol>
+              </a:tblGrid>
+              <a:tr h="584656">
+                <a:tc>
+                  <a:txBody>
+                    <a:bodyPr/>
+                    <a:lstStyle/>
+                    <a:p>
+                      <a:pPr algn="ctr"/>
+                      <a:r>
+                        <a:rPr lang="en-US" sz="2400" dirty="0">
+                          <a:solidFill>
+                            <a:schemeClr val="bg1"/>
+                          </a:solidFill>
+                        </a:rPr>
+                        <a:t>Databricks Solution Accelerator</a:t>
+                      </a:r>
+                    </a:p>
+                  </a:txBody>
+                  <a:tcPr/>
+                </a:tc>
+                <a:tc>
+                  <a:txBody>
+                    <a:bodyPr/>
+                    <a:lstStyle/>
+                    <a:p>
+                      <a:pPr algn="ctr"/>
+                      <a:r>
+                        <a:rPr lang="en-US" sz="2400" dirty="0">
+                          <a:solidFill>
+                            <a:schemeClr val="bg1"/>
+                          </a:solidFill>
+                        </a:rPr>
+                        <a:t>Methodology</a:t>
+                      </a:r>
+                    </a:p>
+                  </a:txBody>
+                  <a:tcPr/>
+                </a:tc>
+                <a:extLst>
+                  <a:ext uri="{0D108BD9-81ED-4DB2-BD59-A6C34878D82A}">
+                    <a16:rowId xmlns:a16="http://schemas.microsoft.com/office/drawing/2014/main" val="3158422935"/>
+                  </a:ext>
+                </a:extLst>
+              </a:tr>
+              <a:tr h="614208">
+                <a:tc>
+                  <a:txBody>
+                    <a:bodyPr/>
+                    <a:lstStyle/>
+                    <a:p>
+                      <a:pPr marL="285750" indent="-285750">
+                        <a:buFont typeface="Arial" panose="020B0604020202020204" pitchFamily="34" charset="0"/>
+                        <a:buChar char="•"/>
+                      </a:pPr>
+                      <a:r>
+                        <a:rPr lang="en-US" dirty="0"/>
+                        <a:t>Clean data by removing customers with null customer IDs and with excessively large purchases</a:t>
+                      </a:r>
+                    </a:p>
+                  </a:txBody>
+                  <a:tcPr/>
+                </a:tc>
+                <a:tc>
+                  <a:txBody>
+                    <a:bodyPr/>
+                    <a:lstStyle/>
+                    <a:p>
+                      <a:pPr marL="285750" indent="-285750">
+                        <a:buFont typeface="Arial" panose="020B0604020202020204" pitchFamily="34" charset="0"/>
+                        <a:buChar char="•"/>
+                      </a:pPr>
+                      <a:r>
+                        <a:rPr lang="en-US" dirty="0"/>
+                        <a:t>Clean data by removing customers with null customer IDs and with excessively large purchases</a:t>
+                      </a:r>
+                    </a:p>
+                  </a:txBody>
+                  <a:tcPr/>
+                </a:tc>
+                <a:extLst>
+                  <a:ext uri="{0D108BD9-81ED-4DB2-BD59-A6C34878D82A}">
+                    <a16:rowId xmlns:a16="http://schemas.microsoft.com/office/drawing/2014/main" val="2037814104"/>
+                  </a:ext>
+                </a:extLst>
+              </a:tr>
+              <a:tr h="614208">
+                <a:tc>
+                  <a:txBody>
+                    <a:bodyPr/>
+                    <a:lstStyle/>
+                    <a:p>
+                      <a:pPr marL="285750" indent="-285750">
+                        <a:buFont typeface="Arial" panose="020B0604020202020204" pitchFamily="34" charset="0"/>
+                        <a:buChar char="•"/>
+                      </a:pPr>
+                      <a:r>
+                        <a:rPr lang="en-US" dirty="0"/>
+                        <a:t>Calculate metrics Frequency, Recency, Monetary Value, and Age using BTYD Libraries</a:t>
+                      </a:r>
+                    </a:p>
+                  </a:txBody>
+                  <a:tcPr/>
+                </a:tc>
+                <a:tc>
+                  <a:txBody>
+                    <a:bodyPr/>
+                    <a:lstStyle/>
+                    <a:p>
+                      <a:pPr marL="285750" indent="-285750">
+                        <a:buFont typeface="Arial" panose="020B0604020202020204" pitchFamily="34" charset="0"/>
+                        <a:buChar char="•"/>
+                      </a:pPr>
+                      <a:r>
+                        <a:rPr lang="en-US" dirty="0"/>
+                        <a:t>Calculate metrics Frequency, Recency, Monetary Value manually using </a:t>
+                      </a:r>
+                      <a:r>
+                        <a:rPr lang="en-US" dirty="0" err="1"/>
+                        <a:t>PySpark</a:t>
+                      </a:r>
+                      <a:endParaRPr lang="en-US" dirty="0"/>
+                    </a:p>
+                  </a:txBody>
+                  <a:tcPr/>
+                </a:tc>
+                <a:extLst>
+                  <a:ext uri="{0D108BD9-81ED-4DB2-BD59-A6C34878D82A}">
+                    <a16:rowId xmlns:a16="http://schemas.microsoft.com/office/drawing/2014/main" val="4045495539"/>
+                  </a:ext>
+                </a:extLst>
+              </a:tr>
+              <a:tr h="614208">
+                <a:tc>
+                  <a:txBody>
+                    <a:bodyPr/>
+                    <a:lstStyle/>
+                    <a:p>
+                      <a:pPr marL="285750" indent="-285750">
+                        <a:buFont typeface="Arial" panose="020B0604020202020204" pitchFamily="34" charset="0"/>
+                        <a:buChar char="•"/>
+                      </a:pPr>
+                      <a:r>
+                        <a:rPr lang="en-US" dirty="0"/>
+                        <a:t>Train </a:t>
+                      </a:r>
+                      <a:r>
+                        <a:rPr lang="en-US" dirty="0" err="1"/>
+                        <a:t>BetaGeo</a:t>
+                      </a:r>
+                      <a:r>
+                        <a:rPr lang="en-US" dirty="0"/>
+                        <a:t> model to predict purchases of customers in future based on metrics</a:t>
+                      </a:r>
+                    </a:p>
+                  </a:txBody>
+                  <a:tcPr/>
+                </a:tc>
+                <a:tc>
+                  <a:txBody>
+                    <a:bodyPr/>
+                    <a:lstStyle/>
+                    <a:p>
+                      <a:pPr marL="285750" indent="-285750">
+                        <a:buFont typeface="Arial" panose="020B0604020202020204" pitchFamily="34" charset="0"/>
+                        <a:buChar char="•"/>
+                      </a:pPr>
+                      <a:r>
+                        <a:rPr lang="en-US" dirty="0"/>
+                        <a:t>Cluster customers using </a:t>
+                      </a:r>
+                      <a:r>
+                        <a:rPr lang="en-US" dirty="0" err="1"/>
+                        <a:t>PySpark</a:t>
+                      </a:r>
+                      <a:r>
+                        <a:rPr lang="en-US" dirty="0"/>
+                        <a:t> ML models to group customers as valuable or less valuable</a:t>
+                      </a:r>
+                    </a:p>
+                  </a:txBody>
+                  <a:tcPr/>
+                </a:tc>
+                <a:extLst>
+                  <a:ext uri="{0D108BD9-81ED-4DB2-BD59-A6C34878D82A}">
+                    <a16:rowId xmlns:a16="http://schemas.microsoft.com/office/drawing/2014/main" val="1932241221"/>
+                  </a:ext>
+                </a:extLst>
+              </a:tr>
+              <a:tr h="614208">
+                <a:tc>
+                  <a:txBody>
+                    <a:bodyPr/>
+                    <a:lstStyle/>
+                    <a:p>
+                      <a:pPr marL="285750" indent="-285750">
+                        <a:buFont typeface="Arial" panose="020B0604020202020204" pitchFamily="34" charset="0"/>
+                        <a:buChar char="•"/>
+                      </a:pPr>
+                      <a:r>
+                        <a:rPr lang="en-US" dirty="0"/>
+                        <a:t>Train </a:t>
+                      </a:r>
+                      <a:r>
+                        <a:rPr lang="en-US" dirty="0" err="1"/>
+                        <a:t>GammaGamma</a:t>
+                      </a:r>
+                      <a:r>
+                        <a:rPr lang="en-US" dirty="0"/>
+                        <a:t> model to prediction of customer spending in future based on metrics</a:t>
+                      </a:r>
+                    </a:p>
+                  </a:txBody>
+                  <a:tcPr/>
+                </a:tc>
+                <a:tc>
+                  <a:txBody>
+                    <a:bodyPr/>
+                    <a:lstStyle/>
+                    <a:p>
+                      <a:pPr marL="285750" indent="-285750">
+                        <a:buFont typeface="Arial" panose="020B0604020202020204" pitchFamily="34" charset="0"/>
+                        <a:buChar char="•"/>
+                      </a:pPr>
+                      <a:r>
+                        <a:rPr lang="en-US" dirty="0"/>
+                        <a:t>Classify customers using clustering labels to predict valuableness of customer</a:t>
+                      </a:r>
+                    </a:p>
+                  </a:txBody>
+                  <a:tcPr/>
+                </a:tc>
+                <a:extLst>
+                  <a:ext uri="{0D108BD9-81ED-4DB2-BD59-A6C34878D82A}">
+                    <a16:rowId xmlns:a16="http://schemas.microsoft.com/office/drawing/2014/main" val="2507347752"/>
+                  </a:ext>
+                </a:extLst>
+              </a:tr>
+              <a:tr h="614208">
+                <a:tc>
+                  <a:txBody>
+                    <a:bodyPr/>
+                    <a:lstStyle/>
+                    <a:p>
+                      <a:pPr marL="285750" indent="-285750">
+                        <a:buFont typeface="Arial" panose="020B0604020202020204" pitchFamily="34" charset="0"/>
+                        <a:buChar char="•"/>
+                      </a:pPr>
+                      <a:r>
+                        <a:rPr lang="en-US" dirty="0"/>
+                        <a:t>Calculate numerical value for Customer Lifetime Value to determine value of each customer from models</a:t>
+                      </a:r>
+                    </a:p>
+                  </a:txBody>
+                  <a:tcPr/>
+                </a:tc>
+                <a:tc>
+                  <a:txBody>
+                    <a:bodyPr/>
+                    <a:lstStyle/>
+                    <a:p>
+                      <a:pPr marL="285750" indent="-285750">
+                        <a:buFont typeface="Arial" panose="020B0604020202020204" pitchFamily="34" charset="0"/>
+                        <a:buChar char="•"/>
+                      </a:pPr>
+                      <a:r>
+                        <a:rPr lang="en-US" dirty="0"/>
+                        <a:t>Review classification results to estimate factors of valuable and non valuable customers</a:t>
+                      </a:r>
+                    </a:p>
+                  </a:txBody>
+                  <a:tcPr/>
+                </a:tc>
+                <a:extLst>
+                  <a:ext uri="{0D108BD9-81ED-4DB2-BD59-A6C34878D82A}">
+                    <a16:rowId xmlns:a16="http://schemas.microsoft.com/office/drawing/2014/main" val="3160886504"/>
+                  </a:ext>
+                </a:extLst>
+              </a:tr>
+            </a:tbl>
+          </a:graphicData>
+        </a:graphic>
+      </p:graphicFrame>
       <p:sp>
         <p:nvSpPr>
-          <p:cNvPr id="3" name="Content Placeholder 2">
+          <p:cNvPr id="5" name="Slide Number Placeholder 4">
             <a:extLst>
               <a:ext uri="{FF2B5EF4-FFF2-40B4-BE49-F238E27FC236}">
-                <a16:creationId xmlns:a16="http://schemas.microsoft.com/office/drawing/2014/main" id="{A7651FD2-86CB-6DE7-6175-D2BCC36281A3}"/>
+                <a16:creationId xmlns:a16="http://schemas.microsoft.com/office/drawing/2014/main" id="{460CB391-3324-3C3E-3A8C-B195AA074A5F}"/>
               </a:ext>
             </a:extLst>
           </p:cNvPr>
@@ -12826,116 +14214,29 @@
             <a:spLocks noGrp="1"/>
           </p:cNvSpPr>
           <p:nvPr>
-            <p:ph sz="quarter" idx="13"/>
+            <p:ph type="sldNum" sz="quarter" idx="12"/>
           </p:nvPr>
         </p:nvSpPr>
-        <p:spPr>
-          <a:xfrm>
-            <a:off x="3657600" y="2282008"/>
-            <a:ext cx="7810500" cy="3699328"/>
-          </a:xfrm>
-        </p:spPr>
+        <p:spPr/>
         <p:txBody>
-          <a:bodyPr>
-            <a:normAutofit/>
-          </a:bodyPr>
+          <a:bodyPr/>
           <a:lstStyle/>
           <a:p>
-            <a:pPr marL="342900" indent="-342900"/>
-            <a:r>
-              <a:rPr lang="en-US" dirty="0"/>
-              <a:t>Changing </a:t>
-            </a:r>
-            <a:r>
-              <a:rPr lang="en-US" dirty="0" err="1"/>
-              <a:t>InvoiceDate</a:t>
-            </a:r>
-            <a:r>
-              <a:rPr lang="en-US" dirty="0"/>
-              <a:t> from a string data type to a Date data type</a:t>
-            </a:r>
-          </a:p>
-          <a:p>
-            <a:pPr marL="342900" indent="-342900"/>
-            <a:r>
-              <a:rPr lang="en-US" dirty="0"/>
-              <a:t>Create Sales column: Quantity * </a:t>
-            </a:r>
-            <a:r>
-              <a:rPr lang="en-US" dirty="0" err="1"/>
-              <a:t>UnitPrice</a:t>
-            </a:r>
-            <a:endParaRPr lang="en-US" dirty="0"/>
-          </a:p>
-          <a:p>
-            <a:pPr marL="342900" indent="-342900"/>
-            <a:r>
-              <a:rPr lang="en-US" dirty="0"/>
-              <a:t>Some cleaning required, including removal of null </a:t>
-            </a:r>
-            <a:r>
-              <a:rPr lang="en-US" dirty="0" err="1"/>
-              <a:t>CustomerID</a:t>
-            </a:r>
-            <a:r>
-              <a:rPr lang="en-US" dirty="0"/>
-              <a:t>, customers with extremely large daily purchases (+70,000 in 1 day)</a:t>
-            </a:r>
-          </a:p>
-          <a:p>
-            <a:pPr marL="745236" lvl="1" indent="-342900"/>
-            <a:r>
-              <a:rPr lang="en-US" dirty="0"/>
-              <a:t>Utilize </a:t>
-            </a:r>
-            <a:r>
-              <a:rPr lang="en-US" dirty="0" err="1"/>
-              <a:t>PySpark</a:t>
-            </a:r>
-            <a:r>
-              <a:rPr lang="en-US" dirty="0"/>
-              <a:t> functions like </a:t>
-            </a:r>
-            <a:r>
-              <a:rPr lang="en-US" dirty="0" err="1"/>
-              <a:t>WithColumn</a:t>
-            </a:r>
-            <a:r>
-              <a:rPr lang="en-US" dirty="0"/>
-              <a:t>, filter</a:t>
-            </a:r>
-          </a:p>
-          <a:p>
-            <a:pPr marL="342900" indent="-342900"/>
-            <a:r>
-              <a:rPr lang="en-US" dirty="0"/>
-              <a:t>After processing data, 4227 unique customers available for analysis</a:t>
-            </a:r>
-          </a:p>
-          <a:p>
-            <a:pPr marL="342900" indent="-342900"/>
-            <a:endParaRPr lang="en-US" dirty="0"/>
-          </a:p>
-          <a:p>
-            <a:pPr marL="342900" indent="-342900">
-              <a:buFont typeface="Arial" panose="020B0604020202020204" pitchFamily="34" charset="0"/>
-              <a:buChar char="•"/>
-            </a:pPr>
-            <a:endParaRPr lang="en-US" dirty="0"/>
-          </a:p>
-          <a:p>
-            <a:pPr marL="342900" indent="-342900">
-              <a:buFont typeface="Arial" panose="020B0604020202020204" pitchFamily="34" charset="0"/>
-              <a:buChar char="•"/>
-            </a:pPr>
-            <a:endParaRPr lang="en-US" dirty="0"/>
+            <a:fld id="{294A09A9-5501-47C1-A89A-A340965A2BE2}" type="slidenum">
+              <a:rPr lang="en-US" smtClean="0"/>
+              <a:pPr/>
+              <a:t>6</a:t>
+            </a:fld>
+            <a:endParaRPr lang="en-US" dirty="0">
+              <a:latin typeface="+mn-lt"/>
+            </a:endParaRPr>
           </a:p>
         </p:txBody>
       </p:sp>
     </p:spTree>
     <p:extLst>
       <p:ext uri="{BB962C8B-B14F-4D97-AF65-F5344CB8AC3E}">
-        <p14:creationId xmlns:p14="http://schemas.microsoft.com/office/powerpoint/2010/main" val="560944101"/>
+        <p14:creationId xmlns:p14="http://schemas.microsoft.com/office/powerpoint/2010/main" val="407315144"/>
       </p:ext>
     </p:extLst>
   </p:cSld>
@@ -12967,7 +14268,7 @@
           <p:cNvPr id="2" name="Title 1">
             <a:extLst>
               <a:ext uri="{FF2B5EF4-FFF2-40B4-BE49-F238E27FC236}">
-                <a16:creationId xmlns:a16="http://schemas.microsoft.com/office/drawing/2014/main" id="{3EA7B72F-29E4-E4B3-C001-C75269CC05E8}"/>
+                <a16:creationId xmlns:a16="http://schemas.microsoft.com/office/drawing/2014/main" id="{29826274-7AE3-974B-1E5B-85F54F9E4F1F}"/>
               </a:ext>
             </a:extLst>
           </p:cNvPr>
@@ -12985,7 +14286,7 @@
           <a:p>
             <a:r>
               <a:rPr lang="en-US" dirty="0"/>
-              <a:t>Data Preprocessing Cont’d</a:t>
+              <a:t>Data Preprocessing</a:t>
             </a:r>
           </a:p>
         </p:txBody>
@@ -12995,7 +14296,7 @@
           <p:cNvPr id="3" name="Content Placeholder 2">
             <a:extLst>
               <a:ext uri="{FF2B5EF4-FFF2-40B4-BE49-F238E27FC236}">
-                <a16:creationId xmlns:a16="http://schemas.microsoft.com/office/drawing/2014/main" id="{5B547023-0F1D-4B92-814D-C2932A9DE77A}"/>
+                <a16:creationId xmlns:a16="http://schemas.microsoft.com/office/drawing/2014/main" id="{A7651FD2-86CB-6DE7-6175-D2BCC36281A3}"/>
               </a:ext>
             </a:extLst>
           </p:cNvPr>
@@ -13006,185 +14307,137 @@
             <p:ph sz="quarter" idx="13"/>
           </p:nvPr>
         </p:nvSpPr>
-        <p:spPr/>
+        <p:spPr>
+          <a:xfrm>
+            <a:off x="3657600" y="2282008"/>
+            <a:ext cx="7810500" cy="3699328"/>
+          </a:xfrm>
+        </p:spPr>
         <p:txBody>
           <a:bodyPr>
-            <a:normAutofit fontScale="92500" lnSpcReduction="10000"/>
+            <a:normAutofit/>
           </a:bodyPr>
           <a:lstStyle/>
+          <a:p>
+            <a:pPr marL="342900" indent="-342900"/>
+            <a:r>
+              <a:rPr lang="en-US" dirty="0"/>
+              <a:t>Changing </a:t>
+            </a:r>
+            <a:r>
+              <a:rPr lang="en-US" dirty="0" err="1"/>
+              <a:t>InvoiceDate</a:t>
+            </a:r>
+            <a:r>
+              <a:rPr lang="en-US" dirty="0"/>
+              <a:t> from a string data type to a Date data type</a:t>
+            </a:r>
+          </a:p>
+          <a:p>
+            <a:pPr marL="342900" indent="-342900"/>
+            <a:r>
+              <a:rPr lang="en-US" dirty="0"/>
+              <a:t>Create Sales column: Quantity * </a:t>
+            </a:r>
+            <a:r>
+              <a:rPr lang="en-US" dirty="0" err="1"/>
+              <a:t>UnitPrice</a:t>
+            </a:r>
+            <a:endParaRPr lang="en-US" dirty="0"/>
+          </a:p>
+          <a:p>
+            <a:pPr marL="342900" indent="-342900"/>
+            <a:r>
+              <a:rPr lang="en-US" dirty="0"/>
+              <a:t>Some cleaning required, including removal of null </a:t>
+            </a:r>
+            <a:r>
+              <a:rPr lang="en-US" dirty="0" err="1"/>
+              <a:t>CustomerID</a:t>
+            </a:r>
+            <a:r>
+              <a:rPr lang="en-US" dirty="0"/>
+              <a:t>, customers with extremely large daily purchases (+70,000 in 1 day)</a:t>
+            </a:r>
+          </a:p>
+          <a:p>
+            <a:pPr marL="745236" lvl="1" indent="-342900"/>
+            <a:r>
+              <a:rPr lang="en-US" dirty="0"/>
+              <a:t>Utilize </a:t>
+            </a:r>
+            <a:r>
+              <a:rPr lang="en-US" dirty="0" err="1"/>
+              <a:t>PySpark</a:t>
+            </a:r>
+            <a:r>
+              <a:rPr lang="en-US" dirty="0"/>
+              <a:t> functions like </a:t>
+            </a:r>
+            <a:r>
+              <a:rPr lang="en-US" dirty="0" err="1"/>
+              <a:t>WithColumn</a:t>
+            </a:r>
+            <a:r>
+              <a:rPr lang="en-US" dirty="0"/>
+              <a:t>, filter</a:t>
+            </a:r>
+          </a:p>
+          <a:p>
+            <a:pPr marL="342900" indent="-342900"/>
+            <a:r>
+              <a:rPr lang="en-US" dirty="0"/>
+              <a:t>After processing data, 4227 unique customers available for analysis</a:t>
+            </a:r>
+          </a:p>
+          <a:p>
+            <a:pPr marL="342900" indent="-342900"/>
+            <a:endParaRPr lang="en-US" dirty="0"/>
+          </a:p>
           <a:p>
             <a:pPr marL="342900" indent="-342900">
               <a:buFont typeface="Arial" panose="020B0604020202020204" pitchFamily="34" charset="0"/>
               <a:buChar char="•"/>
             </a:pPr>
-            <a:r>
-              <a:rPr lang="en-US" dirty="0"/>
-              <a:t>Calculating various metrics for each unique </a:t>
-            </a:r>
-            <a:r>
-              <a:rPr lang="en-US" dirty="0" err="1"/>
-              <a:t>CustomerID</a:t>
-            </a:r>
-            <a:r>
-              <a:rPr lang="en-US" dirty="0"/>
-              <a:t>:</a:t>
-            </a:r>
-          </a:p>
-          <a:p>
-            <a:pPr marL="626364" lvl="1" indent="-342900"/>
-            <a:r>
-              <a:rPr lang="en-US" dirty="0"/>
-              <a:t>Recency: time since last purchase</a:t>
-            </a:r>
-          </a:p>
-          <a:p>
-            <a:pPr marL="626364" lvl="1" indent="-342900"/>
-            <a:r>
-              <a:rPr lang="en-US" dirty="0"/>
-              <a:t>Frequency: number of unique invoices</a:t>
-            </a:r>
-          </a:p>
-          <a:p>
-            <a:pPr marL="626364" lvl="1" indent="-342900"/>
-            <a:r>
-              <a:rPr lang="en-US" dirty="0"/>
-              <a:t>Monetary Value: how much each customer spends</a:t>
-            </a:r>
+            <a:endParaRPr lang="en-US" dirty="0"/>
           </a:p>
           <a:p>
             <a:pPr marL="342900" indent="-342900">
               <a:buFont typeface="Arial" panose="020B0604020202020204" pitchFamily="34" charset="0"/>
               <a:buChar char="•"/>
             </a:pPr>
-            <a:r>
-              <a:rPr lang="en-US" dirty="0"/>
-              <a:t>Scale data using </a:t>
-            </a:r>
-            <a:r>
-              <a:rPr lang="en-US" dirty="0" err="1"/>
-              <a:t>MinMaxScaler</a:t>
-            </a:r>
             <a:endParaRPr lang="en-US" dirty="0"/>
-          </a:p>
-          <a:p>
-            <a:pPr marL="342900" indent="-342900">
-              <a:buFont typeface="Arial" panose="020B0604020202020204" pitchFamily="34" charset="0"/>
-              <a:buChar char="•"/>
-            </a:pPr>
-            <a:r>
-              <a:rPr lang="en-US" dirty="0"/>
-              <a:t>Create vector of scaled and unscaled RFM features using </a:t>
-            </a:r>
-            <a:r>
-              <a:rPr lang="en-US" dirty="0" err="1"/>
-              <a:t>VectorAssembler</a:t>
-            </a:r>
-            <a:r>
-              <a:rPr lang="en-US" dirty="0"/>
-              <a:t> for use in clustering and classification</a:t>
-            </a:r>
-          </a:p>
-          <a:p>
-            <a:pPr marL="342900" indent="-342900">
-              <a:buFont typeface="Arial" panose="020B0604020202020204" pitchFamily="34" charset="0"/>
-              <a:buChar char="•"/>
-            </a:pPr>
-            <a:r>
-              <a:rPr lang="en-US" dirty="0"/>
-              <a:t>Split data into train and test sets (70/30)</a:t>
-            </a:r>
           </a:p>
         </p:txBody>
       </p:sp>
-      <p:pic>
-        <p:nvPicPr>
-          <p:cNvPr id="6" name="Picture 5">
-            <a:extLst>
-              <a:ext uri="{FF2B5EF4-FFF2-40B4-BE49-F238E27FC236}">
-                <a16:creationId xmlns:a16="http://schemas.microsoft.com/office/drawing/2014/main" id="{CD4E861E-7D38-0505-78BD-CC40FC5D3669}"/>
-              </a:ext>
-            </a:extLst>
-          </p:cNvPr>
-          <p:cNvPicPr>
-            <a:picLocks noChangeAspect="1"/>
-          </p:cNvPicPr>
-          <p:nvPr/>
-        </p:nvPicPr>
-        <p:blipFill>
-          <a:blip r:embed="rId2">
-            <a:extLst>
-              <a:ext uri="{28A0092B-C50C-407E-A947-70E740481C1C}">
-                <a14:useLocalDpi xmlns:a14="http://schemas.microsoft.com/office/drawing/2010/main" val="0"/>
-              </a:ext>
-            </a:extLst>
-          </a:blip>
-          <a:srcRect/>
-          <a:stretch/>
-        </p:blipFill>
-        <p:spPr>
-          <a:xfrm>
-            <a:off x="6356903" y="2986682"/>
-            <a:ext cx="5154262" cy="2389477"/>
-          </a:xfrm>
-          <a:prstGeom prst="rect">
-            <a:avLst/>
-          </a:prstGeom>
-          <a:ln w="19050">
-            <a:solidFill>
-              <a:schemeClr val="bg1"/>
-            </a:solidFill>
-          </a:ln>
-        </p:spPr>
-      </p:pic>
       <p:sp>
         <p:nvSpPr>
-          <p:cNvPr id="8" name="TextBox 7">
+          <p:cNvPr id="4" name="Slide Number Placeholder 3">
             <a:extLst>
               <a:ext uri="{FF2B5EF4-FFF2-40B4-BE49-F238E27FC236}">
-                <a16:creationId xmlns:a16="http://schemas.microsoft.com/office/drawing/2014/main" id="{3F23A755-F92C-8BDF-C2D9-C076E5AE260D}"/>
+                <a16:creationId xmlns:a16="http://schemas.microsoft.com/office/drawing/2014/main" id="{74F62429-CB7A-A5B3-A4C3-9526E278FEDF}"/>
               </a:ext>
             </a:extLst>
           </p:cNvPr>
-          <p:cNvSpPr txBox="1"/>
-          <p:nvPr/>
+          <p:cNvSpPr>
+            <a:spLocks noGrp="1"/>
+          </p:cNvSpPr>
+          <p:nvPr>
+            <p:ph type="sldNum" sz="quarter" idx="22"/>
+          </p:nvPr>
         </p:nvSpPr>
-        <p:spPr>
-          <a:xfrm>
-            <a:off x="6342273" y="5658678"/>
-            <a:ext cx="5183522" cy="584775"/>
-          </a:xfrm>
-          <a:prstGeom prst="rect">
-            <a:avLst/>
-          </a:prstGeom>
-          <a:noFill/>
-        </p:spPr>
+        <p:spPr/>
         <p:txBody>
-          <a:bodyPr wrap="square" rtlCol="0">
-            <a:spAutoFit/>
-          </a:bodyPr>
+          <a:bodyPr/>
           <a:lstStyle/>
           <a:p>
-            <a:pPr algn="ctr"/>
-            <a:r>
-              <a:rPr lang="en-US" sz="1600" i="1" dirty="0">
-                <a:solidFill>
-                  <a:schemeClr val="bg1"/>
-                </a:solidFill>
-              </a:rPr>
-              <a:t>First five rows of the customers and their metrics, presented in a Pandas </a:t>
-            </a:r>
-            <a:r>
-              <a:rPr lang="en-US" sz="1600" i="1" dirty="0" err="1">
-                <a:solidFill>
-                  <a:schemeClr val="bg1"/>
-                </a:solidFill>
-              </a:rPr>
-              <a:t>DataFrame</a:t>
-            </a:r>
-            <a:endParaRPr lang="en-US" sz="1600" i="1" dirty="0">
-              <a:solidFill>
-                <a:schemeClr val="bg1"/>
-              </a:solidFill>
+            <a:fld id="{294A09A9-5501-47C1-A89A-A340965A2BE2}" type="slidenum">
+              <a:rPr lang="en-US" smtClean="0"/>
+              <a:pPr/>
+              <a:t>7</a:t>
+            </a:fld>
+            <a:endParaRPr lang="en-US" dirty="0">
+              <a:latin typeface="+mn-lt"/>
             </a:endParaRPr>
           </a:p>
         </p:txBody>
@@ -13192,7 +14445,7 @@
     </p:spTree>
     <p:extLst>
       <p:ext uri="{BB962C8B-B14F-4D97-AF65-F5344CB8AC3E}">
-        <p14:creationId xmlns:p14="http://schemas.microsoft.com/office/powerpoint/2010/main" val="3011175589"/>
+        <p14:creationId xmlns:p14="http://schemas.microsoft.com/office/powerpoint/2010/main" val="560944101"/>
       </p:ext>
     </p:extLst>
   </p:cSld>
@@ -13224,7 +14477,7 @@
           <p:cNvPr id="2" name="Title 1">
             <a:extLst>
               <a:ext uri="{FF2B5EF4-FFF2-40B4-BE49-F238E27FC236}">
-                <a16:creationId xmlns:a16="http://schemas.microsoft.com/office/drawing/2014/main" id="{70F9FBB5-1E20-414C-91FC-2B6567AD6FA5}"/>
+                <a16:creationId xmlns:a16="http://schemas.microsoft.com/office/drawing/2014/main" id="{3EA7B72F-29E4-E4B3-C001-C75269CC05E8}"/>
               </a:ext>
             </a:extLst>
           </p:cNvPr>
@@ -13242,7 +14495,7 @@
           <a:p>
             <a:r>
               <a:rPr lang="en-US" dirty="0"/>
-              <a:t>Machine Learning Models</a:t>
+              <a:t>Data Preprocessing Cont’d</a:t>
             </a:r>
           </a:p>
         </p:txBody>
@@ -13252,7 +14505,7 @@
           <p:cNvPr id="3" name="Content Placeholder 2">
             <a:extLst>
               <a:ext uri="{FF2B5EF4-FFF2-40B4-BE49-F238E27FC236}">
-                <a16:creationId xmlns:a16="http://schemas.microsoft.com/office/drawing/2014/main" id="{D0BDB243-614D-B0CB-B4DE-6BEC82E0C777}"/>
+                <a16:creationId xmlns:a16="http://schemas.microsoft.com/office/drawing/2014/main" id="{5B547023-0F1D-4B92-814D-C2932A9DE77A}"/>
               </a:ext>
             </a:extLst>
           </p:cNvPr>
@@ -13263,92 +14516,225 @@
             <p:ph sz="quarter" idx="13"/>
           </p:nvPr>
         </p:nvSpPr>
+        <p:spPr/>
+        <p:txBody>
+          <a:bodyPr>
+            <a:normAutofit fontScale="92500" lnSpcReduction="10000"/>
+          </a:bodyPr>
+          <a:lstStyle/>
+          <a:p>
+            <a:pPr marL="342900" indent="-342900">
+              <a:buFont typeface="Arial" panose="020B0604020202020204" pitchFamily="34" charset="0"/>
+              <a:buChar char="•"/>
+            </a:pPr>
+            <a:r>
+              <a:rPr lang="en-US" dirty="0"/>
+              <a:t>Calculating various metrics for each unique </a:t>
+            </a:r>
+            <a:r>
+              <a:rPr lang="en-US" dirty="0" err="1"/>
+              <a:t>CustomerID</a:t>
+            </a:r>
+            <a:r>
+              <a:rPr lang="en-US" dirty="0"/>
+              <a:t>:</a:t>
+            </a:r>
+          </a:p>
+          <a:p>
+            <a:pPr marL="626364" lvl="1" indent="-342900"/>
+            <a:r>
+              <a:rPr lang="en-US" dirty="0"/>
+              <a:t>Recency: time since last purchase</a:t>
+            </a:r>
+          </a:p>
+          <a:p>
+            <a:pPr marL="626364" lvl="1" indent="-342900"/>
+            <a:r>
+              <a:rPr lang="en-US" dirty="0"/>
+              <a:t>Frequency: number of unique invoices</a:t>
+            </a:r>
+          </a:p>
+          <a:p>
+            <a:pPr marL="626364" lvl="1" indent="-342900"/>
+            <a:r>
+              <a:rPr lang="en-US" dirty="0"/>
+              <a:t>Monetary Value: how much each customer spends</a:t>
+            </a:r>
+          </a:p>
+          <a:p>
+            <a:pPr marL="342900" indent="-342900">
+              <a:buFont typeface="Arial" panose="020B0604020202020204" pitchFamily="34" charset="0"/>
+              <a:buChar char="•"/>
+            </a:pPr>
+            <a:r>
+              <a:rPr lang="en-US" dirty="0"/>
+              <a:t>Scale data using </a:t>
+            </a:r>
+            <a:r>
+              <a:rPr lang="en-US" dirty="0" err="1"/>
+              <a:t>MinMaxScaler</a:t>
+            </a:r>
+            <a:endParaRPr lang="en-US" dirty="0"/>
+          </a:p>
+          <a:p>
+            <a:pPr marL="342900" indent="-342900">
+              <a:buFont typeface="Arial" panose="020B0604020202020204" pitchFamily="34" charset="0"/>
+              <a:buChar char="•"/>
+            </a:pPr>
+            <a:r>
+              <a:rPr lang="en-US" dirty="0"/>
+              <a:t>Create vector of scaled and unscaled RFM features using </a:t>
+            </a:r>
+            <a:r>
+              <a:rPr lang="en-US" dirty="0" err="1"/>
+              <a:t>VectorAssembler</a:t>
+            </a:r>
+            <a:r>
+              <a:rPr lang="en-US" dirty="0"/>
+              <a:t> for use in clustering and classification</a:t>
+            </a:r>
+          </a:p>
+          <a:p>
+            <a:pPr marL="342900" indent="-342900">
+              <a:buFont typeface="Arial" panose="020B0604020202020204" pitchFamily="34" charset="0"/>
+              <a:buChar char="•"/>
+            </a:pPr>
+            <a:r>
+              <a:rPr lang="en-US" dirty="0"/>
+              <a:t>Split data into train and test sets (70/30)</a:t>
+            </a:r>
+          </a:p>
+        </p:txBody>
+      </p:sp>
+      <p:pic>
+        <p:nvPicPr>
+          <p:cNvPr id="6" name="Picture 5">
+            <a:extLst>
+              <a:ext uri="{FF2B5EF4-FFF2-40B4-BE49-F238E27FC236}">
+                <a16:creationId xmlns:a16="http://schemas.microsoft.com/office/drawing/2014/main" id="{CD4E861E-7D38-0505-78BD-CC40FC5D3669}"/>
+              </a:ext>
+            </a:extLst>
+          </p:cNvPr>
+          <p:cNvPicPr>
+            <a:picLocks noChangeAspect="1"/>
+          </p:cNvPicPr>
+          <p:nvPr/>
+        </p:nvPicPr>
+        <p:blipFill>
+          <a:blip r:embed="rId2">
+            <a:extLst>
+              <a:ext uri="{28A0092B-C50C-407E-A947-70E740481C1C}">
+                <a14:useLocalDpi xmlns:a14="http://schemas.microsoft.com/office/drawing/2010/main" val="0"/>
+              </a:ext>
+            </a:extLst>
+          </a:blip>
+          <a:srcRect/>
+          <a:stretch/>
+        </p:blipFill>
         <p:spPr>
           <a:xfrm>
-            <a:off x="3657600" y="2282007"/>
-            <a:ext cx="7810500" cy="4473117"/>
+            <a:off x="6356903" y="2986682"/>
+            <a:ext cx="5154262" cy="2389477"/>
           </a:xfrm>
+          <a:prstGeom prst="rect">
+            <a:avLst/>
+          </a:prstGeom>
+          <a:ln w="19050">
+            <a:solidFill>
+              <a:schemeClr val="bg1"/>
+            </a:solidFill>
+          </a:ln>
+        </p:spPr>
+      </p:pic>
+      <p:sp>
+        <p:nvSpPr>
+          <p:cNvPr id="8" name="TextBox 7">
+            <a:extLst>
+              <a:ext uri="{FF2B5EF4-FFF2-40B4-BE49-F238E27FC236}">
+                <a16:creationId xmlns:a16="http://schemas.microsoft.com/office/drawing/2014/main" id="{3F23A755-F92C-8BDF-C2D9-C076E5AE260D}"/>
+              </a:ext>
+            </a:extLst>
+          </p:cNvPr>
+          <p:cNvSpPr txBox="1"/>
+          <p:nvPr/>
+        </p:nvSpPr>
+        <p:spPr>
+          <a:xfrm>
+            <a:off x="6342273" y="5658678"/>
+            <a:ext cx="5183522" cy="584775"/>
+          </a:xfrm>
+          <a:prstGeom prst="rect">
+            <a:avLst/>
+          </a:prstGeom>
+          <a:noFill/>
         </p:spPr>
         <p:txBody>
-          <a:bodyPr>
-            <a:normAutofit fontScale="92500" lnSpcReduction="20000"/>
+          <a:bodyPr wrap="square" rtlCol="0">
+            <a:spAutoFit/>
           </a:bodyPr>
           <a:lstStyle/>
           <a:p>
-            <a:r>
-              <a:rPr lang="en-US" dirty="0"/>
-              <a:t>Goal is to group customers by valuableness, and accurately predict their value in classification</a:t>
-            </a:r>
-          </a:p>
-          <a:p>
-            <a:r>
-              <a:rPr lang="en-US" dirty="0"/>
-              <a:t>Trained and tested 4 total </a:t>
-            </a:r>
-            <a:r>
-              <a:rPr lang="en-US" dirty="0" err="1"/>
-              <a:t>PySpark</a:t>
-            </a:r>
-            <a:r>
-              <a:rPr lang="en-US" dirty="0"/>
-              <a:t> ML models: 2 for clustering and 2 for classification</a:t>
-            </a:r>
-          </a:p>
-          <a:p>
-            <a:r>
-              <a:rPr lang="en-US" dirty="0"/>
-              <a:t>Clustering models:</a:t>
-            </a:r>
-          </a:p>
-          <a:p>
-            <a:pPr lvl="1"/>
-            <a:r>
-              <a:rPr lang="en-US" sz="1500" dirty="0"/>
-              <a:t>K-Means</a:t>
-            </a:r>
-          </a:p>
-          <a:p>
-            <a:pPr lvl="1"/>
-            <a:r>
-              <a:rPr lang="en-US" sz="1500" dirty="0"/>
-              <a:t>Bisecting K-Means</a:t>
-            </a:r>
-          </a:p>
-          <a:p>
-            <a:r>
-              <a:rPr lang="en-US" dirty="0"/>
-              <a:t>Classification models:</a:t>
-            </a:r>
-          </a:p>
-          <a:p>
-            <a:pPr lvl="1"/>
-            <a:r>
-              <a:rPr lang="en-US" sz="1700" dirty="0"/>
-              <a:t>Logistic Regression</a:t>
-            </a:r>
-          </a:p>
-          <a:p>
-            <a:pPr lvl="1"/>
-            <a:r>
-              <a:rPr lang="en-US" sz="1700" dirty="0"/>
-              <a:t>Random Forest Classifier</a:t>
-            </a:r>
-          </a:p>
-          <a:p>
-            <a:r>
-              <a:rPr lang="en-US" dirty="0"/>
-              <a:t>Split the data into train and test data sets (70/30), once for clustering, and again for classification</a:t>
-            </a:r>
-          </a:p>
-          <a:p>
-            <a:endParaRPr lang="en-US" dirty="0"/>
+            <a:pPr algn="ctr"/>
+            <a:r>
+              <a:rPr lang="en-US" sz="1600" i="1" dirty="0">
+                <a:solidFill>
+                  <a:schemeClr val="bg1"/>
+                </a:solidFill>
+              </a:rPr>
+              <a:t>First five rows of the customers and their metrics, presented in a Pandas </a:t>
+            </a:r>
+            <a:r>
+              <a:rPr lang="en-US" sz="1600" i="1" dirty="0" err="1">
+                <a:solidFill>
+                  <a:schemeClr val="bg1"/>
+                </a:solidFill>
+              </a:rPr>
+              <a:t>DataFrame</a:t>
+            </a:r>
+            <a:endParaRPr lang="en-US" sz="1600" i="1" dirty="0">
+              <a:solidFill>
+                <a:schemeClr val="bg1"/>
+              </a:solidFill>
+            </a:endParaRPr>
+          </a:p>
+        </p:txBody>
+      </p:sp>
+      <p:sp>
+        <p:nvSpPr>
+          <p:cNvPr id="4" name="Slide Number Placeholder 3">
+            <a:extLst>
+              <a:ext uri="{FF2B5EF4-FFF2-40B4-BE49-F238E27FC236}">
+                <a16:creationId xmlns:a16="http://schemas.microsoft.com/office/drawing/2014/main" id="{3C9B8618-A9A8-DA6B-DC48-CF4298527211}"/>
+              </a:ext>
+            </a:extLst>
+          </p:cNvPr>
+          <p:cNvSpPr>
+            <a:spLocks noGrp="1"/>
+          </p:cNvSpPr>
+          <p:nvPr>
+            <p:ph type="sldNum" sz="quarter" idx="12"/>
+          </p:nvPr>
+        </p:nvSpPr>
+        <p:spPr/>
+        <p:txBody>
+          <a:bodyPr/>
+          <a:lstStyle/>
+          <a:p>
+            <a:fld id="{294A09A9-5501-47C1-A89A-A340965A2BE2}" type="slidenum">
+              <a:rPr lang="en-US" smtClean="0"/>
+              <a:pPr/>
+              <a:t>8</a:t>
+            </a:fld>
+            <a:endParaRPr lang="en-US" dirty="0">
+              <a:latin typeface="+mn-lt"/>
+            </a:endParaRPr>
           </a:p>
         </p:txBody>
       </p:sp>
     </p:spTree>
     <p:extLst>
       <p:ext uri="{BB962C8B-B14F-4D97-AF65-F5344CB8AC3E}">
-        <p14:creationId xmlns:p14="http://schemas.microsoft.com/office/powerpoint/2010/main" val="2789238322"/>
+        <p14:creationId xmlns:p14="http://schemas.microsoft.com/office/powerpoint/2010/main" val="3011175589"/>
       </p:ext>
     </p:extLst>
   </p:cSld>
@@ -13380,7 +14766,7 @@
           <p:cNvPr id="2" name="Title 1">
             <a:extLst>
               <a:ext uri="{FF2B5EF4-FFF2-40B4-BE49-F238E27FC236}">
-                <a16:creationId xmlns:a16="http://schemas.microsoft.com/office/drawing/2014/main" id="{D2D9FE66-78F0-514A-9130-7AD2CEB86FE7}"/>
+                <a16:creationId xmlns:a16="http://schemas.microsoft.com/office/drawing/2014/main" id="{70F9FBB5-1E20-414C-91FC-2B6567AD6FA5}"/>
               </a:ext>
             </a:extLst>
           </p:cNvPr>
@@ -13398,7 +14784,7 @@
           <a:p>
             <a:r>
               <a:rPr lang="en-US" dirty="0"/>
-              <a:t>Model Building – K-Means Clustering</a:t>
+              <a:t>Machine Learning Models</a:t>
             </a:r>
           </a:p>
         </p:txBody>
@@ -13408,7 +14794,7 @@
           <p:cNvPr id="3" name="Content Placeholder 2">
             <a:extLst>
               <a:ext uri="{FF2B5EF4-FFF2-40B4-BE49-F238E27FC236}">
-                <a16:creationId xmlns:a16="http://schemas.microsoft.com/office/drawing/2014/main" id="{0C17CC54-4C65-99B7-4E5A-F7D22CEFF51B}"/>
+                <a16:creationId xmlns:a16="http://schemas.microsoft.com/office/drawing/2014/main" id="{D0BDB243-614D-B0CB-B4DE-6BEC82E0C777}"/>
               </a:ext>
             </a:extLst>
           </p:cNvPr>
@@ -13419,158 +14805,124 @@
             <p:ph sz="quarter" idx="13"/>
           </p:nvPr>
         </p:nvSpPr>
+        <p:spPr>
+          <a:xfrm>
+            <a:off x="3657600" y="2282007"/>
+            <a:ext cx="7810500" cy="4473117"/>
+          </a:xfrm>
+        </p:spPr>
+        <p:txBody>
+          <a:bodyPr>
+            <a:normAutofit fontScale="92500" lnSpcReduction="20000"/>
+          </a:bodyPr>
+          <a:lstStyle/>
+          <a:p>
+            <a:r>
+              <a:rPr lang="en-US" dirty="0"/>
+              <a:t>Goal is to group customers by valuableness, and accurately predict their value in classification</a:t>
+            </a:r>
+          </a:p>
+          <a:p>
+            <a:r>
+              <a:rPr lang="en-US" dirty="0"/>
+              <a:t>Trained and tested 4 total </a:t>
+            </a:r>
+            <a:r>
+              <a:rPr lang="en-US" dirty="0" err="1"/>
+              <a:t>PySpark</a:t>
+            </a:r>
+            <a:r>
+              <a:rPr lang="en-US" dirty="0"/>
+              <a:t> ML models: 2 for clustering and 2 for classification</a:t>
+            </a:r>
+          </a:p>
+          <a:p>
+            <a:r>
+              <a:rPr lang="en-US" dirty="0"/>
+              <a:t>Clustering models:</a:t>
+            </a:r>
+          </a:p>
+          <a:p>
+            <a:pPr lvl="1"/>
+            <a:r>
+              <a:rPr lang="en-US" sz="1500" dirty="0"/>
+              <a:t>K-Means</a:t>
+            </a:r>
+          </a:p>
+          <a:p>
+            <a:pPr lvl="1"/>
+            <a:r>
+              <a:rPr lang="en-US" sz="1500" dirty="0"/>
+              <a:t>Bisecting K-Means</a:t>
+            </a:r>
+          </a:p>
+          <a:p>
+            <a:r>
+              <a:rPr lang="en-US" dirty="0"/>
+              <a:t>Classification models:</a:t>
+            </a:r>
+          </a:p>
+          <a:p>
+            <a:pPr lvl="1"/>
+            <a:r>
+              <a:rPr lang="en-US" sz="1700" dirty="0"/>
+              <a:t>Logistic Regression</a:t>
+            </a:r>
+          </a:p>
+          <a:p>
+            <a:pPr lvl="1"/>
+            <a:r>
+              <a:rPr lang="en-US" sz="1700" dirty="0"/>
+              <a:t>Random Forest Classifier</a:t>
+            </a:r>
+          </a:p>
+          <a:p>
+            <a:r>
+              <a:rPr lang="en-US" dirty="0"/>
+              <a:t>Split the data into train and test data sets (70/30), once for clustering, and again for classification</a:t>
+            </a:r>
+          </a:p>
+          <a:p>
+            <a:endParaRPr lang="en-US" dirty="0"/>
+          </a:p>
+        </p:txBody>
+      </p:sp>
+      <p:sp>
+        <p:nvSpPr>
+          <p:cNvPr id="4" name="Slide Number Placeholder 3">
+            <a:extLst>
+              <a:ext uri="{FF2B5EF4-FFF2-40B4-BE49-F238E27FC236}">
+                <a16:creationId xmlns:a16="http://schemas.microsoft.com/office/drawing/2014/main" id="{A9FF0992-7E94-C9E6-E6C3-F5514751D192}"/>
+              </a:ext>
+            </a:extLst>
+          </p:cNvPr>
+          <p:cNvSpPr>
+            <a:spLocks noGrp="1"/>
+          </p:cNvSpPr>
+          <p:nvPr>
+            <p:ph type="sldNum" sz="quarter" idx="22"/>
+          </p:nvPr>
+        </p:nvSpPr>
         <p:spPr/>
         <p:txBody>
-          <a:bodyPr>
-            <a:normAutofit/>
-          </a:bodyPr>
+          <a:bodyPr/>
           <a:lstStyle/>
           <a:p>
-            <a:pPr marL="342900" indent="-342900">
-              <a:buFont typeface="Arial" panose="020B0604020202020204" pitchFamily="34" charset="0"/>
-              <a:buChar char="•"/>
-            </a:pPr>
-            <a:r>
-              <a:rPr lang="en-US" dirty="0"/>
-              <a:t>Build baseline cluster model, K-Means model, using 2 clusters (valuable and non valuable customers)</a:t>
-            </a:r>
-          </a:p>
-          <a:p>
-            <a:pPr marL="1028700" lvl="1" indent="-342900"/>
-            <a:r>
-              <a:rPr lang="en-US" dirty="0"/>
-              <a:t>Train data: 2982 customers (70%)</a:t>
-            </a:r>
-          </a:p>
-          <a:p>
-            <a:pPr marL="1028700" lvl="1" indent="-342900"/>
-            <a:r>
-              <a:rPr lang="en-US" dirty="0"/>
-              <a:t>Test data: 1294 customers (30%)</a:t>
-            </a:r>
-          </a:p>
-          <a:p>
-            <a:pPr marL="342900" indent="-342900">
-              <a:buFont typeface="Arial" panose="020B0604020202020204" pitchFamily="34" charset="0"/>
-              <a:buChar char="•"/>
-            </a:pPr>
-            <a:endParaRPr lang="en-US" dirty="0"/>
-          </a:p>
-          <a:p>
-            <a:pPr marL="342900" indent="-342900">
-              <a:buFont typeface="Arial" panose="020B0604020202020204" pitchFamily="34" charset="0"/>
-              <a:buChar char="•"/>
-            </a:pPr>
-            <a:r>
-              <a:rPr lang="en-US" dirty="0"/>
-              <a:t>Evaluation: </a:t>
-            </a:r>
-          </a:p>
-          <a:p>
-            <a:pPr lvl="1"/>
-            <a:r>
-              <a:rPr lang="en-US" dirty="0"/>
-              <a:t>Silhouette of 0.858</a:t>
-            </a:r>
-          </a:p>
-          <a:p>
-            <a:pPr lvl="1"/>
-            <a:r>
-              <a:rPr lang="en-US" dirty="0"/>
-              <a:t>Model run time: 55.29 seconds</a:t>
-            </a:r>
-          </a:p>
-          <a:p>
-            <a:pPr marL="342900" indent="-342900">
-              <a:buFont typeface="Arial" panose="020B0604020202020204" pitchFamily="34" charset="0"/>
-              <a:buChar char="•"/>
-            </a:pPr>
-            <a:endParaRPr lang="en-US" dirty="0"/>
-          </a:p>
-        </p:txBody>
-      </p:sp>
-      <p:pic>
-        <p:nvPicPr>
-          <p:cNvPr id="5" name="Picture 4">
-            <a:extLst>
-              <a:ext uri="{FF2B5EF4-FFF2-40B4-BE49-F238E27FC236}">
-                <a16:creationId xmlns:a16="http://schemas.microsoft.com/office/drawing/2014/main" id="{69E18351-52FD-9D5C-460E-253C6B98EC17}"/>
-              </a:ext>
-            </a:extLst>
-          </p:cNvPr>
-          <p:cNvPicPr>
-            <a:picLocks noChangeAspect="1"/>
-          </p:cNvPicPr>
-          <p:nvPr/>
-        </p:nvPicPr>
-        <p:blipFill>
-          <a:blip r:embed="rId2"/>
-          <a:stretch>
-            <a:fillRect/>
-          </a:stretch>
-        </p:blipFill>
-        <p:spPr>
-          <a:xfrm>
-            <a:off x="6724225" y="3216083"/>
-            <a:ext cx="4466501" cy="1869193"/>
-          </a:xfrm>
-          <a:prstGeom prst="rect">
-            <a:avLst/>
-          </a:prstGeom>
-        </p:spPr>
-      </p:pic>
-      <p:sp>
-        <p:nvSpPr>
-          <p:cNvPr id="7" name="TextBox 6">
-            <a:extLst>
-              <a:ext uri="{FF2B5EF4-FFF2-40B4-BE49-F238E27FC236}">
-                <a16:creationId xmlns:a16="http://schemas.microsoft.com/office/drawing/2014/main" id="{174243A3-06FC-F179-1889-341F63AF8B31}"/>
-              </a:ext>
-            </a:extLst>
-          </p:cNvPr>
-          <p:cNvSpPr txBox="1"/>
-          <p:nvPr/>
-        </p:nvSpPr>
-        <p:spPr>
-          <a:xfrm>
-            <a:off x="6724224" y="5171349"/>
-            <a:ext cx="4466501" cy="338554"/>
-          </a:xfrm>
-          <a:prstGeom prst="rect">
-            <a:avLst/>
-          </a:prstGeom>
-          <a:noFill/>
-        </p:spPr>
-        <p:txBody>
-          <a:bodyPr wrap="square" rtlCol="0">
-            <a:spAutoFit/>
-          </a:bodyPr>
-          <a:lstStyle/>
-          <a:p>
-            <a:pPr algn="ctr"/>
-            <a:r>
-              <a:rPr lang="en-US" sz="1600" i="1" dirty="0" err="1">
-                <a:solidFill>
-                  <a:schemeClr val="bg1"/>
-                </a:solidFill>
-              </a:rPr>
-              <a:t>PySpark</a:t>
-            </a:r>
-            <a:r>
-              <a:rPr lang="en-US" sz="1600" i="1" dirty="0">
-                <a:solidFill>
-                  <a:schemeClr val="bg1"/>
-                </a:solidFill>
-              </a:rPr>
-              <a:t> code for K-Means model</a:t>
-            </a:r>
+            <a:fld id="{294A09A9-5501-47C1-A89A-A340965A2BE2}" type="slidenum">
+              <a:rPr lang="en-US" smtClean="0"/>
+              <a:pPr/>
+              <a:t>9</a:t>
+            </a:fld>
+            <a:endParaRPr lang="en-US" dirty="0">
+              <a:latin typeface="+mn-lt"/>
+            </a:endParaRPr>
           </a:p>
         </p:txBody>
       </p:sp>
     </p:spTree>
     <p:extLst>
       <p:ext uri="{BB962C8B-B14F-4D97-AF65-F5344CB8AC3E}">
-        <p14:creationId xmlns:p14="http://schemas.microsoft.com/office/powerpoint/2010/main" val="2883825038"/>
+        <p14:creationId xmlns:p14="http://schemas.microsoft.com/office/powerpoint/2010/main" val="2789238322"/>
       </p:ext>
     </p:extLst>
   </p:cSld>
@@ -14372,21 +15724,21 @@
 </file>
 
 <file path=customXml/item1.xml><?xml version="1.0" encoding="utf-8"?>
+<?mso-contentType ?>
+<FormTemplates xmlns="http://schemas.microsoft.com/sharepoint/v3/contenttype/forms">
+  <Display>DocumentLibraryForm</Display>
+  <Edit>DocumentLibraryForm</Edit>
+  <New>DocumentLibraryForm</New>
+</FormTemplates>
+</file>
+
+<file path=customXml/item2.xml><?xml version="1.0" encoding="utf-8"?>
 <p:properties xmlns:p="http://schemas.microsoft.com/office/2006/metadata/properties" xmlns:xsi="http://www.w3.org/2001/XMLSchema-instance" xmlns:pc="http://schemas.microsoft.com/office/infopath/2007/PartnerControls">
   <documentManagement>
     <MediaServiceKeyPoints xmlns="36bfe3e4-a9a1-4744-89c9-0dc4222cc98d" xsi:nil="true"/>
     <_activity xmlns="36bfe3e4-a9a1-4744-89c9-0dc4222cc98d" xsi:nil="true"/>
   </documentManagement>
 </p:properties>
-</file>
-
-<file path=customXml/item2.xml><?xml version="1.0" encoding="utf-8"?>
-<?mso-contentType ?>
-<FormTemplates xmlns="http://schemas.microsoft.com/sharepoint/v3/contenttype/forms">
-  <Display>DocumentLibraryForm</Display>
-  <Edit>DocumentLibraryForm</Edit>
-  <New>DocumentLibraryForm</New>
-</FormTemplates>
 </file>
 
 <file path=customXml/item3.xml><?xml version="1.0" encoding="utf-8"?>
@@ -14619,6 +15971,14 @@
 </file>
 
 <file path=customXml/itemProps1.xml><?xml version="1.0" encoding="utf-8"?>
+<ds:datastoreItem xmlns:ds="http://schemas.openxmlformats.org/officeDocument/2006/customXml" ds:itemID="{C21FFAC0-05A2-416A-B06C-C248395482CF}">
+  <ds:schemaRefs>
+    <ds:schemaRef ds:uri="http://schemas.microsoft.com/sharepoint/v3/contenttype/forms"/>
+  </ds:schemaRefs>
+</ds:datastoreItem>
+</file>
+
+<file path=customXml/itemProps2.xml><?xml version="1.0" encoding="utf-8"?>
 <ds:datastoreItem xmlns:ds="http://schemas.openxmlformats.org/officeDocument/2006/customXml" ds:itemID="{4F4B194E-8B30-4377-8C59-ECFB902D2A26}">
   <ds:schemaRefs>
     <ds:schemaRef ds:uri="36bfe3e4-a9a1-4744-89c9-0dc4222cc98d"/>
@@ -14631,14 +15991,6 @@
     <ds:schemaRef ds:uri="http://purl.org/dc/dcmitype/"/>
     <ds:schemaRef ds:uri="http://schemas.microsoft.com/office/infopath/2007/PartnerControls"/>
     <ds:schemaRef ds:uri="http://www.w3.org/XML/1998/namespace"/>
-  </ds:schemaRefs>
-</ds:datastoreItem>
-</file>
-
-<file path=customXml/itemProps2.xml><?xml version="1.0" encoding="utf-8"?>
-<ds:datastoreItem xmlns:ds="http://schemas.openxmlformats.org/officeDocument/2006/customXml" ds:itemID="{C21FFAC0-05A2-416A-B06C-C248395482CF}">
-  <ds:schemaRefs>
-    <ds:schemaRef ds:uri="http://schemas.microsoft.com/sharepoint/v3/contenttype/forms"/>
   </ds:schemaRefs>
 </ds:datastoreItem>
 </file>

--- a/Determing Customer Valuableness CIS731 Final Project.pptx
+++ b/Determing Customer Valuableness CIS731 Final Project.pptx
@@ -11836,7 +11836,7 @@
         <p:spPr>
           <a:xfrm>
             <a:off x="5483542" y="5073666"/>
-            <a:ext cx="6097904" cy="1200329"/>
+            <a:ext cx="6097904" cy="1631216"/>
           </a:xfrm>
           <a:prstGeom prst="rect">
             <a:avLst/>
@@ -11854,7 +11854,7 @@
               <a:buChar char="•"/>
             </a:pPr>
             <a:r>
-              <a:rPr lang="en-US" dirty="0">
+              <a:rPr lang="en-US" sz="2000" dirty="0">
                 <a:solidFill>
                   <a:schemeClr val="bg1"/>
                 </a:solidFill>
@@ -11868,7 +11868,7 @@
               <a:buChar char="•"/>
             </a:pPr>
             <a:r>
-              <a:rPr lang="en-US" dirty="0">
+              <a:rPr lang="en-US" sz="2000" dirty="0">
                 <a:solidFill>
                   <a:schemeClr val="bg1"/>
                 </a:solidFill>
@@ -13350,7 +13350,7 @@
                 <a:ea typeface="Aptos" panose="020B0004020202020204" pitchFamily="34" charset="0"/>
                 <a:cs typeface="Times New Roman" panose="02020603050405020304" pitchFamily="18" charset="0"/>
               </a:rPr>
-              <a:t>Project is inspired by the “Analyzing Customer Lifetime Value” Databricks Solution Accelerator</a:t>
+              <a:t>Project is inspired by the “Analyze Customer Lifetime Value” Databricks Solution Accelerator</a:t>
             </a:r>
           </a:p>
           <a:p>
@@ -13368,7 +13368,7 @@
                 <a:ea typeface="Aptos" panose="020B0004020202020204" pitchFamily="34" charset="0"/>
                 <a:cs typeface="Times New Roman" panose="02020603050405020304" pitchFamily="18" charset="0"/>
               </a:rPr>
-              <a:t>Analyzing Customer Lifetime Value</a:t>
+              <a:t>Analyze Customer Lifetime Value</a:t>
             </a:r>
             <a:r>
               <a:rPr lang="en-US" sz="1800" kern="100" dirty="0">
@@ -13889,7 +13889,7 @@
             <p:ph sz="quarter" idx="15"/>
             <p:extLst>
               <p:ext uri="{D42A27DB-BD31-4B8C-83A1-F6EECF244321}">
-                <p14:modId xmlns:p14="http://schemas.microsoft.com/office/powerpoint/2010/main" val="2758397389"/>
+                <p14:modId xmlns:p14="http://schemas.microsoft.com/office/powerpoint/2010/main" val="2886399917"/>
               </p:ext>
             </p:extLst>
           </p:nvPr>
@@ -13951,7 +13951,7 @@
                             <a:schemeClr val="bg1"/>
                           </a:solidFill>
                         </a:rPr>
-                        <a:t>Methodology</a:t>
+                        <a:t>Project Methodology</a:t>
                       </a:r>
                     </a:p>
                   </a:txBody>

--- a/Determing Customer Valuableness CIS731 Final Project.pptx
+++ b/Determing Customer Valuableness CIS731 Final Project.pptx
@@ -208,7 +208,7 @@
           <a:p>
             <a:fld id="{1EBEDD12-BCD5-485B-BCBC-34BB01D7923C}" type="datetimeFigureOut">
               <a:rPr lang="en-US" smtClean="0"/>
-              <a:t>12/14/2024</a:t>
+              <a:t>12/16/2024</a:t>
             </a:fld>
             <a:endParaRPr lang="en-US" dirty="0"/>
           </a:p>
@@ -422,7 +422,7 @@
           <a:p>
             <a:fld id="{6EE7A52F-9D89-7442-A8E9-48D1527B5F6B}" type="datetimeFigureOut">
               <a:rPr lang="en-US" smtClean="0"/>
-              <a:t>12/14/2024</a:t>
+              <a:t>12/16/2024</a:t>
             </a:fld>
             <a:endParaRPr lang="en-US" dirty="0"/>
           </a:p>
@@ -9538,9 +9538,22 @@
           <a:lstStyle/>
           <a:p>
             <a:r>
-              <a:rPr lang="en-US" dirty="0"/>
-              <a:t>Determining Customer Valuableness</a:t>
-            </a:r>
+              <a:rPr lang="en-US" sz="5400" dirty="0"/>
+              <a:t>Estimating Expected Customer Value using </a:t>
+            </a:r>
+            <a:r>
+              <a:rPr lang="en-US" sz="5400" dirty="0" err="1"/>
+              <a:t>sklearn</a:t>
+            </a:r>
+            <a:r>
+              <a:rPr lang="en-US" sz="5400" dirty="0"/>
+              <a:t> and </a:t>
+            </a:r>
+            <a:r>
+              <a:rPr lang="en-US" sz="5400" dirty="0" err="1"/>
+              <a:t>PySpark</a:t>
+            </a:r>
+            <a:endParaRPr lang="en-US" sz="5400" dirty="0"/>
           </a:p>
         </p:txBody>
       </p:sp>
@@ -9680,7 +9693,7 @@
             </a:pPr>
             <a:r>
               <a:rPr lang="en-US" dirty="0"/>
-              <a:t>Build baseline cluster model, K-Means model, using 2 clusters (valuable and non valuable customers)</a:t>
+              <a:t>Build baseline cluster model, K-Means model, using 2 clusters (valuable and non valuable customers) and default parameters</a:t>
             </a:r>
           </a:p>
           <a:p>
@@ -9934,7 +9947,7 @@
             </a:pPr>
             <a:r>
               <a:rPr lang="en-US" dirty="0"/>
-              <a:t>Build alternative clustering model, Bisecting K-Means model, using 2 clusters (valuable and non valuable customers)</a:t>
+              <a:t>Build alternative clustering model, Bisecting K-Means model, using 2 clusters (valuable and non valuable customers) and default parameters</a:t>
             </a:r>
           </a:p>
           <a:p>
@@ -10168,7 +10181,12 @@
             <p:ph sz="quarter" idx="15"/>
           </p:nvPr>
         </p:nvSpPr>
-        <p:spPr/>
+        <p:spPr>
+          <a:xfrm>
+            <a:off x="594360" y="2676525"/>
+            <a:ext cx="4753144" cy="3597470"/>
+          </a:xfrm>
+        </p:spPr>
         <p:txBody>
           <a:bodyPr/>
           <a:lstStyle/>
@@ -10179,7 +10197,7 @@
             </a:pPr>
             <a:r>
               <a:rPr lang="en-US" dirty="0"/>
-              <a:t>Build baseline classification model, Logistic Regression model, using labels determined by the K-Means clustering model on the test dataset</a:t>
+              <a:t>Build baseline classification model, Logistic Regression model, using labels determined by the K-Means clustering model on the test dataset and default parameters</a:t>
             </a:r>
           </a:p>
           <a:p>
@@ -10213,14 +10231,14 @@
           <p:nvPr>
             <p:extLst>
               <p:ext uri="{D42A27DB-BD31-4B8C-83A1-F6EECF244321}">
-                <p14:modId xmlns:p14="http://schemas.microsoft.com/office/powerpoint/2010/main" val="3231865748"/>
+                <p14:modId xmlns:p14="http://schemas.microsoft.com/office/powerpoint/2010/main" val="3870664151"/>
               </p:ext>
             </p:extLst>
           </p:nvPr>
         </p:nvGraphicFramePr>
         <p:xfrm>
-          <a:off x="2244723" y="5271321"/>
-          <a:ext cx="8128002" cy="1188204"/>
+          <a:off x="960699" y="5259747"/>
+          <a:ext cx="10903158" cy="1457444"/>
         </p:xfrm>
         <a:graphic>
           <a:graphicData uri="http://schemas.openxmlformats.org/drawingml/2006/table">
@@ -10229,51 +10247,58 @@
                 <a:tableStyleId>{16D9F66E-5EB9-4882-86FB-DCBF35E3C3E4}</a:tableStyleId>
               </a:tblPr>
               <a:tblGrid>
-                <a:gridCol w="1354667">
+                <a:gridCol w="1557594">
                   <a:extLst>
                     <a:ext uri="{9D8B030D-6E8A-4147-A177-3AD203B41FA5}">
                       <a16:colId xmlns:a16="http://schemas.microsoft.com/office/drawing/2014/main" val="4257864609"/>
                     </a:ext>
                   </a:extLst>
                 </a:gridCol>
-                <a:gridCol w="1354667">
+                <a:gridCol w="1557594">
                   <a:extLst>
                     <a:ext uri="{9D8B030D-6E8A-4147-A177-3AD203B41FA5}">
                       <a16:colId xmlns:a16="http://schemas.microsoft.com/office/drawing/2014/main" val="3386278900"/>
                     </a:ext>
                   </a:extLst>
                 </a:gridCol>
-                <a:gridCol w="1354667">
+                <a:gridCol w="1557594">
                   <a:extLst>
                     <a:ext uri="{9D8B030D-6E8A-4147-A177-3AD203B41FA5}">
                       <a16:colId xmlns:a16="http://schemas.microsoft.com/office/drawing/2014/main" val="2055361522"/>
                     </a:ext>
                   </a:extLst>
                 </a:gridCol>
-                <a:gridCol w="1354667">
+                <a:gridCol w="1557594">
                   <a:extLst>
                     <a:ext uri="{9D8B030D-6E8A-4147-A177-3AD203B41FA5}">
                       <a16:colId xmlns:a16="http://schemas.microsoft.com/office/drawing/2014/main" val="2123996877"/>
                     </a:ext>
                   </a:extLst>
                 </a:gridCol>
-                <a:gridCol w="1354667">
+                <a:gridCol w="1557594">
                   <a:extLst>
                     <a:ext uri="{9D8B030D-6E8A-4147-A177-3AD203B41FA5}">
                       <a16:colId xmlns:a16="http://schemas.microsoft.com/office/drawing/2014/main" val="2888790863"/>
                     </a:ext>
                   </a:extLst>
                 </a:gridCol>
-                <a:gridCol w="1354667">
+                <a:gridCol w="1557594">
                   <a:extLst>
                     <a:ext uri="{9D8B030D-6E8A-4147-A177-3AD203B41FA5}">
                       <a16:colId xmlns:a16="http://schemas.microsoft.com/office/drawing/2014/main" val="2594486003"/>
                     </a:ext>
                   </a:extLst>
                 </a:gridCol>
+                <a:gridCol w="1557594">
+                  <a:extLst>
+                    <a:ext uri="{9D8B030D-6E8A-4147-A177-3AD203B41FA5}">
+                      <a16:colId xmlns:a16="http://schemas.microsoft.com/office/drawing/2014/main" val="3903275410"/>
+                    </a:ext>
+                  </a:extLst>
+                </a:gridCol>
               </a:tblGrid>
               <a:tr h="446524">
-                <a:tc gridSpan="6">
+                <a:tc gridSpan="7">
                   <a:txBody>
                     <a:bodyPr/>
                     <a:lstStyle/>
@@ -10337,6 +10362,21 @@
                     <a:lstStyle/>
                     <a:p>
                       <a:endParaRPr lang="en-US" dirty="0"/>
+                    </a:p>
+                  </a:txBody>
+                  <a:tcPr/>
+                </a:tc>
+                <a:tc hMerge="1">
+                  <a:txBody>
+                    <a:bodyPr/>
+                    <a:lstStyle/>
+                    <a:p>
+                      <a:pPr algn="ctr"/>
+                      <a:endParaRPr lang="en-US" b="0" dirty="0">
+                        <a:solidFill>
+                          <a:schemeClr val="bg1"/>
+                        </a:solidFill>
+                      </a:endParaRPr>
                     </a:p>
                   </a:txBody>
                   <a:tcPr/>
@@ -10421,6 +10461,19 @@
                       <a:r>
                         <a:rPr lang="en-US" b="0" dirty="0"/>
                         <a:t>Run Time</a:t>
+                      </a:r>
+                    </a:p>
+                  </a:txBody>
+                  <a:tcPr/>
+                </a:tc>
+                <a:tc>
+                  <a:txBody>
+                    <a:bodyPr/>
+                    <a:lstStyle/>
+                    <a:p>
+                      <a:r>
+                        <a:rPr lang="en-US" b="0" dirty="0"/>
+                        <a:t>Correct classifications</a:t>
                       </a:r>
                     </a:p>
                   </a:txBody>
@@ -10511,6 +10564,19 @@
                   </a:txBody>
                   <a:tcPr/>
                 </a:tc>
+                <a:tc>
+                  <a:txBody>
+                    <a:bodyPr/>
+                    <a:lstStyle/>
+                    <a:p>
+                      <a:r>
+                        <a:rPr lang="en-US" b="0" dirty="0"/>
+                        <a:t>368/368</a:t>
+                      </a:r>
+                    </a:p>
+                  </a:txBody>
+                  <a:tcPr/>
+                </a:tc>
                 <a:extLst>
                   <a:ext uri="{0D108BD9-81ED-4DB2-BD59-A6C34878D82A}">
                     <a16:rowId xmlns:a16="http://schemas.microsoft.com/office/drawing/2014/main" val="2664095566"/>
@@ -10548,7 +10614,7 @@
         </p:blipFill>
         <p:spPr>
           <a:xfrm>
-            <a:off x="5483542" y="2488239"/>
+            <a:off x="5599289" y="2488239"/>
             <a:ext cx="5846077" cy="1710005"/>
           </a:xfrm>
           <a:prstGeom prst="rect">
@@ -10570,7 +10636,7 @@
         </p:nvSpPr>
         <p:spPr>
           <a:xfrm>
-            <a:off x="6009601" y="4198244"/>
+            <a:off x="6289076" y="4136706"/>
             <a:ext cx="4466501" cy="338554"/>
           </a:xfrm>
           <a:prstGeom prst="rect">
@@ -10716,38 +10782,158 @@
             <p:ph sz="quarter" idx="15"/>
           </p:nvPr>
         </p:nvSpPr>
+        <p:spPr>
+          <a:xfrm>
+            <a:off x="594360" y="2676525"/>
+            <a:ext cx="4683696" cy="3597470"/>
+          </a:xfrm>
+        </p:spPr>
+        <p:txBody>
+          <a:bodyPr/>
+          <a:lstStyle/>
+          <a:p>
+            <a:r>
+              <a:rPr lang="en-US" dirty="0"/>
+              <a:t>Build alternative classification model, Random Forest Classifier, using labels determined by the K-Means clustering model on the test dataset and default parameters </a:t>
+            </a:r>
+          </a:p>
+          <a:p>
+            <a:pPr lvl="1"/>
+            <a:r>
+              <a:rPr lang="en-US" dirty="0"/>
+              <a:t>Train: 926 customers (691 valuable)</a:t>
+            </a:r>
+          </a:p>
+          <a:p>
+            <a:pPr lvl="1"/>
+            <a:r>
+              <a:rPr lang="en-US" dirty="0"/>
+              <a:t>Test: 368 customers (281 valuable)</a:t>
+            </a:r>
+          </a:p>
+        </p:txBody>
+      </p:sp>
+      <p:pic>
+        <p:nvPicPr>
+          <p:cNvPr id="7" name="Picture 6">
+            <a:extLst>
+              <a:ext uri="{FF2B5EF4-FFF2-40B4-BE49-F238E27FC236}">
+                <a16:creationId xmlns:a16="http://schemas.microsoft.com/office/drawing/2014/main" id="{5045E91C-1601-57DF-E548-FF30073EE07F}"/>
+              </a:ext>
+            </a:extLst>
+          </p:cNvPr>
+          <p:cNvPicPr>
+            <a:picLocks noChangeAspect="1"/>
+          </p:cNvPicPr>
+          <p:nvPr/>
+        </p:nvPicPr>
+        <p:blipFill>
+          <a:blip r:embed="rId2">
+            <a:extLst>
+              <a:ext uri="{28A0092B-C50C-407E-A947-70E740481C1C}">
+                <a14:useLocalDpi xmlns:a14="http://schemas.microsoft.com/office/drawing/2010/main" val="0"/>
+              </a:ext>
+            </a:extLst>
+          </a:blip>
+          <a:srcRect/>
+          <a:stretch/>
+        </p:blipFill>
+        <p:spPr>
+          <a:xfrm>
+            <a:off x="5483542" y="2542848"/>
+            <a:ext cx="6068979" cy="1639143"/>
+          </a:xfrm>
+          <a:prstGeom prst="rect">
+            <a:avLst/>
+          </a:prstGeom>
+        </p:spPr>
+      </p:pic>
+      <p:sp>
+        <p:nvSpPr>
+          <p:cNvPr id="10" name="TextBox 9">
+            <a:extLst>
+              <a:ext uri="{FF2B5EF4-FFF2-40B4-BE49-F238E27FC236}">
+                <a16:creationId xmlns:a16="http://schemas.microsoft.com/office/drawing/2014/main" id="{4DDA5812-E9A2-9CC4-F3FB-E95D70A8B052}"/>
+              </a:ext>
+            </a:extLst>
+          </p:cNvPr>
+          <p:cNvSpPr txBox="1"/>
+          <p:nvPr/>
+        </p:nvSpPr>
+        <p:spPr>
+          <a:xfrm>
+            <a:off x="6284780" y="4144378"/>
+            <a:ext cx="4466501" cy="338554"/>
+          </a:xfrm>
+          <a:prstGeom prst="rect">
+            <a:avLst/>
+          </a:prstGeom>
+          <a:noFill/>
+        </p:spPr>
+        <p:txBody>
+          <a:bodyPr wrap="square" rtlCol="0">
+            <a:spAutoFit/>
+          </a:bodyPr>
+          <a:lstStyle/>
+          <a:p>
+            <a:pPr algn="ctr"/>
+            <a:r>
+              <a:rPr lang="en-US" sz="1600" i="1" dirty="0" err="1">
+                <a:solidFill>
+                  <a:schemeClr val="bg1"/>
+                </a:solidFill>
+              </a:rPr>
+              <a:t>PySpark</a:t>
+            </a:r>
+            <a:r>
+              <a:rPr lang="en-US" sz="1600" i="1" dirty="0">
+                <a:solidFill>
+                  <a:schemeClr val="bg1"/>
+                </a:solidFill>
+              </a:rPr>
+              <a:t> code for Random Forest Classifier model</a:t>
+            </a:r>
+          </a:p>
+        </p:txBody>
+      </p:sp>
+      <p:sp>
+        <p:nvSpPr>
+          <p:cNvPr id="5" name="Slide Number Placeholder 4">
+            <a:extLst>
+              <a:ext uri="{FF2B5EF4-FFF2-40B4-BE49-F238E27FC236}">
+                <a16:creationId xmlns:a16="http://schemas.microsoft.com/office/drawing/2014/main" id="{CAD998CF-721F-DF8C-A681-F9C301A1B3B9}"/>
+              </a:ext>
+            </a:extLst>
+          </p:cNvPr>
+          <p:cNvSpPr>
+            <a:spLocks noGrp="1"/>
+          </p:cNvSpPr>
+          <p:nvPr>
+            <p:ph type="sldNum" sz="quarter" idx="12"/>
+          </p:nvPr>
+        </p:nvSpPr>
         <p:spPr/>
         <p:txBody>
           <a:bodyPr/>
           <a:lstStyle/>
           <a:p>
-            <a:r>
-              <a:rPr lang="en-US" dirty="0"/>
-              <a:t>Build alternative classification model, Random Forest Classifier, using labels determined by the K-Means clustering model on the test dataset </a:t>
-            </a:r>
-          </a:p>
-          <a:p>
-            <a:pPr lvl="1"/>
-            <a:r>
-              <a:rPr lang="en-US" dirty="0"/>
-              <a:t>Train: 926 customers (691 valuable)</a:t>
-            </a:r>
-          </a:p>
-          <a:p>
-            <a:pPr lvl="1"/>
-            <a:r>
-              <a:rPr lang="en-US" dirty="0"/>
-              <a:t>Test: 368 customers (281 valuable)</a:t>
-            </a:r>
+            <a:fld id="{294A09A9-5501-47C1-A89A-A340965A2BE2}" type="slidenum">
+              <a:rPr lang="en-US" smtClean="0"/>
+              <a:pPr/>
+              <a:t>13</a:t>
+            </a:fld>
+            <a:endParaRPr lang="en-US" dirty="0">
+              <a:latin typeface="+mn-lt"/>
+            </a:endParaRPr>
           </a:p>
         </p:txBody>
       </p:sp>
       <p:graphicFrame>
         <p:nvGraphicFramePr>
-          <p:cNvPr id="4" name="Table 3">
+          <p:cNvPr id="6" name="Table 5">
             <a:extLst>
               <a:ext uri="{FF2B5EF4-FFF2-40B4-BE49-F238E27FC236}">
-                <a16:creationId xmlns:a16="http://schemas.microsoft.com/office/drawing/2014/main" id="{E37F3E85-25B0-4F01-0045-9306CF698BC9}"/>
+                <a16:creationId xmlns:a16="http://schemas.microsoft.com/office/drawing/2014/main" id="{F87E7A65-CE86-1335-3762-9D5751B1636E}"/>
               </a:ext>
             </a:extLst>
           </p:cNvPr>
@@ -10757,14 +10943,14 @@
           <p:nvPr>
             <p:extLst>
               <p:ext uri="{D42A27DB-BD31-4B8C-83A1-F6EECF244321}">
-                <p14:modId xmlns:p14="http://schemas.microsoft.com/office/powerpoint/2010/main" val="4105702295"/>
+                <p14:modId xmlns:p14="http://schemas.microsoft.com/office/powerpoint/2010/main" val="3748363684"/>
               </p:ext>
             </p:extLst>
           </p:nvPr>
         </p:nvGraphicFramePr>
         <p:xfrm>
-          <a:off x="2244723" y="5085791"/>
-          <a:ext cx="8128002" cy="1188204"/>
+          <a:off x="925976" y="5272898"/>
+          <a:ext cx="11134844" cy="1457444"/>
         </p:xfrm>
         <a:graphic>
           <a:graphicData uri="http://schemas.openxmlformats.org/drawingml/2006/table">
@@ -10773,51 +10959,58 @@
                 <a:tableStyleId>{16D9F66E-5EB9-4882-86FB-DCBF35E3C3E4}</a:tableStyleId>
               </a:tblPr>
               <a:tblGrid>
-                <a:gridCol w="1354667">
+                <a:gridCol w="1590692">
                   <a:extLst>
                     <a:ext uri="{9D8B030D-6E8A-4147-A177-3AD203B41FA5}">
                       <a16:colId xmlns:a16="http://schemas.microsoft.com/office/drawing/2014/main" val="4257864609"/>
                     </a:ext>
                   </a:extLst>
                 </a:gridCol>
-                <a:gridCol w="1354667">
+                <a:gridCol w="1590692">
                   <a:extLst>
                     <a:ext uri="{9D8B030D-6E8A-4147-A177-3AD203B41FA5}">
                       <a16:colId xmlns:a16="http://schemas.microsoft.com/office/drawing/2014/main" val="3386278900"/>
                     </a:ext>
                   </a:extLst>
                 </a:gridCol>
-                <a:gridCol w="1354667">
+                <a:gridCol w="1590692">
                   <a:extLst>
                     <a:ext uri="{9D8B030D-6E8A-4147-A177-3AD203B41FA5}">
                       <a16:colId xmlns:a16="http://schemas.microsoft.com/office/drawing/2014/main" val="2055361522"/>
                     </a:ext>
                   </a:extLst>
                 </a:gridCol>
-                <a:gridCol w="1354667">
+                <a:gridCol w="1590692">
                   <a:extLst>
                     <a:ext uri="{9D8B030D-6E8A-4147-A177-3AD203B41FA5}">
                       <a16:colId xmlns:a16="http://schemas.microsoft.com/office/drawing/2014/main" val="2123996877"/>
                     </a:ext>
                   </a:extLst>
                 </a:gridCol>
-                <a:gridCol w="1354667">
+                <a:gridCol w="1590692">
                   <a:extLst>
                     <a:ext uri="{9D8B030D-6E8A-4147-A177-3AD203B41FA5}">
                       <a16:colId xmlns:a16="http://schemas.microsoft.com/office/drawing/2014/main" val="2888790863"/>
                     </a:ext>
                   </a:extLst>
                 </a:gridCol>
-                <a:gridCol w="1354667">
+                <a:gridCol w="1590692">
                   <a:extLst>
                     <a:ext uri="{9D8B030D-6E8A-4147-A177-3AD203B41FA5}">
                       <a16:colId xmlns:a16="http://schemas.microsoft.com/office/drawing/2014/main" val="2594486003"/>
                     </a:ext>
                   </a:extLst>
                 </a:gridCol>
+                <a:gridCol w="1590692">
+                  <a:extLst>
+                    <a:ext uri="{9D8B030D-6E8A-4147-A177-3AD203B41FA5}">
+                      <a16:colId xmlns:a16="http://schemas.microsoft.com/office/drawing/2014/main" val="3903275410"/>
+                    </a:ext>
+                  </a:extLst>
+                </a:gridCol>
               </a:tblGrid>
               <a:tr h="446524">
-                <a:tc gridSpan="6">
+                <a:tc gridSpan="7">
                   <a:txBody>
                     <a:bodyPr/>
                     <a:lstStyle/>
@@ -10881,6 +11074,21 @@
                     <a:lstStyle/>
                     <a:p>
                       <a:endParaRPr lang="en-US" dirty="0"/>
+                    </a:p>
+                  </a:txBody>
+                  <a:tcPr/>
+                </a:tc>
+                <a:tc hMerge="1">
+                  <a:txBody>
+                    <a:bodyPr/>
+                    <a:lstStyle/>
+                    <a:p>
+                      <a:pPr algn="ctr"/>
+                      <a:endParaRPr lang="en-US" b="0" dirty="0">
+                        <a:solidFill>
+                          <a:schemeClr val="bg1"/>
+                        </a:solidFill>
+                      </a:endParaRPr>
                     </a:p>
                   </a:txBody>
                   <a:tcPr/>
@@ -10965,6 +11173,19 @@
                       <a:r>
                         <a:rPr lang="en-US" b="0" dirty="0"/>
                         <a:t>Run Time</a:t>
+                      </a:r>
+                    </a:p>
+                  </a:txBody>
+                  <a:tcPr/>
+                </a:tc>
+                <a:tc>
+                  <a:txBody>
+                    <a:bodyPr/>
+                    <a:lstStyle/>
+                    <a:p>
+                      <a:r>
+                        <a:rPr lang="en-US" b="0" dirty="0"/>
+                        <a:t>Correct classifications</a:t>
                       </a:r>
                     </a:p>
                   </a:txBody>
@@ -11055,6 +11276,19 @@
                   </a:txBody>
                   <a:tcPr/>
                 </a:tc>
+                <a:tc>
+                  <a:txBody>
+                    <a:bodyPr/>
+                    <a:lstStyle/>
+                    <a:p>
+                      <a:r>
+                        <a:rPr lang="en-US" b="0" dirty="0"/>
+                        <a:t>366/368</a:t>
+                      </a:r>
+                    </a:p>
+                  </a:txBody>
+                  <a:tcPr/>
+                </a:tc>
                 <a:extLst>
                   <a:ext uri="{0D108BD9-81ED-4DB2-BD59-A6C34878D82A}">
                     <a16:rowId xmlns:a16="http://schemas.microsoft.com/office/drawing/2014/main" val="2664095566"/>
@@ -11065,121 +11299,6 @@
           </a:graphicData>
         </a:graphic>
       </p:graphicFrame>
-      <p:pic>
-        <p:nvPicPr>
-          <p:cNvPr id="7" name="Picture 6">
-            <a:extLst>
-              <a:ext uri="{FF2B5EF4-FFF2-40B4-BE49-F238E27FC236}">
-                <a16:creationId xmlns:a16="http://schemas.microsoft.com/office/drawing/2014/main" id="{5045E91C-1601-57DF-E548-FF30073EE07F}"/>
-              </a:ext>
-            </a:extLst>
-          </p:cNvPr>
-          <p:cNvPicPr>
-            <a:picLocks noChangeAspect="1"/>
-          </p:cNvPicPr>
-          <p:nvPr/>
-        </p:nvPicPr>
-        <p:blipFill>
-          <a:blip r:embed="rId2">
-            <a:extLst>
-              <a:ext uri="{28A0092B-C50C-407E-A947-70E740481C1C}">
-                <a14:useLocalDpi xmlns:a14="http://schemas.microsoft.com/office/drawing/2010/main" val="0"/>
-              </a:ext>
-            </a:extLst>
-          </a:blip>
-          <a:srcRect/>
-          <a:stretch/>
-        </p:blipFill>
-        <p:spPr>
-          <a:xfrm>
-            <a:off x="5104984" y="2542848"/>
-            <a:ext cx="6068979" cy="1639143"/>
-          </a:xfrm>
-          <a:prstGeom prst="rect">
-            <a:avLst/>
-          </a:prstGeom>
-        </p:spPr>
-      </p:pic>
-      <p:sp>
-        <p:nvSpPr>
-          <p:cNvPr id="10" name="TextBox 9">
-            <a:extLst>
-              <a:ext uri="{FF2B5EF4-FFF2-40B4-BE49-F238E27FC236}">
-                <a16:creationId xmlns:a16="http://schemas.microsoft.com/office/drawing/2014/main" id="{4DDA5812-E9A2-9CC4-F3FB-E95D70A8B052}"/>
-              </a:ext>
-            </a:extLst>
-          </p:cNvPr>
-          <p:cNvSpPr txBox="1"/>
-          <p:nvPr/>
-        </p:nvSpPr>
-        <p:spPr>
-          <a:xfrm>
-            <a:off x="5906224" y="4181991"/>
-            <a:ext cx="4466501" cy="338554"/>
-          </a:xfrm>
-          <a:prstGeom prst="rect">
-            <a:avLst/>
-          </a:prstGeom>
-          <a:noFill/>
-        </p:spPr>
-        <p:txBody>
-          <a:bodyPr wrap="square" rtlCol="0">
-            <a:spAutoFit/>
-          </a:bodyPr>
-          <a:lstStyle/>
-          <a:p>
-            <a:pPr algn="ctr"/>
-            <a:r>
-              <a:rPr lang="en-US" sz="1600" i="1" dirty="0" err="1">
-                <a:solidFill>
-                  <a:schemeClr val="bg1"/>
-                </a:solidFill>
-              </a:rPr>
-              <a:t>PySpark</a:t>
-            </a:r>
-            <a:r>
-              <a:rPr lang="en-US" sz="1600" i="1" dirty="0">
-                <a:solidFill>
-                  <a:schemeClr val="bg1"/>
-                </a:solidFill>
-              </a:rPr>
-              <a:t> code for Random Forest Classifier model</a:t>
-            </a:r>
-          </a:p>
-        </p:txBody>
-      </p:sp>
-      <p:sp>
-        <p:nvSpPr>
-          <p:cNvPr id="5" name="Slide Number Placeholder 4">
-            <a:extLst>
-              <a:ext uri="{FF2B5EF4-FFF2-40B4-BE49-F238E27FC236}">
-                <a16:creationId xmlns:a16="http://schemas.microsoft.com/office/drawing/2014/main" id="{CAD998CF-721F-DF8C-A681-F9C301A1B3B9}"/>
-              </a:ext>
-            </a:extLst>
-          </p:cNvPr>
-          <p:cNvSpPr>
-            <a:spLocks noGrp="1"/>
-          </p:cNvSpPr>
-          <p:nvPr>
-            <p:ph type="sldNum" sz="quarter" idx="12"/>
-          </p:nvPr>
-        </p:nvSpPr>
-        <p:spPr/>
-        <p:txBody>
-          <a:bodyPr/>
-          <a:lstStyle/>
-          <a:p>
-            <a:fld id="{294A09A9-5501-47C1-A89A-A340965A2BE2}" type="slidenum">
-              <a:rPr lang="en-US" smtClean="0"/>
-              <a:pPr/>
-              <a:t>13</a:t>
-            </a:fld>
-            <a:endParaRPr lang="en-US" dirty="0">
-              <a:latin typeface="+mn-lt"/>
-            </a:endParaRPr>
-          </a:p>
-        </p:txBody>
-      </p:sp>
     </p:spTree>
     <p:extLst>
       <p:ext uri="{BB962C8B-B14F-4D97-AF65-F5344CB8AC3E}">
@@ -11566,7 +11685,7 @@
             <p:ph sz="quarter" idx="16"/>
             <p:extLst>
               <p:ext uri="{D42A27DB-BD31-4B8C-83A1-F6EECF244321}">
-                <p14:modId xmlns:p14="http://schemas.microsoft.com/office/powerpoint/2010/main" val="3373859266"/>
+                <p14:modId xmlns:p14="http://schemas.microsoft.com/office/powerpoint/2010/main" val="2590524417"/>
               </p:ext>
             </p:extLst>
           </p:nvPr>
@@ -11687,7 +11806,7 @@
                     <a:lstStyle/>
                     <a:p>
                       <a:r>
-                        <a:rPr lang="en-US" dirty="0"/>
+                        <a:rPr lang="en-US" b="1" dirty="0"/>
                         <a:t>1.0000</a:t>
                       </a:r>
                     </a:p>
@@ -11720,7 +11839,7 @@
                     <a:lstStyle/>
                     <a:p>
                       <a:r>
-                        <a:rPr lang="en-US" dirty="0"/>
+                        <a:rPr lang="en-US" b="1" dirty="0"/>
                         <a:t>1.0000</a:t>
                       </a:r>
                     </a:p>
@@ -11753,7 +11872,7 @@
                     <a:lstStyle/>
                     <a:p>
                       <a:r>
-                        <a:rPr lang="en-US" dirty="0"/>
+                        <a:rPr lang="en-US" b="1" dirty="0"/>
                         <a:t>1.0000</a:t>
                       </a:r>
                     </a:p>
@@ -11766,7 +11885,7 @@
                     <a:lstStyle/>
                     <a:p>
                       <a:r>
-                        <a:rPr lang="en-US" sz="1800" b="0" kern="1200" dirty="0">
+                        <a:rPr lang="en-US" sz="1800" b="1" kern="1200" dirty="0">
                           <a:solidFill>
                             <a:schemeClr val="dk1"/>
                           </a:solidFill>
@@ -11774,7 +11893,7 @@
                         </a:rPr>
                         <a:t>1.0000</a:t>
                       </a:r>
-                      <a:endParaRPr lang="en-US" dirty="0"/>
+                      <a:endParaRPr lang="en-US" b="1" dirty="0"/>
                     </a:p>
                   </a:txBody>
                   <a:tcPr/>
@@ -11873,7 +11992,23 @@
                   <a:schemeClr val="bg1"/>
                 </a:solidFill>
               </a:rPr>
-              <a:t>Thus, the alternative model, Random Forest Classifier, does not outperform the baseline model, Logistic Regression</a:t>
+              <a:t>Thus, the alternative model, Random Forest Classifier, </a:t>
+            </a:r>
+            <a:r>
+              <a:rPr lang="en-US" sz="2000" b="1" dirty="0">
+                <a:solidFill>
+                  <a:schemeClr val="bg1"/>
+                </a:solidFill>
+              </a:rPr>
+              <a:t>does not outperform </a:t>
+            </a:r>
+            <a:r>
+              <a:rPr lang="en-US" sz="2000" dirty="0">
+                <a:solidFill>
+                  <a:schemeClr val="bg1"/>
+                </a:solidFill>
+              </a:rPr>
+              <a:t>the baseline model, Logistic Regression</a:t>
             </a:r>
           </a:p>
         </p:txBody>
@@ -12202,8 +12337,8 @@
         </p:blipFill>
         <p:spPr>
           <a:xfrm>
-            <a:off x="5697146" y="1324246"/>
-            <a:ext cx="4313128" cy="2553826"/>
+            <a:off x="5490440" y="659197"/>
+            <a:ext cx="4511726" cy="2671417"/>
           </a:xfrm>
           <a:prstGeom prst="rect">
             <a:avLst/>
@@ -12232,13 +12367,13 @@
               </a:ext>
             </a:extLst>
           </a:blip>
-          <a:srcRect t="1947" b="1947"/>
+          <a:srcRect t="1947" b="4705"/>
           <a:stretch/>
         </p:blipFill>
         <p:spPr>
           <a:xfrm>
-            <a:off x="7358190" y="3977829"/>
-            <a:ext cx="4795024" cy="2880171"/>
+            <a:off x="6483264" y="3527386"/>
+            <a:ext cx="5708736" cy="3330614"/>
           </a:xfrm>
           <a:prstGeom prst="rect">
             <a:avLst/>
@@ -13327,16 +13462,148 @@
         <p:spPr>
           <a:xfrm>
             <a:off x="594360" y="2676525"/>
-            <a:ext cx="11014544" cy="3597470"/>
+            <a:ext cx="11014544" cy="3903346"/>
           </a:xfrm>
         </p:spPr>
         <p:txBody>
           <a:bodyPr>
-            <a:normAutofit/>
+            <a:normAutofit fontScale="92500" lnSpcReduction="10000"/>
           </a:bodyPr>
           <a:lstStyle/>
           <a:p>
-            <a:pPr>
+            <a:pPr marL="342900" indent="-342900">
+              <a:lnSpc>
+                <a:spcPct val="115000"/>
+              </a:lnSpc>
+              <a:spcAft>
+                <a:spcPts val="800"/>
+              </a:spcAft>
+              <a:buFont typeface="Arial" panose="020B0604020202020204" pitchFamily="34" charset="0"/>
+              <a:buChar char="•"/>
+            </a:pPr>
+            <a:r>
+              <a:rPr lang="en-US" kern="100" dirty="0">
+                <a:latin typeface="Aptos" panose="020B0004020202020204" pitchFamily="34" charset="0"/>
+                <a:ea typeface="Aptos" panose="020B0004020202020204" pitchFamily="34" charset="0"/>
+                <a:cs typeface="Times New Roman" panose="02020603050405020304" pitchFamily="18" charset="0"/>
+              </a:rPr>
+              <a:t>Project is inspired by the </a:t>
+            </a:r>
+            <a:r>
+              <a:rPr lang="en-US" i="1" kern="100" dirty="0">
+                <a:latin typeface="Aptos" panose="020B0004020202020204" pitchFamily="34" charset="0"/>
+                <a:ea typeface="Aptos" panose="020B0004020202020204" pitchFamily="34" charset="0"/>
+                <a:cs typeface="Times New Roman" panose="02020603050405020304" pitchFamily="18" charset="0"/>
+              </a:rPr>
+              <a:t>Analyze Customer Lifetime Value </a:t>
+            </a:r>
+            <a:r>
+              <a:rPr lang="en-US" kern="100" dirty="0">
+                <a:latin typeface="Aptos" panose="020B0004020202020204" pitchFamily="34" charset="0"/>
+                <a:ea typeface="Aptos" panose="020B0004020202020204" pitchFamily="34" charset="0"/>
+                <a:cs typeface="Times New Roman" panose="02020603050405020304" pitchFamily="18" charset="0"/>
+              </a:rPr>
+              <a:t>Databricks Solution Accelerator</a:t>
+            </a:r>
+          </a:p>
+          <a:p>
+            <a:pPr marL="342900" indent="-342900">
+              <a:lnSpc>
+                <a:spcPct val="115000"/>
+              </a:lnSpc>
+              <a:spcAft>
+                <a:spcPts val="800"/>
+              </a:spcAft>
+              <a:buFont typeface="Arial" panose="020B0604020202020204" pitchFamily="34" charset="0"/>
+              <a:buChar char="•"/>
+            </a:pPr>
+            <a:r>
+              <a:rPr lang="en-US" kern="100" dirty="0">
+                <a:latin typeface="Aptos" panose="020B0004020202020204" pitchFamily="34" charset="0"/>
+                <a:ea typeface="Aptos" panose="020B0004020202020204" pitchFamily="34" charset="0"/>
+                <a:cs typeface="Times New Roman" panose="02020603050405020304" pitchFamily="18" charset="0"/>
+              </a:rPr>
+              <a:t>Utilize </a:t>
+            </a:r>
+            <a:r>
+              <a:rPr lang="en-US" i="1" kern="100" dirty="0">
+                <a:effectLst/>
+                <a:latin typeface="Aptos" panose="020B0004020202020204" pitchFamily="34" charset="0"/>
+                <a:ea typeface="Aptos" panose="020B0004020202020204" pitchFamily="34" charset="0"/>
+                <a:cs typeface="Times New Roman" panose="02020603050405020304" pitchFamily="18" charset="0"/>
+              </a:rPr>
+              <a:t>What Is Recency, Frequency, Monetary Value (RFM) in Marketing? </a:t>
+            </a:r>
+            <a:r>
+              <a:rPr lang="en-US" kern="100" dirty="0">
+                <a:effectLst/>
+                <a:latin typeface="Aptos" panose="020B0004020202020204" pitchFamily="34" charset="0"/>
+                <a:ea typeface="Aptos" panose="020B0004020202020204" pitchFamily="34" charset="0"/>
+                <a:cs typeface="Times New Roman" panose="02020603050405020304" pitchFamily="18" charset="0"/>
+              </a:rPr>
+              <a:t>for background on RFM factors (Murphy, 2024)</a:t>
+            </a:r>
+          </a:p>
+          <a:p>
+            <a:pPr marL="342900" indent="-342900">
+              <a:lnSpc>
+                <a:spcPct val="115000"/>
+              </a:lnSpc>
+              <a:spcAft>
+                <a:spcPts val="800"/>
+              </a:spcAft>
+              <a:buFont typeface="Arial" panose="020B0604020202020204" pitchFamily="34" charset="0"/>
+              <a:buChar char="•"/>
+            </a:pPr>
+            <a:r>
+              <a:rPr lang="en-US" kern="100" dirty="0">
+                <a:latin typeface="Aptos" panose="020B0004020202020204" pitchFamily="34" charset="0"/>
+                <a:ea typeface="Aptos" panose="020B0004020202020204" pitchFamily="34" charset="0"/>
+                <a:cs typeface="Times New Roman" panose="02020603050405020304" pitchFamily="18" charset="0"/>
+              </a:rPr>
+              <a:t>Use </a:t>
+            </a:r>
+            <a:r>
+              <a:rPr lang="en-US" i="1" kern="100" dirty="0">
+                <a:effectLst/>
+                <a:latin typeface="Aptos" panose="020B0004020202020204" pitchFamily="34" charset="0"/>
+                <a:ea typeface="Aptos" panose="020B0004020202020204" pitchFamily="34" charset="0"/>
+                <a:cs typeface="Times New Roman" panose="02020603050405020304" pitchFamily="18" charset="0"/>
+              </a:rPr>
+              <a:t>Customer Lifetime Value Part 1: Estimating Customer Lifetimes </a:t>
+            </a:r>
+            <a:r>
+              <a:rPr lang="en-US" kern="100" dirty="0">
+                <a:effectLst/>
+                <a:latin typeface="Aptos" panose="020B0004020202020204" pitchFamily="34" charset="0"/>
+                <a:ea typeface="Aptos" panose="020B0004020202020204" pitchFamily="34" charset="0"/>
+                <a:cs typeface="Times New Roman" panose="02020603050405020304" pitchFamily="18" charset="0"/>
+              </a:rPr>
+              <a:t>for further understanding on importance of customer value within a business (Saker, et al., 2020)</a:t>
+            </a:r>
+          </a:p>
+          <a:p>
+            <a:pPr marL="342900" indent="-342900">
+              <a:lnSpc>
+                <a:spcPct val="115000"/>
+              </a:lnSpc>
+              <a:spcAft>
+                <a:spcPts val="800"/>
+              </a:spcAft>
+              <a:buFont typeface="Arial" panose="020B0604020202020204" pitchFamily="34" charset="0"/>
+              <a:buChar char="•"/>
+            </a:pPr>
+            <a:r>
+              <a:rPr lang="en-US" kern="100" dirty="0">
+                <a:latin typeface="Aptos" panose="020B0004020202020204" pitchFamily="34" charset="0"/>
+                <a:ea typeface="Aptos" panose="020B0004020202020204" pitchFamily="34" charset="0"/>
+                <a:cs typeface="Times New Roman" panose="02020603050405020304" pitchFamily="18" charset="0"/>
+              </a:rPr>
+              <a:t>Classification models chosen based on feature importance and management of class imbalances</a:t>
+            </a:r>
+          </a:p>
+          <a:p>
+            <a:pPr marL="626364" lvl="1" indent="-342900">
               <a:lnSpc>
                 <a:spcPct val="115000"/>
               </a:lnSpc>
@@ -13345,170 +13612,13 @@
               </a:spcAft>
             </a:pPr>
             <a:r>
-              <a:rPr lang="en-US" sz="1800" kern="100" dirty="0">
-                <a:latin typeface="Aptos" panose="020B0004020202020204" pitchFamily="34" charset="0"/>
-                <a:ea typeface="Aptos" panose="020B0004020202020204" pitchFamily="34" charset="0"/>
-                <a:cs typeface="Times New Roman" panose="02020603050405020304" pitchFamily="18" charset="0"/>
-              </a:rPr>
-              <a:t>Project is inspired by the “Analyze Customer Lifetime Value” Databricks Solution Accelerator</a:t>
-            </a:r>
-          </a:p>
-          <a:p>
-            <a:pPr>
-              <a:lnSpc>
-                <a:spcPct val="115000"/>
-              </a:lnSpc>
-              <a:spcAft>
-                <a:spcPts val="800"/>
-              </a:spcAft>
-            </a:pPr>
-            <a:r>
-              <a:rPr lang="en-US" sz="1800" i="1" kern="100" dirty="0">
-                <a:latin typeface="Aptos" panose="020B0004020202020204" pitchFamily="34" charset="0"/>
-                <a:ea typeface="Aptos" panose="020B0004020202020204" pitchFamily="34" charset="0"/>
-                <a:cs typeface="Times New Roman" panose="02020603050405020304" pitchFamily="18" charset="0"/>
-              </a:rPr>
-              <a:t>Analyze Customer Lifetime Value</a:t>
-            </a:r>
-            <a:r>
-              <a:rPr lang="en-US" sz="1800" kern="100" dirty="0">
-                <a:latin typeface="Aptos" panose="020B0004020202020204" pitchFamily="34" charset="0"/>
-                <a:ea typeface="Aptos" panose="020B0004020202020204" pitchFamily="34" charset="0"/>
-                <a:cs typeface="Times New Roman" panose="02020603050405020304" pitchFamily="18" charset="0"/>
-              </a:rPr>
-              <a:t>. Databricks. </a:t>
-            </a:r>
-            <a:r>
-              <a:rPr lang="en-US" sz="1800" u="sng" kern="100" dirty="0">
-                <a:solidFill>
-                  <a:srgbClr val="467886"/>
-                </a:solidFill>
-                <a:latin typeface="Aptos" panose="020B0004020202020204" pitchFamily="34" charset="0"/>
-                <a:ea typeface="Aptos" panose="020B0004020202020204" pitchFamily="34" charset="0"/>
-                <a:cs typeface="Times New Roman" panose="02020603050405020304" pitchFamily="18" charset="0"/>
-                <a:hlinkClick r:id="rId3"/>
-              </a:rPr>
-              <a:t>https://www.databricks.com/solutions/accelerators/customer-lifetime-value</a:t>
-            </a:r>
-            <a:endParaRPr lang="en-US" sz="1800" kern="100" dirty="0">
-              <a:latin typeface="Aptos" panose="020B0004020202020204" pitchFamily="34" charset="0"/>
-              <a:ea typeface="Aptos" panose="020B0004020202020204" pitchFamily="34" charset="0"/>
-              <a:cs typeface="Times New Roman" panose="02020603050405020304" pitchFamily="18" charset="0"/>
-            </a:endParaRPr>
-          </a:p>
-          <a:p>
-            <a:pPr marL="0" marR="0">
-              <a:lnSpc>
-                <a:spcPct val="115000"/>
-              </a:lnSpc>
-              <a:spcAft>
-                <a:spcPts val="800"/>
-              </a:spcAft>
-            </a:pPr>
-            <a:r>
-              <a:rPr lang="en-US" sz="1800" kern="100" dirty="0">
+              <a:rPr lang="en-US" kern="100" dirty="0">
                 <a:effectLst/>
                 <a:latin typeface="Aptos" panose="020B0004020202020204" pitchFamily="34" charset="0"/>
                 <a:ea typeface="Aptos" panose="020B0004020202020204" pitchFamily="34" charset="0"/>
                 <a:cs typeface="Times New Roman" panose="02020603050405020304" pitchFamily="18" charset="0"/>
               </a:rPr>
-              <a:t>Murphy, C. (2024, August 14). </a:t>
-            </a:r>
-            <a:r>
-              <a:rPr lang="en-US" sz="1800" i="1" kern="100" dirty="0">
-                <a:effectLst/>
-                <a:latin typeface="Aptos" panose="020B0004020202020204" pitchFamily="34" charset="0"/>
-                <a:ea typeface="Aptos" panose="020B0004020202020204" pitchFamily="34" charset="0"/>
-                <a:cs typeface="Times New Roman" panose="02020603050405020304" pitchFamily="18" charset="0"/>
-              </a:rPr>
-              <a:t>What Is Recency, Frequency, Monetary Value (RFM) in Marketing?. </a:t>
-            </a:r>
-            <a:r>
-              <a:rPr lang="en-US" sz="1800" kern="100" dirty="0">
-                <a:effectLst/>
-                <a:latin typeface="Aptos" panose="020B0004020202020204" pitchFamily="34" charset="0"/>
-                <a:ea typeface="Aptos" panose="020B0004020202020204" pitchFamily="34" charset="0"/>
-                <a:cs typeface="Times New Roman" panose="02020603050405020304" pitchFamily="18" charset="0"/>
-              </a:rPr>
-              <a:t>Investopedia. </a:t>
-            </a:r>
-            <a:r>
-              <a:rPr lang="en-US" sz="1800" u="sng" kern="100" dirty="0">
-                <a:solidFill>
-                  <a:srgbClr val="467886"/>
-                </a:solidFill>
-                <a:effectLst/>
-                <a:latin typeface="Aptos" panose="020B0004020202020204" pitchFamily="34" charset="0"/>
-                <a:ea typeface="Aptos" panose="020B0004020202020204" pitchFamily="34" charset="0"/>
-                <a:cs typeface="Times New Roman" panose="02020603050405020304" pitchFamily="18" charset="0"/>
-                <a:hlinkClick r:id="rId4"/>
-              </a:rPr>
-              <a:t>https://www.investopedia.com/terms/r/rfm-recency-frequency-monetary-value.asp</a:t>
-            </a:r>
-            <a:endParaRPr lang="en-US" sz="1800" kern="100" dirty="0">
-              <a:effectLst/>
-              <a:latin typeface="Aptos" panose="020B0004020202020204" pitchFamily="34" charset="0"/>
-              <a:ea typeface="Aptos" panose="020B0004020202020204" pitchFamily="34" charset="0"/>
-              <a:cs typeface="Times New Roman" panose="02020603050405020304" pitchFamily="18" charset="0"/>
-            </a:endParaRPr>
-          </a:p>
-          <a:p>
-            <a:pPr marL="0" marR="0">
-              <a:lnSpc>
-                <a:spcPct val="115000"/>
-              </a:lnSpc>
-              <a:spcAft>
-                <a:spcPts val="800"/>
-              </a:spcAft>
-            </a:pPr>
-            <a:r>
-              <a:rPr lang="en-US" sz="1800" kern="100" dirty="0">
-                <a:effectLst/>
-                <a:latin typeface="Aptos" panose="020B0004020202020204" pitchFamily="34" charset="0"/>
-                <a:ea typeface="Aptos" panose="020B0004020202020204" pitchFamily="34" charset="0"/>
-                <a:cs typeface="Times New Roman" panose="02020603050405020304" pitchFamily="18" charset="0"/>
-              </a:rPr>
-              <a:t>Saker, R. et al. (2020, June 3). </a:t>
-            </a:r>
-            <a:r>
-              <a:rPr lang="en-US" sz="1800" i="1" kern="100" dirty="0">
-                <a:effectLst/>
-                <a:latin typeface="Aptos" panose="020B0004020202020204" pitchFamily="34" charset="0"/>
-                <a:ea typeface="Aptos" panose="020B0004020202020204" pitchFamily="34" charset="0"/>
-                <a:cs typeface="Times New Roman" panose="02020603050405020304" pitchFamily="18" charset="0"/>
-              </a:rPr>
-              <a:t>Customer Lifetime Value Part 1: Estimating Customer Lifetimes.</a:t>
-            </a:r>
-            <a:r>
-              <a:rPr lang="en-US" sz="1800" kern="100" dirty="0">
-                <a:effectLst/>
-                <a:latin typeface="Aptos" panose="020B0004020202020204" pitchFamily="34" charset="0"/>
-                <a:ea typeface="Aptos" panose="020B0004020202020204" pitchFamily="34" charset="0"/>
-                <a:cs typeface="Times New Roman" panose="02020603050405020304" pitchFamily="18" charset="0"/>
-              </a:rPr>
-              <a:t> Databricks. </a:t>
-            </a:r>
-            <a:r>
-              <a:rPr lang="en-US" sz="1800" u="sng" kern="100" dirty="0">
-                <a:solidFill>
-                  <a:srgbClr val="467886"/>
-                </a:solidFill>
-                <a:effectLst/>
-                <a:latin typeface="Aptos" panose="020B0004020202020204" pitchFamily="34" charset="0"/>
-                <a:ea typeface="Aptos" panose="020B0004020202020204" pitchFamily="34" charset="0"/>
-                <a:cs typeface="Times New Roman" panose="02020603050405020304" pitchFamily="18" charset="0"/>
-                <a:hlinkClick r:id="rId5"/>
-              </a:rPr>
-              <a:t>https://www.databricks.com/blog/2020/06/03/customer-lifetime-value-part-1-estimating-customer-lifetimes.html</a:t>
-            </a:r>
-            <a:r>
-              <a:rPr lang="en-US" sz="1800" kern="100" dirty="0">
-                <a:effectLst/>
-                <a:latin typeface="Aptos" panose="020B0004020202020204" pitchFamily="34" charset="0"/>
-                <a:ea typeface="Aptos" panose="020B0004020202020204" pitchFamily="34" charset="0"/>
-                <a:cs typeface="Times New Roman" panose="02020603050405020304" pitchFamily="18" charset="0"/>
-              </a:rPr>
-              <a:t> </a:t>
+              <a:t>Investigation into using Logistic Regression, Random Forest Classifier, Decision Tree Classifier, Naive Bayes models</a:t>
             </a:r>
           </a:p>
         </p:txBody>
@@ -13619,7 +13729,12 @@
             <p:ph sz="quarter" idx="15"/>
           </p:nvPr>
         </p:nvSpPr>
-        <p:spPr/>
+        <p:spPr>
+          <a:xfrm>
+            <a:off x="468631" y="2676525"/>
+            <a:ext cx="5126880" cy="3597470"/>
+          </a:xfrm>
+        </p:spPr>
         <p:txBody>
           <a:bodyPr/>
           <a:lstStyle/>
@@ -13640,7 +13755,7 @@
             </a:pPr>
             <a:r>
               <a:rPr lang="en-US" dirty="0"/>
-              <a:t>One year of transaction data from a UK based online store</a:t>
+              <a:t>One year of transaction data from a UK based online store (12/1/2010-12/3/2011)</a:t>
             </a:r>
           </a:p>
         </p:txBody>
@@ -14839,7 +14954,7 @@
           <a:p>
             <a:r>
               <a:rPr lang="en-US" dirty="0"/>
-              <a:t>Clustering models:</a:t>
+              <a:t>Clustering models: </a:t>
             </a:r>
           </a:p>
           <a:p>
@@ -14859,7 +14974,7 @@
           <a:p>
             <a:r>
               <a:rPr lang="en-US" dirty="0"/>
-              <a:t>Classification models:</a:t>
+              <a:t>Classification models</a:t>
             </a:r>
           </a:p>
           <a:p>
@@ -15733,15 +15848,6 @@
 </file>
 
 <file path=customXml/item2.xml><?xml version="1.0" encoding="utf-8"?>
-<p:properties xmlns:p="http://schemas.microsoft.com/office/2006/metadata/properties" xmlns:xsi="http://www.w3.org/2001/XMLSchema-instance" xmlns:pc="http://schemas.microsoft.com/office/infopath/2007/PartnerControls">
-  <documentManagement>
-    <MediaServiceKeyPoints xmlns="36bfe3e4-a9a1-4744-89c9-0dc4222cc98d" xsi:nil="true"/>
-    <_activity xmlns="36bfe3e4-a9a1-4744-89c9-0dc4222cc98d" xsi:nil="true"/>
-  </documentManagement>
-</p:properties>
-</file>
-
-<file path=customXml/item3.xml><?xml version="1.0" encoding="utf-8"?>
 <ct:contentTypeSchema xmlns:ct="http://schemas.microsoft.com/office/2006/metadata/contentType" xmlns:ma="http://schemas.microsoft.com/office/2006/metadata/properties/metaAttributes" ct:_="" ma:_="" ma:contentTypeName="Document" ma:contentTypeID="0x010100AC165CA4B406954B864AB0D59E9EDF20" ma:contentTypeVersion="14" ma:contentTypeDescription="Create a new document." ma:contentTypeScope="" ma:versionID="f61eba1f51388167d1a2ca86798aeb42">
   <xsd:schema xmlns:xsd="http://www.w3.org/2001/XMLSchema" xmlns:xs="http://www.w3.org/2001/XMLSchema" xmlns:p="http://schemas.microsoft.com/office/2006/metadata/properties" xmlns:ns3="36bfe3e4-a9a1-4744-89c9-0dc4222cc98d" xmlns:ns4="d5c141e3-8706-46d0-83d0-f907a8d0ab53" targetNamespace="http://schemas.microsoft.com/office/2006/metadata/properties" ma:root="true" ma:fieldsID="2c56cdbe93365acab27489ce652be9c3" ns3:_="" ns4:_="">
     <xsd:import namespace="36bfe3e4-a9a1-4744-89c9-0dc4222cc98d"/>
@@ -15970,6 +16076,15 @@
 </ct:contentTypeSchema>
 </file>
 
+<file path=customXml/item3.xml><?xml version="1.0" encoding="utf-8"?>
+<p:properties xmlns:p="http://schemas.microsoft.com/office/2006/metadata/properties" xmlns:xsi="http://www.w3.org/2001/XMLSchema-instance" xmlns:pc="http://schemas.microsoft.com/office/infopath/2007/PartnerControls">
+  <documentManagement>
+    <MediaServiceKeyPoints xmlns="36bfe3e4-a9a1-4744-89c9-0dc4222cc98d" xsi:nil="true"/>
+    <_activity xmlns="36bfe3e4-a9a1-4744-89c9-0dc4222cc98d" xsi:nil="true"/>
+  </documentManagement>
+</p:properties>
+</file>
+
 <file path=customXml/itemProps1.xml><?xml version="1.0" encoding="utf-8"?>
 <ds:datastoreItem xmlns:ds="http://schemas.openxmlformats.org/officeDocument/2006/customXml" ds:itemID="{C21FFAC0-05A2-416A-B06C-C248395482CF}">
   <ds:schemaRefs>
@@ -15979,23 +16094,6 @@
 </file>
 
 <file path=customXml/itemProps2.xml><?xml version="1.0" encoding="utf-8"?>
-<ds:datastoreItem xmlns:ds="http://schemas.openxmlformats.org/officeDocument/2006/customXml" ds:itemID="{4F4B194E-8B30-4377-8C59-ECFB902D2A26}">
-  <ds:schemaRefs>
-    <ds:schemaRef ds:uri="36bfe3e4-a9a1-4744-89c9-0dc4222cc98d"/>
-    <ds:schemaRef ds:uri="http://schemas.microsoft.com/office/2006/metadata/properties"/>
-    <ds:schemaRef ds:uri="http://schemas.openxmlformats.org/package/2006/metadata/core-properties"/>
-    <ds:schemaRef ds:uri="d5c141e3-8706-46d0-83d0-f907a8d0ab53"/>
-    <ds:schemaRef ds:uri="http://purl.org/dc/elements/1.1/"/>
-    <ds:schemaRef ds:uri="http://schemas.microsoft.com/office/2006/documentManagement/types"/>
-    <ds:schemaRef ds:uri="http://purl.org/dc/terms/"/>
-    <ds:schemaRef ds:uri="http://purl.org/dc/dcmitype/"/>
-    <ds:schemaRef ds:uri="http://schemas.microsoft.com/office/infopath/2007/PartnerControls"/>
-    <ds:schemaRef ds:uri="http://www.w3.org/XML/1998/namespace"/>
-  </ds:schemaRefs>
-</ds:datastoreItem>
-</file>
-
-<file path=customXml/itemProps3.xml><?xml version="1.0" encoding="utf-8"?>
 <ds:datastoreItem xmlns:ds="http://schemas.openxmlformats.org/officeDocument/2006/customXml" ds:itemID="{0F30C807-7D39-48B3-9FA0-64306D0E30AA}">
   <ds:schemaRefs>
     <ds:schemaRef ds:uri="http://schemas.microsoft.com/office/2006/metadata/contentType"/>
@@ -16014,6 +16112,23 @@
 </ds:datastoreItem>
 </file>
 
+<file path=customXml/itemProps3.xml><?xml version="1.0" encoding="utf-8"?>
+<ds:datastoreItem xmlns:ds="http://schemas.openxmlformats.org/officeDocument/2006/customXml" ds:itemID="{4F4B194E-8B30-4377-8C59-ECFB902D2A26}">
+  <ds:schemaRefs>
+    <ds:schemaRef ds:uri="36bfe3e4-a9a1-4744-89c9-0dc4222cc98d"/>
+    <ds:schemaRef ds:uri="http://schemas.microsoft.com/office/2006/metadata/properties"/>
+    <ds:schemaRef ds:uri="http://schemas.openxmlformats.org/package/2006/metadata/core-properties"/>
+    <ds:schemaRef ds:uri="d5c141e3-8706-46d0-83d0-f907a8d0ab53"/>
+    <ds:schemaRef ds:uri="http://purl.org/dc/elements/1.1/"/>
+    <ds:schemaRef ds:uri="http://schemas.microsoft.com/office/2006/documentManagement/types"/>
+    <ds:schemaRef ds:uri="http://purl.org/dc/terms/"/>
+    <ds:schemaRef ds:uri="http://purl.org/dc/dcmitype/"/>
+    <ds:schemaRef ds:uri="http://schemas.microsoft.com/office/infopath/2007/PartnerControls"/>
+    <ds:schemaRef ds:uri="http://www.w3.org/XML/1998/namespace"/>
+  </ds:schemaRefs>
+</ds:datastoreItem>
+</file>
+
 <file path=docMetadata/LabelInfo.xml><?xml version="1.0" encoding="utf-8"?>
 <clbl:labelList xmlns:clbl="http://schemas.microsoft.com/office/2020/mipLabelMetadata"/>
 </file>